--- a/driftstøtte(internettoppsett)/inernettoppsett.pptx
+++ b/driftstøtte(internettoppsett)/inernettoppsett.pptx
@@ -2,10 +2,14 @@
 <file path=ppt/presentation.xml><?xml version="1.0" encoding="utf-8"?>
 <p:presentation xmlns:a="http://schemas.openxmlformats.org/drawingml/2006/main" xmlns:r="http://schemas.openxmlformats.org/officeDocument/2006/relationships" xmlns:p="http://schemas.openxmlformats.org/presentationml/2006/main" saveSubsetFonts="1">
   <p:sldMasterIdLst>
-    <p:sldMasterId id="2147483648" r:id="rId1"/>
+    <p:sldMasterId id="2147483696" r:id="rId1"/>
   </p:sldMasterIdLst>
+  <p:notesMasterIdLst>
+    <p:notesMasterId r:id="rId4"/>
+  </p:notesMasterIdLst>
   <p:sldIdLst>
-    <p:sldId id="256" r:id="rId2"/>
+    <p:sldId id="257" r:id="rId2"/>
+    <p:sldId id="256" r:id="rId3"/>
   </p:sldIdLst>
   <p:sldSz cx="12192000" cy="6858000"/>
   <p:notesSz cx="6858000" cy="9144000"/>
@@ -107,9 +111,40 @@
 </p:presentation>
 </file>
 
-<file path=ppt/slideLayouts/slideLayout1.xml><?xml version="1.0" encoding="utf-8"?>
-<p:sldLayout xmlns:a="http://schemas.openxmlformats.org/drawingml/2006/main" xmlns:r="http://schemas.openxmlformats.org/officeDocument/2006/relationships" xmlns:p="http://schemas.openxmlformats.org/presentationml/2006/main" type="title" preserve="1">
-  <p:cSld name="Tittellysbilde">
+<file path=ppt/ink/ink1.xml><?xml version="1.0" encoding="utf-8"?>
+<inkml:ink xmlns:inkml="http://www.w3.org/2003/InkML">
+  <inkml:definitions>
+    <inkml:context xml:id="ctx0">
+      <inkml:inkSource xml:id="inkSrc0">
+        <inkml:traceFormat>
+          <inkml:channel name="X" type="integer" min="-2.14748E9" max="2.14748E9" units="cm"/>
+          <inkml:channel name="Y" type="integer" min="-2.14748E9" max="2.14748E9" units="cm"/>
+        </inkml:traceFormat>
+        <inkml:channelProperties>
+          <inkml:channelProperty channel="X" name="resolution" value="1000" units="1/cm"/>
+          <inkml:channelProperty channel="Y" name="resolution" value="1000" units="1/cm"/>
+        </inkml:channelProperties>
+      </inkml:inkSource>
+      <inkml:timestamp xml:id="ts0" timeString="2025-06-11T19:53:51.668"/>
+    </inkml:context>
+    <inkml:brush xml:id="br0">
+      <inkml:brushProperty name="width" value="0.2" units="cm"/>
+      <inkml:brushProperty name="height" value="0.2" units="cm"/>
+      <inkml:brushProperty name="ignorePressure" value="1"/>
+    </inkml:brush>
+  </inkml:definitions>
+  <inkml:trace contextRef="#ctx0" brushRef="#br0">1 0,'1425'1425,"-980"-979,-441-442</inkml:trace>
+</inkml:ink>
+</file>
+
+<file path=ppt/notesMasters/notesMaster1.xml><?xml version="1.0" encoding="utf-8"?>
+<p:notesMaster xmlns:a="http://schemas.openxmlformats.org/drawingml/2006/main" xmlns:r="http://schemas.openxmlformats.org/officeDocument/2006/relationships" xmlns:p="http://schemas.openxmlformats.org/presentationml/2006/main">
+  <p:cSld>
+    <p:bg>
+      <p:bgRef idx="1001">
+        <a:schemeClr val="bg1"/>
+      </p:bgRef>
+    </p:bg>
     <p:spTree>
       <p:nvGrpSpPr>
         <p:cNvPr id="1" name=""/>
@@ -126,133 +161,63 @@
       </p:grpSpPr>
       <p:sp>
         <p:nvSpPr>
-          <p:cNvPr id="2" name="Tittel 1">
-            <a:extLst>
-              <a:ext uri="{FF2B5EF4-FFF2-40B4-BE49-F238E27FC236}">
-                <a16:creationId xmlns:a16="http://schemas.microsoft.com/office/drawing/2014/main" id="{3D25D7AE-F08D-F8A6-C8E8-EC6EF9FC7297}"/>
-              </a:ext>
-            </a:extLst>
-          </p:cNvPr>
-          <p:cNvSpPr>
-            <a:spLocks noGrp="1"/>
-          </p:cNvSpPr>
-          <p:nvPr>
-            <p:ph type="ctrTitle"/>
+          <p:cNvPr id="2" name="Plassholder for topptekst 1"/>
+          <p:cNvSpPr>
+            <a:spLocks noGrp="1"/>
+          </p:cNvSpPr>
+          <p:nvPr>
+            <p:ph type="hdr" sz="quarter"/>
           </p:nvPr>
         </p:nvSpPr>
         <p:spPr>
           <a:xfrm>
-            <a:off x="1524000" y="1122363"/>
-            <a:ext cx="9144000" cy="2387600"/>
+            <a:off x="0" y="0"/>
+            <a:ext cx="2971800" cy="458788"/>
           </a:xfrm>
+          <a:prstGeom prst="rect">
+            <a:avLst/>
+          </a:prstGeom>
         </p:spPr>
         <p:txBody>
-          <a:bodyPr anchor="b"/>
+          <a:bodyPr vert="horz" lIns="91440" tIns="45720" rIns="91440" bIns="45720" rtlCol="0"/>
           <a:lstStyle>
-            <a:lvl1pPr algn="ctr">
-              <a:defRPr sz="6000"/>
+            <a:lvl1pPr algn="l">
+              <a:defRPr sz="1200"/>
             </a:lvl1pPr>
           </a:lstStyle>
           <a:p>
-            <a:r>
-              <a:rPr lang="nb-NO"/>
-              <a:t>Klikk for å redigere tittelstil</a:t>
-            </a:r>
-          </a:p>
-        </p:txBody>
-      </p:sp>
-      <p:sp>
-        <p:nvSpPr>
-          <p:cNvPr id="3" name="Undertittel 2">
-            <a:extLst>
-              <a:ext uri="{FF2B5EF4-FFF2-40B4-BE49-F238E27FC236}">
-                <a16:creationId xmlns:a16="http://schemas.microsoft.com/office/drawing/2014/main" id="{F8E563A8-B600-35BA-4896-96D0F6E242B4}"/>
-              </a:ext>
-            </a:extLst>
-          </p:cNvPr>
-          <p:cNvSpPr>
-            <a:spLocks noGrp="1"/>
-          </p:cNvSpPr>
-          <p:nvPr>
-            <p:ph type="subTitle" idx="1"/>
+            <a:endParaRPr lang="nb-NO"/>
+          </a:p>
+        </p:txBody>
+      </p:sp>
+      <p:sp>
+        <p:nvSpPr>
+          <p:cNvPr id="3" name="Plassholder for dato 2"/>
+          <p:cNvSpPr>
+            <a:spLocks noGrp="1"/>
+          </p:cNvSpPr>
+          <p:nvPr>
+            <p:ph type="dt" idx="1"/>
           </p:nvPr>
         </p:nvSpPr>
         <p:spPr>
           <a:xfrm>
-            <a:off x="1524000" y="3602038"/>
-            <a:ext cx="9144000" cy="1655762"/>
+            <a:off x="3884613" y="0"/>
+            <a:ext cx="2971800" cy="458788"/>
           </a:xfrm>
+          <a:prstGeom prst="rect">
+            <a:avLst/>
+          </a:prstGeom>
         </p:spPr>
         <p:txBody>
-          <a:bodyPr/>
+          <a:bodyPr vert="horz" lIns="91440" tIns="45720" rIns="91440" bIns="45720" rtlCol="0"/>
           <a:lstStyle>
-            <a:lvl1pPr marL="0" indent="0" algn="ctr">
-              <a:buNone/>
-              <a:defRPr sz="2400"/>
+            <a:lvl1pPr algn="r">
+              <a:defRPr sz="1200"/>
             </a:lvl1pPr>
-            <a:lvl2pPr marL="457200" indent="0" algn="ctr">
-              <a:buNone/>
-              <a:defRPr sz="2000"/>
-            </a:lvl2pPr>
-            <a:lvl3pPr marL="914400" indent="0" algn="ctr">
-              <a:buNone/>
-              <a:defRPr sz="1800"/>
-            </a:lvl3pPr>
-            <a:lvl4pPr marL="1371600" indent="0" algn="ctr">
-              <a:buNone/>
-              <a:defRPr sz="1600"/>
-            </a:lvl4pPr>
-            <a:lvl5pPr marL="1828800" indent="0" algn="ctr">
-              <a:buNone/>
-              <a:defRPr sz="1600"/>
-            </a:lvl5pPr>
-            <a:lvl6pPr marL="2286000" indent="0" algn="ctr">
-              <a:buNone/>
-              <a:defRPr sz="1600"/>
-            </a:lvl6pPr>
-            <a:lvl7pPr marL="2743200" indent="0" algn="ctr">
-              <a:buNone/>
-              <a:defRPr sz="1600"/>
-            </a:lvl7pPr>
-            <a:lvl8pPr marL="3200400" indent="0" algn="ctr">
-              <a:buNone/>
-              <a:defRPr sz="1600"/>
-            </a:lvl8pPr>
-            <a:lvl9pPr marL="3657600" indent="0" algn="ctr">
-              <a:buNone/>
-              <a:defRPr sz="1600"/>
-            </a:lvl9pPr>
           </a:lstStyle>
           <a:p>
-            <a:r>
-              <a:rPr lang="nb-NO"/>
-              <a:t>Klikk for å redigere undertittelstil i malen</a:t>
-            </a:r>
-          </a:p>
-        </p:txBody>
-      </p:sp>
-      <p:sp>
-        <p:nvSpPr>
-          <p:cNvPr id="4" name="Plassholder for dato 3">
-            <a:extLst>
-              <a:ext uri="{FF2B5EF4-FFF2-40B4-BE49-F238E27FC236}">
-                <a16:creationId xmlns:a16="http://schemas.microsoft.com/office/drawing/2014/main" id="{2CA4EA29-7AAC-C374-32ED-C55D0273A0C8}"/>
-              </a:ext>
-            </a:extLst>
-          </p:cNvPr>
-          <p:cNvSpPr>
-            <a:spLocks noGrp="1"/>
-          </p:cNvSpPr>
-          <p:nvPr>
-            <p:ph type="dt" sz="half" idx="10"/>
-          </p:nvPr>
-        </p:nvSpPr>
-        <p:spPr/>
-        <p:txBody>
-          <a:bodyPr/>
-          <a:lstStyle/>
-          <a:p>
-            <a:fld id="{12FB2D99-767A-468E-922C-2AC279847D31}" type="datetimeFigureOut">
+            <a:fld id="{B2A1FB56-8C6B-4806-8DEA-C556393E0809}" type="datetimeFigureOut">
               <a:rPr lang="nb-NO" smtClean="0"/>
               <a:t>11.06.2025</a:t>
             </a:fld>
@@ -262,23 +227,31 @@
       </p:sp>
       <p:sp>
         <p:nvSpPr>
-          <p:cNvPr id="5" name="Plassholder for bunntekst 4">
-            <a:extLst>
-              <a:ext uri="{FF2B5EF4-FFF2-40B4-BE49-F238E27FC236}">
-                <a16:creationId xmlns:a16="http://schemas.microsoft.com/office/drawing/2014/main" id="{37486980-21A3-3605-A664-D317F52D4C20}"/>
-              </a:ext>
-            </a:extLst>
-          </p:cNvPr>
-          <p:cNvSpPr>
-            <a:spLocks noGrp="1"/>
-          </p:cNvSpPr>
-          <p:nvPr>
-            <p:ph type="ftr" sz="quarter" idx="11"/>
-          </p:nvPr>
-        </p:nvSpPr>
-        <p:spPr/>
-        <p:txBody>
-          <a:bodyPr/>
+          <p:cNvPr id="4" name="Plassholder for lysbilde 3"/>
+          <p:cNvSpPr>
+            <a:spLocks noGrp="1" noRot="1" noChangeAspect="1"/>
+          </p:cNvSpPr>
+          <p:nvPr>
+            <p:ph type="sldImg" idx="2"/>
+          </p:nvPr>
+        </p:nvSpPr>
+        <p:spPr>
+          <a:xfrm>
+            <a:off x="685800" y="1143000"/>
+            <a:ext cx="5486400" cy="3086100"/>
+          </a:xfrm>
+          <a:prstGeom prst="rect">
+            <a:avLst/>
+          </a:prstGeom>
+          <a:noFill/>
+          <a:ln w="12700">
+            <a:solidFill>
+              <a:prstClr val="black"/>
+            </a:solidFill>
+          </a:ln>
+        </p:spPr>
+        <p:txBody>
+          <a:bodyPr vert="horz" lIns="91440" tIns="45720" rIns="91440" bIns="45720" rtlCol="0" anchor="ctr"/>
           <a:lstStyle/>
           <a:p>
             <a:endParaRPr lang="nb-NO"/>
@@ -287,26 +260,122 @@
       </p:sp>
       <p:sp>
         <p:nvSpPr>
-          <p:cNvPr id="6" name="Plassholder for lysbildenummer 5">
-            <a:extLst>
-              <a:ext uri="{FF2B5EF4-FFF2-40B4-BE49-F238E27FC236}">
-                <a16:creationId xmlns:a16="http://schemas.microsoft.com/office/drawing/2014/main" id="{F64450FC-7A8A-28F6-9891-ECDB05A883C0}"/>
-              </a:ext>
-            </a:extLst>
-          </p:cNvPr>
-          <p:cNvSpPr>
-            <a:spLocks noGrp="1"/>
-          </p:cNvSpPr>
-          <p:nvPr>
-            <p:ph type="sldNum" sz="quarter" idx="12"/>
-          </p:nvPr>
-        </p:nvSpPr>
-        <p:spPr/>
-        <p:txBody>
-          <a:bodyPr/>
-          <a:lstStyle/>
-          <a:p>
-            <a:fld id="{4BE26480-A091-4AEC-B5CE-A4FA048602D4}" type="slidenum">
+          <p:cNvPr id="5" name="Plassholder for notater 4"/>
+          <p:cNvSpPr>
+            <a:spLocks noGrp="1"/>
+          </p:cNvSpPr>
+          <p:nvPr>
+            <p:ph type="body" sz="quarter" idx="3"/>
+          </p:nvPr>
+        </p:nvSpPr>
+        <p:spPr>
+          <a:xfrm>
+            <a:off x="685800" y="4400550"/>
+            <a:ext cx="5486400" cy="3600450"/>
+          </a:xfrm>
+          <a:prstGeom prst="rect">
+            <a:avLst/>
+          </a:prstGeom>
+        </p:spPr>
+        <p:txBody>
+          <a:bodyPr vert="horz" lIns="91440" tIns="45720" rIns="91440" bIns="45720" rtlCol="0"/>
+          <a:lstStyle/>
+          <a:p>
+            <a:pPr lvl="0"/>
+            <a:r>
+              <a:rPr lang="nb-NO"/>
+              <a:t>Klikk for å redigere tekststiler i malen</a:t>
+            </a:r>
+          </a:p>
+          <a:p>
+            <a:pPr lvl="1"/>
+            <a:r>
+              <a:rPr lang="nb-NO"/>
+              <a:t>Andre nivå</a:t>
+            </a:r>
+          </a:p>
+          <a:p>
+            <a:pPr lvl="2"/>
+            <a:r>
+              <a:rPr lang="nb-NO"/>
+              <a:t>Tredje nivå</a:t>
+            </a:r>
+          </a:p>
+          <a:p>
+            <a:pPr lvl="3"/>
+            <a:r>
+              <a:rPr lang="nb-NO"/>
+              <a:t>Fjerde nivå</a:t>
+            </a:r>
+          </a:p>
+          <a:p>
+            <a:pPr lvl="4"/>
+            <a:r>
+              <a:rPr lang="nb-NO"/>
+              <a:t>Femte nivå</a:t>
+            </a:r>
+          </a:p>
+        </p:txBody>
+      </p:sp>
+      <p:sp>
+        <p:nvSpPr>
+          <p:cNvPr id="6" name="Plassholder for bunntekst 5"/>
+          <p:cNvSpPr>
+            <a:spLocks noGrp="1"/>
+          </p:cNvSpPr>
+          <p:nvPr>
+            <p:ph type="ftr" sz="quarter" idx="4"/>
+          </p:nvPr>
+        </p:nvSpPr>
+        <p:spPr>
+          <a:xfrm>
+            <a:off x="0" y="8685213"/>
+            <a:ext cx="2971800" cy="458787"/>
+          </a:xfrm>
+          <a:prstGeom prst="rect">
+            <a:avLst/>
+          </a:prstGeom>
+        </p:spPr>
+        <p:txBody>
+          <a:bodyPr vert="horz" lIns="91440" tIns="45720" rIns="91440" bIns="45720" rtlCol="0" anchor="b"/>
+          <a:lstStyle>
+            <a:lvl1pPr algn="l">
+              <a:defRPr sz="1200"/>
+            </a:lvl1pPr>
+          </a:lstStyle>
+          <a:p>
+            <a:endParaRPr lang="nb-NO"/>
+          </a:p>
+        </p:txBody>
+      </p:sp>
+      <p:sp>
+        <p:nvSpPr>
+          <p:cNvPr id="7" name="Plassholder for lysbildenummer 6"/>
+          <p:cNvSpPr>
+            <a:spLocks noGrp="1"/>
+          </p:cNvSpPr>
+          <p:nvPr>
+            <p:ph type="sldNum" sz="quarter" idx="5"/>
+          </p:nvPr>
+        </p:nvSpPr>
+        <p:spPr>
+          <a:xfrm>
+            <a:off x="3884613" y="8685213"/>
+            <a:ext cx="2971800" cy="458787"/>
+          </a:xfrm>
+          <a:prstGeom prst="rect">
+            <a:avLst/>
+          </a:prstGeom>
+        </p:spPr>
+        <p:txBody>
+          <a:bodyPr vert="horz" lIns="91440" tIns="45720" rIns="91440" bIns="45720" rtlCol="0" anchor="b"/>
+          <a:lstStyle>
+            <a:lvl1pPr algn="r">
+              <a:defRPr sz="1200"/>
+            </a:lvl1pPr>
+          </a:lstStyle>
+          <a:p>
+            <a:fld id="{BFA230C5-AE37-495E-8688-D93F06C602BE}" type="slidenum">
               <a:rPr lang="nb-NO" smtClean="0"/>
               <a:t>‹#›</a:t>
             </a:fld>
@@ -317,19 +386,229 @@
     </p:spTree>
     <p:extLst>
       <p:ext uri="{BB962C8B-B14F-4D97-AF65-F5344CB8AC3E}">
-        <p14:creationId xmlns:p14="http://schemas.microsoft.com/office/powerpoint/2010/main" val="4096708008"/>
+        <p14:creationId xmlns:p14="http://schemas.microsoft.com/office/powerpoint/2010/main" val="2228297831"/>
+      </p:ext>
+    </p:extLst>
+  </p:cSld>
+  <p:clrMap bg1="lt1" tx1="dk1" bg2="lt2" tx2="dk2" accent1="accent1" accent2="accent2" accent3="accent3" accent4="accent4" accent5="accent5" accent6="accent6" hlink="hlink" folHlink="folHlink"/>
+  <p:notesStyle>
+    <a:lvl1pPr marL="0" algn="l" defTabSz="914400" rtl="0" eaLnBrk="1" latinLnBrk="0" hangingPunct="1">
+      <a:defRPr sz="1200" kern="1200">
+        <a:solidFill>
+          <a:schemeClr val="tx1"/>
+        </a:solidFill>
+        <a:latin typeface="+mn-lt"/>
+        <a:ea typeface="+mn-ea"/>
+        <a:cs typeface="+mn-cs"/>
+      </a:defRPr>
+    </a:lvl1pPr>
+    <a:lvl2pPr marL="457200" algn="l" defTabSz="914400" rtl="0" eaLnBrk="1" latinLnBrk="0" hangingPunct="1">
+      <a:defRPr sz="1200" kern="1200">
+        <a:solidFill>
+          <a:schemeClr val="tx1"/>
+        </a:solidFill>
+        <a:latin typeface="+mn-lt"/>
+        <a:ea typeface="+mn-ea"/>
+        <a:cs typeface="+mn-cs"/>
+      </a:defRPr>
+    </a:lvl2pPr>
+    <a:lvl3pPr marL="914400" algn="l" defTabSz="914400" rtl="0" eaLnBrk="1" latinLnBrk="0" hangingPunct="1">
+      <a:defRPr sz="1200" kern="1200">
+        <a:solidFill>
+          <a:schemeClr val="tx1"/>
+        </a:solidFill>
+        <a:latin typeface="+mn-lt"/>
+        <a:ea typeface="+mn-ea"/>
+        <a:cs typeface="+mn-cs"/>
+      </a:defRPr>
+    </a:lvl3pPr>
+    <a:lvl4pPr marL="1371600" algn="l" defTabSz="914400" rtl="0" eaLnBrk="1" latinLnBrk="0" hangingPunct="1">
+      <a:defRPr sz="1200" kern="1200">
+        <a:solidFill>
+          <a:schemeClr val="tx1"/>
+        </a:solidFill>
+        <a:latin typeface="+mn-lt"/>
+        <a:ea typeface="+mn-ea"/>
+        <a:cs typeface="+mn-cs"/>
+      </a:defRPr>
+    </a:lvl4pPr>
+    <a:lvl5pPr marL="1828800" algn="l" defTabSz="914400" rtl="0" eaLnBrk="1" latinLnBrk="0" hangingPunct="1">
+      <a:defRPr sz="1200" kern="1200">
+        <a:solidFill>
+          <a:schemeClr val="tx1"/>
+        </a:solidFill>
+        <a:latin typeface="+mn-lt"/>
+        <a:ea typeface="+mn-ea"/>
+        <a:cs typeface="+mn-cs"/>
+      </a:defRPr>
+    </a:lvl5pPr>
+    <a:lvl6pPr marL="2286000" algn="l" defTabSz="914400" rtl="0" eaLnBrk="1" latinLnBrk="0" hangingPunct="1">
+      <a:defRPr sz="1200" kern="1200">
+        <a:solidFill>
+          <a:schemeClr val="tx1"/>
+        </a:solidFill>
+        <a:latin typeface="+mn-lt"/>
+        <a:ea typeface="+mn-ea"/>
+        <a:cs typeface="+mn-cs"/>
+      </a:defRPr>
+    </a:lvl6pPr>
+    <a:lvl7pPr marL="2743200" algn="l" defTabSz="914400" rtl="0" eaLnBrk="1" latinLnBrk="0" hangingPunct="1">
+      <a:defRPr sz="1200" kern="1200">
+        <a:solidFill>
+          <a:schemeClr val="tx1"/>
+        </a:solidFill>
+        <a:latin typeface="+mn-lt"/>
+        <a:ea typeface="+mn-ea"/>
+        <a:cs typeface="+mn-cs"/>
+      </a:defRPr>
+    </a:lvl7pPr>
+    <a:lvl8pPr marL="3200400" algn="l" defTabSz="914400" rtl="0" eaLnBrk="1" latinLnBrk="0" hangingPunct="1">
+      <a:defRPr sz="1200" kern="1200">
+        <a:solidFill>
+          <a:schemeClr val="tx1"/>
+        </a:solidFill>
+        <a:latin typeface="+mn-lt"/>
+        <a:ea typeface="+mn-ea"/>
+        <a:cs typeface="+mn-cs"/>
+      </a:defRPr>
+    </a:lvl8pPr>
+    <a:lvl9pPr marL="3657600" algn="l" defTabSz="914400" rtl="0" eaLnBrk="1" latinLnBrk="0" hangingPunct="1">
+      <a:defRPr sz="1200" kern="1200">
+        <a:solidFill>
+          <a:schemeClr val="tx1"/>
+        </a:solidFill>
+        <a:latin typeface="+mn-lt"/>
+        <a:ea typeface="+mn-ea"/>
+        <a:cs typeface="+mn-cs"/>
+      </a:defRPr>
+    </a:lvl9pPr>
+  </p:notesStyle>
+</p:notesMaster>
+</file>
+
+<file path=ppt/notesSlides/notesSlide1.xml><?xml version="1.0" encoding="utf-8"?>
+<p:notes xmlns:a="http://schemas.openxmlformats.org/drawingml/2006/main" xmlns:r="http://schemas.openxmlformats.org/officeDocument/2006/relationships" xmlns:p="http://schemas.openxmlformats.org/presentationml/2006/main">
+  <p:cSld>
+    <p:spTree>
+      <p:nvGrpSpPr>
+        <p:cNvPr id="1" name="">
+          <a:extLst>
+            <a:ext uri="{FF2B5EF4-FFF2-40B4-BE49-F238E27FC236}">
+              <a16:creationId xmlns:a16="http://schemas.microsoft.com/office/drawing/2014/main" id="{575D4692-49A7-79FE-B28D-9AD3FC0C65AB}"/>
+            </a:ext>
+          </a:extLst>
+        </p:cNvPr>
+        <p:cNvGrpSpPr/>
+        <p:nvPr/>
+      </p:nvGrpSpPr>
+      <p:grpSpPr>
+        <a:xfrm>
+          <a:off x="0" y="0"/>
+          <a:ext cx="0" cy="0"/>
+          <a:chOff x="0" y="0"/>
+          <a:chExt cx="0" cy="0"/>
+        </a:xfrm>
+      </p:grpSpPr>
+      <p:sp>
+        <p:nvSpPr>
+          <p:cNvPr id="2" name="Plassholder for lysbilde 1">
+            <a:extLst>
+              <a:ext uri="{FF2B5EF4-FFF2-40B4-BE49-F238E27FC236}">
+                <a16:creationId xmlns:a16="http://schemas.microsoft.com/office/drawing/2014/main" id="{D688D040-B04D-74F9-CF2D-EAB119B7A76C}"/>
+              </a:ext>
+            </a:extLst>
+          </p:cNvPr>
+          <p:cNvSpPr>
+            <a:spLocks noGrp="1" noRot="1" noChangeAspect="1"/>
+          </p:cNvSpPr>
+          <p:nvPr>
+            <p:ph type="sldImg"/>
+          </p:nvPr>
+        </p:nvSpPr>
+        <p:spPr/>
+      </p:sp>
+      <p:sp>
+        <p:nvSpPr>
+          <p:cNvPr id="3" name="Plassholder for notater 2">
+            <a:extLst>
+              <a:ext uri="{FF2B5EF4-FFF2-40B4-BE49-F238E27FC236}">
+                <a16:creationId xmlns:a16="http://schemas.microsoft.com/office/drawing/2014/main" id="{FD793FE4-A863-B2A9-9287-29CADAD2484E}"/>
+              </a:ext>
+            </a:extLst>
+          </p:cNvPr>
+          <p:cNvSpPr>
+            <a:spLocks noGrp="1"/>
+          </p:cNvSpPr>
+          <p:nvPr>
+            <p:ph type="body" idx="1"/>
+          </p:nvPr>
+        </p:nvSpPr>
+        <p:spPr/>
+        <p:txBody>
+          <a:bodyPr/>
+          <a:lstStyle/>
+          <a:p>
+            <a:pPr algn="l"/>
+            <a:r>
+              <a:rPr lang="nb-NO" dirty="0"/>
+              <a:t>Dette er mitt løsnings forslaget på internettproblemet til </a:t>
+            </a:r>
+            <a:r>
+              <a:rPr lang="nb-NO" dirty="0" err="1"/>
+              <a:t>skogvika</a:t>
+            </a:r>
+            <a:r>
+              <a:rPr lang="nb-NO" dirty="0"/>
+              <a:t> VGS</a:t>
+            </a:r>
+          </a:p>
+        </p:txBody>
+      </p:sp>
+      <p:sp>
+        <p:nvSpPr>
+          <p:cNvPr id="4" name="Plassholder for lysbildenummer 3">
+            <a:extLst>
+              <a:ext uri="{FF2B5EF4-FFF2-40B4-BE49-F238E27FC236}">
+                <a16:creationId xmlns:a16="http://schemas.microsoft.com/office/drawing/2014/main" id="{5B940D66-A62A-FFCE-1923-D277A50913B2}"/>
+              </a:ext>
+            </a:extLst>
+          </p:cNvPr>
+          <p:cNvSpPr>
+            <a:spLocks noGrp="1"/>
+          </p:cNvSpPr>
+          <p:nvPr>
+            <p:ph type="sldNum" sz="quarter" idx="5"/>
+          </p:nvPr>
+        </p:nvSpPr>
+        <p:spPr/>
+        <p:txBody>
+          <a:bodyPr/>
+          <a:lstStyle/>
+          <a:p>
+            <a:fld id="{BFA230C5-AE37-495E-8688-D93F06C602BE}" type="slidenum">
+              <a:rPr lang="nb-NO" smtClean="0"/>
+              <a:t>1</a:t>
+            </a:fld>
+            <a:endParaRPr lang="nb-NO"/>
+          </a:p>
+        </p:txBody>
+      </p:sp>
+    </p:spTree>
+    <p:extLst>
+      <p:ext uri="{BB962C8B-B14F-4D97-AF65-F5344CB8AC3E}">
+        <p14:creationId xmlns:p14="http://schemas.microsoft.com/office/powerpoint/2010/main" val="930533405"/>
       </p:ext>
     </p:extLst>
   </p:cSld>
   <p:clrMapOvr>
     <a:masterClrMapping/>
   </p:clrMapOvr>
-</p:sldLayout>
+</p:notes>
 </file>
 
-<file path=ppt/slideLayouts/slideLayout10.xml><?xml version="1.0" encoding="utf-8"?>
-<p:sldLayout xmlns:a="http://schemas.openxmlformats.org/drawingml/2006/main" xmlns:r="http://schemas.openxmlformats.org/officeDocument/2006/relationships" xmlns:p="http://schemas.openxmlformats.org/presentationml/2006/main" type="vertTx" preserve="1">
-  <p:cSld name="Loddrett tekst">
+<file path=ppt/notesSlides/notesSlide2.xml><?xml version="1.0" encoding="utf-8"?>
+<p:notes xmlns:a="http://schemas.openxmlformats.org/drawingml/2006/main" xmlns:r="http://schemas.openxmlformats.org/officeDocument/2006/relationships" xmlns:p="http://schemas.openxmlformats.org/presentationml/2006/main">
+  <p:cSld>
     <p:spTree>
       <p:nvGrpSpPr>
         <p:cNvPr id="1" name=""/>
@@ -346,167 +625,65 @@
       </p:grpSpPr>
       <p:sp>
         <p:nvSpPr>
-          <p:cNvPr id="2" name="Tittel 1">
-            <a:extLst>
-              <a:ext uri="{FF2B5EF4-FFF2-40B4-BE49-F238E27FC236}">
-                <a16:creationId xmlns:a16="http://schemas.microsoft.com/office/drawing/2014/main" id="{70B1DBF1-236E-54A5-17A8-015E6CE3F0F2}"/>
-              </a:ext>
-            </a:extLst>
-          </p:cNvPr>
-          <p:cNvSpPr>
-            <a:spLocks noGrp="1"/>
-          </p:cNvSpPr>
-          <p:nvPr>
-            <p:ph type="title"/>
+          <p:cNvPr id="2" name="Plassholder for lysbilde 1"/>
+          <p:cNvSpPr>
+            <a:spLocks noGrp="1" noRot="1" noChangeAspect="1"/>
+          </p:cNvSpPr>
+          <p:nvPr>
+            <p:ph type="sldImg"/>
           </p:nvPr>
         </p:nvSpPr>
         <p:spPr/>
+      </p:sp>
+      <p:sp>
+        <p:nvSpPr>
+          <p:cNvPr id="3" name="Plassholder for notater 2"/>
+          <p:cNvSpPr>
+            <a:spLocks noGrp="1"/>
+          </p:cNvSpPr>
+          <p:nvPr>
+            <p:ph type="body" idx="1"/>
+          </p:nvPr>
+        </p:nvSpPr>
+        <p:spPr/>
         <p:txBody>
           <a:bodyPr/>
           <a:lstStyle/>
           <a:p>
-            <a:r>
-              <a:rPr lang="nb-NO"/>
-              <a:t>Klikk for å redigere tittelstil</a:t>
-            </a:r>
-          </a:p>
-        </p:txBody>
-      </p:sp>
-      <p:sp>
-        <p:nvSpPr>
-          <p:cNvPr id="3" name="Plassholder for loddrett tekst 2">
-            <a:extLst>
-              <a:ext uri="{FF2B5EF4-FFF2-40B4-BE49-F238E27FC236}">
-                <a16:creationId xmlns:a16="http://schemas.microsoft.com/office/drawing/2014/main" id="{35EB0323-A9E8-D5B6-623A-5DC786A98F7C}"/>
-              </a:ext>
-            </a:extLst>
-          </p:cNvPr>
-          <p:cNvSpPr>
-            <a:spLocks noGrp="1"/>
-          </p:cNvSpPr>
-          <p:nvPr>
-            <p:ph type="body" orient="vert" idx="1"/>
+            <a:pPr algn="l"/>
+            <a:r>
+              <a:rPr lang="nb-NO" dirty="0"/>
+              <a:t>UPS=</a:t>
+            </a:r>
+            <a:r>
+              <a:rPr lang="nb-NO" dirty="0" err="1"/>
+              <a:t>Uninterruptible</a:t>
+            </a:r>
+            <a:r>
+              <a:rPr lang="nb-NO" dirty="0"/>
+              <a:t> Power Supply</a:t>
+            </a:r>
+          </a:p>
+        </p:txBody>
+      </p:sp>
+      <p:sp>
+        <p:nvSpPr>
+          <p:cNvPr id="4" name="Plassholder for lysbildenummer 3"/>
+          <p:cNvSpPr>
+            <a:spLocks noGrp="1"/>
+          </p:cNvSpPr>
+          <p:nvPr>
+            <p:ph type="sldNum" sz="quarter" idx="5"/>
           </p:nvPr>
         </p:nvSpPr>
         <p:spPr/>
         <p:txBody>
-          <a:bodyPr vert="eaVert"/>
-          <a:lstStyle/>
-          <a:p>
-            <a:pPr lvl="0"/>
-            <a:r>
-              <a:rPr lang="nb-NO"/>
-              <a:t>Klikk for å redigere tekststiler i malen</a:t>
-            </a:r>
-          </a:p>
-          <a:p>
-            <a:pPr lvl="1"/>
-            <a:r>
-              <a:rPr lang="nb-NO"/>
-              <a:t>Andre nivå</a:t>
-            </a:r>
-          </a:p>
-          <a:p>
-            <a:pPr lvl="2"/>
-            <a:r>
-              <a:rPr lang="nb-NO"/>
-              <a:t>Tredje nivå</a:t>
-            </a:r>
-          </a:p>
-          <a:p>
-            <a:pPr lvl="3"/>
-            <a:r>
-              <a:rPr lang="nb-NO"/>
-              <a:t>Fjerde nivå</a:t>
-            </a:r>
-          </a:p>
-          <a:p>
-            <a:pPr lvl="4"/>
-            <a:r>
-              <a:rPr lang="nb-NO"/>
-              <a:t>Femte nivå</a:t>
-            </a:r>
-          </a:p>
-        </p:txBody>
-      </p:sp>
-      <p:sp>
-        <p:nvSpPr>
-          <p:cNvPr id="4" name="Plassholder for dato 3">
-            <a:extLst>
-              <a:ext uri="{FF2B5EF4-FFF2-40B4-BE49-F238E27FC236}">
-                <a16:creationId xmlns:a16="http://schemas.microsoft.com/office/drawing/2014/main" id="{C76F90B3-0658-1FCB-F4D0-9FF5E968D5A6}"/>
-              </a:ext>
-            </a:extLst>
-          </p:cNvPr>
-          <p:cNvSpPr>
-            <a:spLocks noGrp="1"/>
-          </p:cNvSpPr>
-          <p:nvPr>
-            <p:ph type="dt" sz="half" idx="10"/>
-          </p:nvPr>
-        </p:nvSpPr>
-        <p:spPr/>
-        <p:txBody>
           <a:bodyPr/>
           <a:lstStyle/>
           <a:p>
-            <a:fld id="{12FB2D99-767A-468E-922C-2AC279847D31}" type="datetimeFigureOut">
+            <a:fld id="{BFA230C5-AE37-495E-8688-D93F06C602BE}" type="slidenum">
               <a:rPr lang="nb-NO" smtClean="0"/>
-              <a:t>11.06.2025</a:t>
-            </a:fld>
-            <a:endParaRPr lang="nb-NO"/>
-          </a:p>
-        </p:txBody>
-      </p:sp>
-      <p:sp>
-        <p:nvSpPr>
-          <p:cNvPr id="5" name="Plassholder for bunntekst 4">
-            <a:extLst>
-              <a:ext uri="{FF2B5EF4-FFF2-40B4-BE49-F238E27FC236}">
-                <a16:creationId xmlns:a16="http://schemas.microsoft.com/office/drawing/2014/main" id="{BC86C012-24CE-CB40-C926-289302D8A890}"/>
-              </a:ext>
-            </a:extLst>
-          </p:cNvPr>
-          <p:cNvSpPr>
-            <a:spLocks noGrp="1"/>
-          </p:cNvSpPr>
-          <p:nvPr>
-            <p:ph type="ftr" sz="quarter" idx="11"/>
-          </p:nvPr>
-        </p:nvSpPr>
-        <p:spPr/>
-        <p:txBody>
-          <a:bodyPr/>
-          <a:lstStyle/>
-          <a:p>
-            <a:endParaRPr lang="nb-NO"/>
-          </a:p>
-        </p:txBody>
-      </p:sp>
-      <p:sp>
-        <p:nvSpPr>
-          <p:cNvPr id="6" name="Plassholder for lysbildenummer 5">
-            <a:extLst>
-              <a:ext uri="{FF2B5EF4-FFF2-40B4-BE49-F238E27FC236}">
-                <a16:creationId xmlns:a16="http://schemas.microsoft.com/office/drawing/2014/main" id="{65753E55-18B9-2A87-E4D7-A119120528E1}"/>
-              </a:ext>
-            </a:extLst>
-          </p:cNvPr>
-          <p:cNvSpPr>
-            <a:spLocks noGrp="1"/>
-          </p:cNvSpPr>
-          <p:nvPr>
-            <p:ph type="sldNum" sz="quarter" idx="12"/>
-          </p:nvPr>
-        </p:nvSpPr>
-        <p:spPr/>
-        <p:txBody>
-          <a:bodyPr/>
-          <a:lstStyle/>
-          <a:p>
-            <a:fld id="{4BE26480-A091-4AEC-B5CE-A4FA048602D4}" type="slidenum">
-              <a:rPr lang="nb-NO" smtClean="0"/>
-              <a:t>‹#›</a:t>
+              <a:t>2</a:t>
             </a:fld>
             <a:endParaRPr lang="nb-NO"/>
           </a:p>
@@ -515,19 +692,19 @@
     </p:spTree>
     <p:extLst>
       <p:ext uri="{BB962C8B-B14F-4D97-AF65-F5344CB8AC3E}">
-        <p14:creationId xmlns:p14="http://schemas.microsoft.com/office/powerpoint/2010/main" val="1959746265"/>
+        <p14:creationId xmlns:p14="http://schemas.microsoft.com/office/powerpoint/2010/main" val="2884946513"/>
       </p:ext>
     </p:extLst>
   </p:cSld>
   <p:clrMapOvr>
     <a:masterClrMapping/>
   </p:clrMapOvr>
-</p:sldLayout>
+</p:notes>
 </file>
 
-<file path=ppt/slideLayouts/slideLayout11.xml><?xml version="1.0" encoding="utf-8"?>
-<p:sldLayout xmlns:a="http://schemas.openxmlformats.org/drawingml/2006/main" xmlns:r="http://schemas.openxmlformats.org/officeDocument/2006/relationships" xmlns:p="http://schemas.openxmlformats.org/presentationml/2006/main" type="vertTitleAndTx" preserve="1">
-  <p:cSld name="Loddrett tittel og tekst">
+<file path=ppt/slideLayouts/slideLayout1.xml><?xml version="1.0" encoding="utf-8"?>
+<p:sldLayout xmlns:a="http://schemas.openxmlformats.org/drawingml/2006/main" xmlns:r="http://schemas.openxmlformats.org/officeDocument/2006/relationships" xmlns:p="http://schemas.openxmlformats.org/presentationml/2006/main" type="title" preserve="1">
+  <p:cSld name="Title Slide">
     <p:spTree>
       <p:nvGrpSpPr>
         <p:cNvPr id="1" name=""/>
@@ -544,105 +721,123 @@
       </p:grpSpPr>
       <p:sp>
         <p:nvSpPr>
-          <p:cNvPr id="2" name="Loddrett tittel 1">
-            <a:extLst>
-              <a:ext uri="{FF2B5EF4-FFF2-40B4-BE49-F238E27FC236}">
-                <a16:creationId xmlns:a16="http://schemas.microsoft.com/office/drawing/2014/main" id="{8883B3B3-891D-8B11-DA93-258AE87B2EEE}"/>
-              </a:ext>
-            </a:extLst>
-          </p:cNvPr>
-          <p:cNvSpPr>
-            <a:spLocks noGrp="1"/>
-          </p:cNvSpPr>
-          <p:nvPr>
-            <p:ph type="title" orient="vert"/>
+          <p:cNvPr id="2" name="Title 1">
+            <a:extLst>
+              <a:ext uri="{FF2B5EF4-FFF2-40B4-BE49-F238E27FC236}">
+                <a16:creationId xmlns:a16="http://schemas.microsoft.com/office/drawing/2014/main" id="{E4336E9A-8E96-CD8C-7598-F87632CD81CF}"/>
+              </a:ext>
+            </a:extLst>
+          </p:cNvPr>
+          <p:cNvSpPr>
+            <a:spLocks noGrp="1"/>
+          </p:cNvSpPr>
+          <p:nvPr>
+            <p:ph type="ctrTitle"/>
           </p:nvPr>
         </p:nvSpPr>
         <p:spPr>
           <a:xfrm>
-            <a:off x="8724900" y="365125"/>
-            <a:ext cx="2628900" cy="5811838"/>
+            <a:off x="2301923" y="1122363"/>
+            <a:ext cx="7588155" cy="2621154"/>
           </a:xfrm>
         </p:spPr>
         <p:txBody>
-          <a:bodyPr vert="eaVert"/>
-          <a:lstStyle/>
-          <a:p>
-            <a:r>
-              <a:rPr lang="nb-NO"/>
-              <a:t>Klikk for å redigere tittelstil</a:t>
-            </a:r>
-          </a:p>
-        </p:txBody>
-      </p:sp>
-      <p:sp>
-        <p:nvSpPr>
-          <p:cNvPr id="3" name="Plassholder for loddrett tekst 2">
-            <a:extLst>
-              <a:ext uri="{FF2B5EF4-FFF2-40B4-BE49-F238E27FC236}">
-                <a16:creationId xmlns:a16="http://schemas.microsoft.com/office/drawing/2014/main" id="{46E24400-E7F3-A11F-EC6F-0A08C7874446}"/>
-              </a:ext>
-            </a:extLst>
-          </p:cNvPr>
-          <p:cNvSpPr>
-            <a:spLocks noGrp="1"/>
-          </p:cNvSpPr>
-          <p:nvPr>
-            <p:ph type="body" orient="vert" idx="1"/>
+          <a:bodyPr anchor="b">
+            <a:normAutofit/>
+          </a:bodyPr>
+          <a:lstStyle>
+            <a:lvl1pPr algn="ctr">
+              <a:defRPr sz="4000"/>
+            </a:lvl1pPr>
+          </a:lstStyle>
+          <a:p>
+            <a:r>
+              <a:rPr lang="en-US"/>
+              <a:t>Click to edit Master title style</a:t>
+            </a:r>
+            <a:endParaRPr lang="en-US" dirty="0"/>
+          </a:p>
+        </p:txBody>
+      </p:sp>
+      <p:sp>
+        <p:nvSpPr>
+          <p:cNvPr id="3" name="Subtitle 2">
+            <a:extLst>
+              <a:ext uri="{FF2B5EF4-FFF2-40B4-BE49-F238E27FC236}">
+                <a16:creationId xmlns:a16="http://schemas.microsoft.com/office/drawing/2014/main" id="{2BDC76B8-60F6-62D3-9F73-E81662203017}"/>
+              </a:ext>
+            </a:extLst>
+          </p:cNvPr>
+          <p:cNvSpPr>
+            <a:spLocks noGrp="1"/>
+          </p:cNvSpPr>
+          <p:nvPr>
+            <p:ph type="subTitle" idx="1"/>
           </p:nvPr>
         </p:nvSpPr>
         <p:spPr>
           <a:xfrm>
-            <a:off x="838200" y="365125"/>
-            <a:ext cx="7734300" cy="5811838"/>
+            <a:off x="2301923" y="3843708"/>
+            <a:ext cx="7588155" cy="1414091"/>
           </a:xfrm>
         </p:spPr>
         <p:txBody>
-          <a:bodyPr vert="eaVert"/>
-          <a:lstStyle/>
-          <a:p>
-            <a:pPr lvl="0"/>
-            <a:r>
-              <a:rPr lang="nb-NO"/>
-              <a:t>Klikk for å redigere tekststiler i malen</a:t>
-            </a:r>
-          </a:p>
-          <a:p>
-            <a:pPr lvl="1"/>
-            <a:r>
-              <a:rPr lang="nb-NO"/>
-              <a:t>Andre nivå</a:t>
-            </a:r>
-          </a:p>
-          <a:p>
-            <a:pPr lvl="2"/>
-            <a:r>
-              <a:rPr lang="nb-NO"/>
-              <a:t>Tredje nivå</a:t>
-            </a:r>
-          </a:p>
-          <a:p>
-            <a:pPr lvl="3"/>
-            <a:r>
-              <a:rPr lang="nb-NO"/>
-              <a:t>Fjerde nivå</a:t>
-            </a:r>
-          </a:p>
-          <a:p>
-            <a:pPr lvl="4"/>
-            <a:r>
-              <a:rPr lang="nb-NO"/>
-              <a:t>Femte nivå</a:t>
-            </a:r>
-          </a:p>
-        </p:txBody>
-      </p:sp>
-      <p:sp>
-        <p:nvSpPr>
-          <p:cNvPr id="4" name="Plassholder for dato 3">
-            <a:extLst>
-              <a:ext uri="{FF2B5EF4-FFF2-40B4-BE49-F238E27FC236}">
-                <a16:creationId xmlns:a16="http://schemas.microsoft.com/office/drawing/2014/main" id="{B8A9D827-709F-94E2-A009-46B53EC1B6F6}"/>
+          <a:bodyPr>
+            <a:normAutofit/>
+          </a:bodyPr>
+          <a:lstStyle>
+            <a:lvl1pPr marL="0" indent="0" algn="ctr">
+              <a:buNone/>
+              <a:defRPr sz="1800"/>
+            </a:lvl1pPr>
+            <a:lvl2pPr marL="457200" indent="0" algn="ctr">
+              <a:buNone/>
+              <a:defRPr sz="2000"/>
+            </a:lvl2pPr>
+            <a:lvl3pPr marL="914400" indent="0" algn="ctr">
+              <a:buNone/>
+              <a:defRPr sz="1800"/>
+            </a:lvl3pPr>
+            <a:lvl4pPr marL="1371600" indent="0" algn="ctr">
+              <a:buNone/>
+              <a:defRPr sz="1600"/>
+            </a:lvl4pPr>
+            <a:lvl5pPr marL="1828800" indent="0" algn="ctr">
+              <a:buNone/>
+              <a:defRPr sz="1600"/>
+            </a:lvl5pPr>
+            <a:lvl6pPr marL="2286000" indent="0" algn="ctr">
+              <a:buNone/>
+              <a:defRPr sz="1600"/>
+            </a:lvl6pPr>
+            <a:lvl7pPr marL="2743200" indent="0" algn="ctr">
+              <a:buNone/>
+              <a:defRPr sz="1600"/>
+            </a:lvl7pPr>
+            <a:lvl8pPr marL="3200400" indent="0" algn="ctr">
+              <a:buNone/>
+              <a:defRPr sz="1600"/>
+            </a:lvl8pPr>
+            <a:lvl9pPr marL="3657600" indent="0" algn="ctr">
+              <a:buNone/>
+              <a:defRPr sz="1600"/>
+            </a:lvl9pPr>
+          </a:lstStyle>
+          <a:p>
+            <a:r>
+              <a:rPr lang="en-US"/>
+              <a:t>Click to edit Master subtitle style</a:t>
+            </a:r>
+            <a:endParaRPr lang="en-US" dirty="0"/>
+          </a:p>
+        </p:txBody>
+      </p:sp>
+      <p:sp>
+        <p:nvSpPr>
+          <p:cNvPr id="4" name="Date Placeholder 3">
+            <a:extLst>
+              <a:ext uri="{FF2B5EF4-FFF2-40B4-BE49-F238E27FC236}">
+                <a16:creationId xmlns:a16="http://schemas.microsoft.com/office/drawing/2014/main" id="{EAE2DAFA-435E-AAF9-8B67-495E5AFDCD91}"/>
               </a:ext>
             </a:extLst>
           </p:cNvPr>
@@ -658,20 +853,20 @@
           <a:bodyPr/>
           <a:lstStyle/>
           <a:p>
-            <a:fld id="{12FB2D99-767A-468E-922C-2AC279847D31}" type="datetimeFigureOut">
-              <a:rPr lang="nb-NO" smtClean="0"/>
-              <a:t>11.06.2025</a:t>
+            <a:fld id="{C128FA71-3A18-48C0-980F-4B68F7F63042}" type="datetime1">
+              <a:rPr lang="en-US" smtClean="0"/>
+              <a:t>6/11/2025</a:t>
             </a:fld>
-            <a:endParaRPr lang="nb-NO"/>
-          </a:p>
-        </p:txBody>
-      </p:sp>
-      <p:sp>
-        <p:nvSpPr>
-          <p:cNvPr id="5" name="Plassholder for bunntekst 4">
-            <a:extLst>
-              <a:ext uri="{FF2B5EF4-FFF2-40B4-BE49-F238E27FC236}">
-                <a16:creationId xmlns:a16="http://schemas.microsoft.com/office/drawing/2014/main" id="{9D650764-6C2F-48E8-D9A6-D62C12827568}"/>
+            <a:endParaRPr lang="en-US"/>
+          </a:p>
+        </p:txBody>
+      </p:sp>
+      <p:sp>
+        <p:nvSpPr>
+          <p:cNvPr id="5" name="Footer Placeholder 4">
+            <a:extLst>
+              <a:ext uri="{FF2B5EF4-FFF2-40B4-BE49-F238E27FC236}">
+                <a16:creationId xmlns:a16="http://schemas.microsoft.com/office/drawing/2014/main" id="{5B407A58-3351-E479-1A0C-2FF49FA42707}"/>
               </a:ext>
             </a:extLst>
           </p:cNvPr>
@@ -687,16 +882,16 @@
           <a:bodyPr/>
           <a:lstStyle/>
           <a:p>
-            <a:endParaRPr lang="nb-NO"/>
-          </a:p>
-        </p:txBody>
-      </p:sp>
-      <p:sp>
-        <p:nvSpPr>
-          <p:cNvPr id="6" name="Plassholder for lysbildenummer 5">
-            <a:extLst>
-              <a:ext uri="{FF2B5EF4-FFF2-40B4-BE49-F238E27FC236}">
-                <a16:creationId xmlns:a16="http://schemas.microsoft.com/office/drawing/2014/main" id="{737D9999-6DF1-53A7-7C00-CCA0605CDF49}"/>
+            <a:endParaRPr lang="en-US" dirty="0"/>
+          </a:p>
+        </p:txBody>
+      </p:sp>
+      <p:sp>
+        <p:nvSpPr>
+          <p:cNvPr id="6" name="Slide Number Placeholder 5">
+            <a:extLst>
+              <a:ext uri="{FF2B5EF4-FFF2-40B4-BE49-F238E27FC236}">
+                <a16:creationId xmlns:a16="http://schemas.microsoft.com/office/drawing/2014/main" id="{81789E10-2433-2ECB-9C92-571B583A4CF1}"/>
               </a:ext>
             </a:extLst>
           </p:cNvPr>
@@ -712,18 +907,18 @@
           <a:bodyPr/>
           <a:lstStyle/>
           <a:p>
-            <a:fld id="{4BE26480-A091-4AEC-B5CE-A4FA048602D4}" type="slidenum">
-              <a:rPr lang="nb-NO" smtClean="0"/>
+            <a:fld id="{CC057153-B650-4DEB-B370-79DDCFDCE934}" type="slidenum">
+              <a:rPr lang="en-US" smtClean="0"/>
               <a:t>‹#›</a:t>
             </a:fld>
-            <a:endParaRPr lang="nb-NO"/>
+            <a:endParaRPr lang="en-US"/>
           </a:p>
         </p:txBody>
       </p:sp>
     </p:spTree>
     <p:extLst>
       <p:ext uri="{BB962C8B-B14F-4D97-AF65-F5344CB8AC3E}">
-        <p14:creationId xmlns:p14="http://schemas.microsoft.com/office/powerpoint/2010/main" val="2473250949"/>
+        <p14:creationId xmlns:p14="http://schemas.microsoft.com/office/powerpoint/2010/main" val="602391348"/>
       </p:ext>
     </p:extLst>
   </p:cSld>
@@ -733,9 +928,9 @@
 </p:sldLayout>
 </file>
 
-<file path=ppt/slideLayouts/slideLayout2.xml><?xml version="1.0" encoding="utf-8"?>
-<p:sldLayout xmlns:a="http://schemas.openxmlformats.org/drawingml/2006/main" xmlns:r="http://schemas.openxmlformats.org/officeDocument/2006/relationships" xmlns:p="http://schemas.openxmlformats.org/presentationml/2006/main" type="obj" preserve="1">
-  <p:cSld name="Tittel og innhold">
+<file path=ppt/slideLayouts/slideLayout10.xml><?xml version="1.0" encoding="utf-8"?>
+<p:sldLayout xmlns:a="http://schemas.openxmlformats.org/drawingml/2006/main" xmlns:r="http://schemas.openxmlformats.org/officeDocument/2006/relationships" xmlns:p="http://schemas.openxmlformats.org/presentationml/2006/main" type="vertTx" preserve="1">
+  <p:cSld name="Title and Vertical Text">
     <p:spTree>
       <p:nvGrpSpPr>
         <p:cNvPr id="1" name=""/>
@@ -752,10 +947,10 @@
       </p:grpSpPr>
       <p:sp>
         <p:nvSpPr>
-          <p:cNvPr id="2" name="Tittel 1">
-            <a:extLst>
-              <a:ext uri="{FF2B5EF4-FFF2-40B4-BE49-F238E27FC236}">
-                <a16:creationId xmlns:a16="http://schemas.microsoft.com/office/drawing/2014/main" id="{C919C539-29BF-EAB6-19D3-DFE7C67113D6}"/>
+          <p:cNvPr id="2" name="Title 1">
+            <a:extLst>
+              <a:ext uri="{FF2B5EF4-FFF2-40B4-BE49-F238E27FC236}">
+                <a16:creationId xmlns:a16="http://schemas.microsoft.com/office/drawing/2014/main" id="{354E956D-CB73-C986-F100-46487310D11E}"/>
               </a:ext>
             </a:extLst>
           </p:cNvPr>
@@ -766,32 +961,128 @@
             <p:ph type="title"/>
           </p:nvPr>
         </p:nvSpPr>
+        <p:spPr>
+          <a:xfrm>
+            <a:off x="612648" y="548640"/>
+            <a:ext cx="10515600" cy="1132258"/>
+          </a:xfrm>
+        </p:spPr>
+        <p:txBody>
+          <a:bodyPr/>
+          <a:lstStyle/>
+          <a:p>
+            <a:r>
+              <a:rPr lang="en-US"/>
+              <a:t>Click to edit Master title style</a:t>
+            </a:r>
+          </a:p>
+        </p:txBody>
+      </p:sp>
+      <p:sp>
+        <p:nvSpPr>
+          <p:cNvPr id="3" name="Vertical Text Placeholder 2">
+            <a:extLst>
+              <a:ext uri="{FF2B5EF4-FFF2-40B4-BE49-F238E27FC236}">
+                <a16:creationId xmlns:a16="http://schemas.microsoft.com/office/drawing/2014/main" id="{FE423E6A-A07C-BF0D-EA30-9A8A854E48F1}"/>
+              </a:ext>
+            </a:extLst>
+          </p:cNvPr>
+          <p:cNvSpPr>
+            <a:spLocks noGrp="1"/>
+          </p:cNvSpPr>
+          <p:nvPr>
+            <p:ph type="body" orient="vert" idx="1"/>
+          </p:nvPr>
+        </p:nvSpPr>
+        <p:spPr>
+          <a:xfrm>
+            <a:off x="612648" y="1680898"/>
+            <a:ext cx="10515600" cy="4496065"/>
+          </a:xfrm>
+        </p:spPr>
+        <p:txBody>
+          <a:bodyPr vert="eaVert"/>
+          <a:lstStyle/>
+          <a:p>
+            <a:pPr lvl="0"/>
+            <a:r>
+              <a:rPr lang="en-US"/>
+              <a:t>Click to edit Master text styles</a:t>
+            </a:r>
+          </a:p>
+          <a:p>
+            <a:pPr lvl="1"/>
+            <a:r>
+              <a:rPr lang="en-US"/>
+              <a:t>Second level</a:t>
+            </a:r>
+          </a:p>
+          <a:p>
+            <a:pPr lvl="2"/>
+            <a:r>
+              <a:rPr lang="en-US"/>
+              <a:t>Third level</a:t>
+            </a:r>
+          </a:p>
+          <a:p>
+            <a:pPr lvl="3"/>
+            <a:r>
+              <a:rPr lang="en-US"/>
+              <a:t>Fourth level</a:t>
+            </a:r>
+          </a:p>
+          <a:p>
+            <a:pPr lvl="4"/>
+            <a:r>
+              <a:rPr lang="en-US"/>
+              <a:t>Fifth level</a:t>
+            </a:r>
+          </a:p>
+        </p:txBody>
+      </p:sp>
+      <p:sp>
+        <p:nvSpPr>
+          <p:cNvPr id="4" name="Date Placeholder 3">
+            <a:extLst>
+              <a:ext uri="{FF2B5EF4-FFF2-40B4-BE49-F238E27FC236}">
+                <a16:creationId xmlns:a16="http://schemas.microsoft.com/office/drawing/2014/main" id="{EEDC9908-8F95-8DFC-72CC-158552B56735}"/>
+              </a:ext>
+            </a:extLst>
+          </p:cNvPr>
+          <p:cNvSpPr>
+            <a:spLocks noGrp="1"/>
+          </p:cNvSpPr>
+          <p:nvPr>
+            <p:ph type="dt" sz="half" idx="10"/>
+          </p:nvPr>
+        </p:nvSpPr>
         <p:spPr/>
         <p:txBody>
           <a:bodyPr/>
           <a:lstStyle/>
           <a:p>
-            <a:r>
-              <a:rPr lang="nb-NO"/>
-              <a:t>Klikk for å redigere tittelstil</a:t>
-            </a:r>
-          </a:p>
-        </p:txBody>
-      </p:sp>
-      <p:sp>
-        <p:nvSpPr>
-          <p:cNvPr id="3" name="Plassholder for innhold 2">
-            <a:extLst>
-              <a:ext uri="{FF2B5EF4-FFF2-40B4-BE49-F238E27FC236}">
-                <a16:creationId xmlns:a16="http://schemas.microsoft.com/office/drawing/2014/main" id="{BED97A8B-1AB6-23CF-DCCA-32A1C9A6C033}"/>
-              </a:ext>
-            </a:extLst>
-          </p:cNvPr>
-          <p:cNvSpPr>
-            <a:spLocks noGrp="1"/>
-          </p:cNvSpPr>
-          <p:nvPr>
-            <p:ph idx="1"/>
+            <a:fld id="{7104EDB3-C0E8-45F8-9E1D-1B6C8D1880C0}" type="datetime1">
+              <a:rPr lang="en-US" smtClean="0"/>
+              <a:t>6/11/2025</a:t>
+            </a:fld>
+            <a:endParaRPr lang="en-US"/>
+          </a:p>
+        </p:txBody>
+      </p:sp>
+      <p:sp>
+        <p:nvSpPr>
+          <p:cNvPr id="5" name="Footer Placeholder 4">
+            <a:extLst>
+              <a:ext uri="{FF2B5EF4-FFF2-40B4-BE49-F238E27FC236}">
+                <a16:creationId xmlns:a16="http://schemas.microsoft.com/office/drawing/2014/main" id="{2C26C9BE-9060-50CB-2BB7-07307FF89A7A}"/>
+              </a:ext>
+            </a:extLst>
+          </p:cNvPr>
+          <p:cNvSpPr>
+            <a:spLocks noGrp="1"/>
+          </p:cNvSpPr>
+          <p:nvPr>
+            <p:ph type="ftr" sz="quarter" idx="11"/>
           </p:nvPr>
         </p:nvSpPr>
         <p:spPr/>
@@ -799,56 +1090,24 @@
           <a:bodyPr/>
           <a:lstStyle/>
           <a:p>
-            <a:pPr lvl="0"/>
-            <a:r>
-              <a:rPr lang="nb-NO"/>
-              <a:t>Klikk for å redigere tekststiler i malen</a:t>
-            </a:r>
-          </a:p>
-          <a:p>
-            <a:pPr lvl="1"/>
-            <a:r>
-              <a:rPr lang="nb-NO"/>
-              <a:t>Andre nivå</a:t>
-            </a:r>
-          </a:p>
-          <a:p>
-            <a:pPr lvl="2"/>
-            <a:r>
-              <a:rPr lang="nb-NO"/>
-              <a:t>Tredje nivå</a:t>
-            </a:r>
-          </a:p>
-          <a:p>
-            <a:pPr lvl="3"/>
-            <a:r>
-              <a:rPr lang="nb-NO"/>
-              <a:t>Fjerde nivå</a:t>
-            </a:r>
-          </a:p>
-          <a:p>
-            <a:pPr lvl="4"/>
-            <a:r>
-              <a:rPr lang="nb-NO"/>
-              <a:t>Femte nivå</a:t>
-            </a:r>
-          </a:p>
-        </p:txBody>
-      </p:sp>
-      <p:sp>
-        <p:nvSpPr>
-          <p:cNvPr id="4" name="Plassholder for dato 3">
-            <a:extLst>
-              <a:ext uri="{FF2B5EF4-FFF2-40B4-BE49-F238E27FC236}">
-                <a16:creationId xmlns:a16="http://schemas.microsoft.com/office/drawing/2014/main" id="{84BE73E1-85CF-1B5E-54EE-B648C7EF5DEA}"/>
-              </a:ext>
-            </a:extLst>
-          </p:cNvPr>
-          <p:cNvSpPr>
-            <a:spLocks noGrp="1"/>
-          </p:cNvSpPr>
-          <p:nvPr>
-            <p:ph type="dt" sz="half" idx="10"/>
+            <a:endParaRPr lang="en-US" dirty="0"/>
+          </a:p>
+        </p:txBody>
+      </p:sp>
+      <p:sp>
+        <p:nvSpPr>
+          <p:cNvPr id="6" name="Slide Number Placeholder 5">
+            <a:extLst>
+              <a:ext uri="{FF2B5EF4-FFF2-40B4-BE49-F238E27FC236}">
+                <a16:creationId xmlns:a16="http://schemas.microsoft.com/office/drawing/2014/main" id="{A84A835B-97D3-BC22-F0B8-4986D4636271}"/>
+              </a:ext>
+            </a:extLst>
+          </p:cNvPr>
+          <p:cNvSpPr>
+            <a:spLocks noGrp="1"/>
+          </p:cNvSpPr>
+          <p:nvPr>
+            <p:ph type="sldNum" sz="quarter" idx="12"/>
           </p:nvPr>
         </p:nvSpPr>
         <p:spPr/>
@@ -856,72 +1115,18 @@
           <a:bodyPr/>
           <a:lstStyle/>
           <a:p>
-            <a:fld id="{12FB2D99-767A-468E-922C-2AC279847D31}" type="datetimeFigureOut">
-              <a:rPr lang="nb-NO" smtClean="0"/>
-              <a:t>11.06.2025</a:t>
-            </a:fld>
-            <a:endParaRPr lang="nb-NO"/>
-          </a:p>
-        </p:txBody>
-      </p:sp>
-      <p:sp>
-        <p:nvSpPr>
-          <p:cNvPr id="5" name="Plassholder for bunntekst 4">
-            <a:extLst>
-              <a:ext uri="{FF2B5EF4-FFF2-40B4-BE49-F238E27FC236}">
-                <a16:creationId xmlns:a16="http://schemas.microsoft.com/office/drawing/2014/main" id="{B3350565-5E36-54F2-E465-43A59B498EA3}"/>
-              </a:ext>
-            </a:extLst>
-          </p:cNvPr>
-          <p:cNvSpPr>
-            <a:spLocks noGrp="1"/>
-          </p:cNvSpPr>
-          <p:nvPr>
-            <p:ph type="ftr" sz="quarter" idx="11"/>
-          </p:nvPr>
-        </p:nvSpPr>
-        <p:spPr/>
-        <p:txBody>
-          <a:bodyPr/>
-          <a:lstStyle/>
-          <a:p>
-            <a:endParaRPr lang="nb-NO"/>
-          </a:p>
-        </p:txBody>
-      </p:sp>
-      <p:sp>
-        <p:nvSpPr>
-          <p:cNvPr id="6" name="Plassholder for lysbildenummer 5">
-            <a:extLst>
-              <a:ext uri="{FF2B5EF4-FFF2-40B4-BE49-F238E27FC236}">
-                <a16:creationId xmlns:a16="http://schemas.microsoft.com/office/drawing/2014/main" id="{BCB68DD8-58A9-9C55-4ADB-6D50828C49B4}"/>
-              </a:ext>
-            </a:extLst>
-          </p:cNvPr>
-          <p:cNvSpPr>
-            <a:spLocks noGrp="1"/>
-          </p:cNvSpPr>
-          <p:nvPr>
-            <p:ph type="sldNum" sz="quarter" idx="12"/>
-          </p:nvPr>
-        </p:nvSpPr>
-        <p:spPr/>
-        <p:txBody>
-          <a:bodyPr/>
-          <a:lstStyle/>
-          <a:p>
-            <a:fld id="{4BE26480-A091-4AEC-B5CE-A4FA048602D4}" type="slidenum">
-              <a:rPr lang="nb-NO" smtClean="0"/>
+            <a:fld id="{CC057153-B650-4DEB-B370-79DDCFDCE934}" type="slidenum">
+              <a:rPr lang="en-US" smtClean="0"/>
               <a:t>‹#›</a:t>
             </a:fld>
-            <a:endParaRPr lang="nb-NO"/>
+            <a:endParaRPr lang="en-US"/>
           </a:p>
         </p:txBody>
       </p:sp>
     </p:spTree>
     <p:extLst>
       <p:ext uri="{BB962C8B-B14F-4D97-AF65-F5344CB8AC3E}">
-        <p14:creationId xmlns:p14="http://schemas.microsoft.com/office/powerpoint/2010/main" val="3594202988"/>
+        <p14:creationId xmlns:p14="http://schemas.microsoft.com/office/powerpoint/2010/main" val="741077470"/>
       </p:ext>
     </p:extLst>
   </p:cSld>
@@ -931,9 +1136,9 @@
 </p:sldLayout>
 </file>
 
-<file path=ppt/slideLayouts/slideLayout3.xml><?xml version="1.0" encoding="utf-8"?>
-<p:sldLayout xmlns:a="http://schemas.openxmlformats.org/drawingml/2006/main" xmlns:r="http://schemas.openxmlformats.org/officeDocument/2006/relationships" xmlns:p="http://schemas.openxmlformats.org/presentationml/2006/main" type="secHead" preserve="1">
-  <p:cSld name="Deloverskrift">
+<file path=ppt/slideLayouts/slideLayout11.xml><?xml version="1.0" encoding="utf-8"?>
+<p:sldLayout xmlns:a="http://schemas.openxmlformats.org/drawingml/2006/main" xmlns:r="http://schemas.openxmlformats.org/officeDocument/2006/relationships" xmlns:p="http://schemas.openxmlformats.org/presentationml/2006/main" type="vertTitleAndTx" preserve="1">
+  <p:cSld name="Vertical Title and Text">
     <p:spTree>
       <p:nvGrpSpPr>
         <p:cNvPr id="1" name=""/>
@@ -950,180 +1155,144 @@
       </p:grpSpPr>
       <p:sp>
         <p:nvSpPr>
-          <p:cNvPr id="2" name="Tittel 1">
-            <a:extLst>
-              <a:ext uri="{FF2B5EF4-FFF2-40B4-BE49-F238E27FC236}">
-                <a16:creationId xmlns:a16="http://schemas.microsoft.com/office/drawing/2014/main" id="{07905A8D-EB9C-AD8C-2B7E-BE976A159344}"/>
-              </a:ext>
-            </a:extLst>
-          </p:cNvPr>
-          <p:cNvSpPr>
-            <a:spLocks noGrp="1"/>
-          </p:cNvSpPr>
-          <p:nvPr>
-            <p:ph type="title"/>
+          <p:cNvPr id="2" name="Vertical Title 1">
+            <a:extLst>
+              <a:ext uri="{FF2B5EF4-FFF2-40B4-BE49-F238E27FC236}">
+                <a16:creationId xmlns:a16="http://schemas.microsoft.com/office/drawing/2014/main" id="{485B0252-346C-F6F4-3642-19F571550D45}"/>
+              </a:ext>
+            </a:extLst>
+          </p:cNvPr>
+          <p:cNvSpPr>
+            <a:spLocks noGrp="1"/>
+          </p:cNvSpPr>
+          <p:nvPr>
+            <p:ph type="title" orient="vert"/>
           </p:nvPr>
         </p:nvSpPr>
         <p:spPr>
           <a:xfrm>
-            <a:off x="831850" y="1709738"/>
-            <a:ext cx="10515600" cy="2852737"/>
+            <a:off x="9634888" y="578497"/>
+            <a:ext cx="2047037" cy="5598466"/>
           </a:xfrm>
         </p:spPr>
         <p:txBody>
-          <a:bodyPr anchor="b"/>
-          <a:lstStyle>
-            <a:lvl1pPr>
-              <a:defRPr sz="6000"/>
-            </a:lvl1pPr>
-          </a:lstStyle>
-          <a:p>
-            <a:r>
-              <a:rPr lang="nb-NO"/>
-              <a:t>Klikk for å redigere tittelstil</a:t>
-            </a:r>
-          </a:p>
-        </p:txBody>
-      </p:sp>
-      <p:sp>
-        <p:nvSpPr>
-          <p:cNvPr id="3" name="Plassholder for tekst 2">
-            <a:extLst>
-              <a:ext uri="{FF2B5EF4-FFF2-40B4-BE49-F238E27FC236}">
-                <a16:creationId xmlns:a16="http://schemas.microsoft.com/office/drawing/2014/main" id="{69050FC8-0665-FE9D-C716-BA2F50D8A7E6}"/>
-              </a:ext>
-            </a:extLst>
-          </p:cNvPr>
-          <p:cNvSpPr>
-            <a:spLocks noGrp="1"/>
-          </p:cNvSpPr>
-          <p:nvPr>
-            <p:ph type="body" idx="1"/>
+          <a:bodyPr vert="eaVert"/>
+          <a:lstStyle/>
+          <a:p>
+            <a:r>
+              <a:rPr lang="en-US"/>
+              <a:t>Click to edit Master title style</a:t>
+            </a:r>
+            <a:endParaRPr lang="en-US" dirty="0"/>
+          </a:p>
+        </p:txBody>
+      </p:sp>
+      <p:sp>
+        <p:nvSpPr>
+          <p:cNvPr id="3" name="Vertical Text Placeholder 2">
+            <a:extLst>
+              <a:ext uri="{FF2B5EF4-FFF2-40B4-BE49-F238E27FC236}">
+                <a16:creationId xmlns:a16="http://schemas.microsoft.com/office/drawing/2014/main" id="{F798DA36-7351-9D6A-518B-678AB8A507D3}"/>
+              </a:ext>
+            </a:extLst>
+          </p:cNvPr>
+          <p:cNvSpPr>
+            <a:spLocks noGrp="1"/>
+          </p:cNvSpPr>
+          <p:nvPr>
+            <p:ph type="body" orient="vert" idx="1"/>
           </p:nvPr>
         </p:nvSpPr>
         <p:spPr>
           <a:xfrm>
-            <a:off x="831850" y="4589463"/>
-            <a:ext cx="10515600" cy="1500187"/>
+            <a:off x="838200" y="578497"/>
+            <a:ext cx="8796688" cy="5598465"/>
           </a:xfrm>
         </p:spPr>
         <p:txBody>
+          <a:bodyPr vert="eaVert"/>
+          <a:lstStyle/>
+          <a:p>
+            <a:pPr lvl="0"/>
+            <a:r>
+              <a:rPr lang="en-US"/>
+              <a:t>Click to edit Master text styles</a:t>
+            </a:r>
+          </a:p>
+          <a:p>
+            <a:pPr lvl="1"/>
+            <a:r>
+              <a:rPr lang="en-US"/>
+              <a:t>Second level</a:t>
+            </a:r>
+          </a:p>
+          <a:p>
+            <a:pPr lvl="2"/>
+            <a:r>
+              <a:rPr lang="en-US"/>
+              <a:t>Third level</a:t>
+            </a:r>
+          </a:p>
+          <a:p>
+            <a:pPr lvl="3"/>
+            <a:r>
+              <a:rPr lang="en-US"/>
+              <a:t>Fourth level</a:t>
+            </a:r>
+          </a:p>
+          <a:p>
+            <a:pPr lvl="4"/>
+            <a:r>
+              <a:rPr lang="en-US"/>
+              <a:t>Fifth level</a:t>
+            </a:r>
+            <a:endParaRPr lang="en-US" dirty="0"/>
+          </a:p>
+        </p:txBody>
+      </p:sp>
+      <p:sp>
+        <p:nvSpPr>
+          <p:cNvPr id="4" name="Date Placeholder 3">
+            <a:extLst>
+              <a:ext uri="{FF2B5EF4-FFF2-40B4-BE49-F238E27FC236}">
+                <a16:creationId xmlns:a16="http://schemas.microsoft.com/office/drawing/2014/main" id="{8846BDFF-D746-836C-04B8-CA89AD5D1466}"/>
+              </a:ext>
+            </a:extLst>
+          </p:cNvPr>
+          <p:cNvSpPr>
+            <a:spLocks noGrp="1"/>
+          </p:cNvSpPr>
+          <p:nvPr>
+            <p:ph type="dt" sz="half" idx="10"/>
+          </p:nvPr>
+        </p:nvSpPr>
+        <p:spPr/>
+        <p:txBody>
           <a:bodyPr/>
-          <a:lstStyle>
-            <a:lvl1pPr marL="0" indent="0">
-              <a:buNone/>
-              <a:defRPr sz="2400">
-                <a:solidFill>
-                  <a:schemeClr val="tx1">
-                    <a:tint val="82000"/>
-                  </a:schemeClr>
-                </a:solidFill>
-              </a:defRPr>
-            </a:lvl1pPr>
-            <a:lvl2pPr marL="457200" indent="0">
-              <a:buNone/>
-              <a:defRPr sz="2000">
-                <a:solidFill>
-                  <a:schemeClr val="tx1">
-                    <a:tint val="82000"/>
-                  </a:schemeClr>
-                </a:solidFill>
-              </a:defRPr>
-            </a:lvl2pPr>
-            <a:lvl3pPr marL="914400" indent="0">
-              <a:buNone/>
-              <a:defRPr sz="1800">
-                <a:solidFill>
-                  <a:schemeClr val="tx1">
-                    <a:tint val="82000"/>
-                  </a:schemeClr>
-                </a:solidFill>
-              </a:defRPr>
-            </a:lvl3pPr>
-            <a:lvl4pPr marL="1371600" indent="0">
-              <a:buNone/>
-              <a:defRPr sz="1600">
-                <a:solidFill>
-                  <a:schemeClr val="tx1">
-                    <a:tint val="82000"/>
-                  </a:schemeClr>
-                </a:solidFill>
-              </a:defRPr>
-            </a:lvl4pPr>
-            <a:lvl5pPr marL="1828800" indent="0">
-              <a:buNone/>
-              <a:defRPr sz="1600">
-                <a:solidFill>
-                  <a:schemeClr val="tx1">
-                    <a:tint val="82000"/>
-                  </a:schemeClr>
-                </a:solidFill>
-              </a:defRPr>
-            </a:lvl5pPr>
-            <a:lvl6pPr marL="2286000" indent="0">
-              <a:buNone/>
-              <a:defRPr sz="1600">
-                <a:solidFill>
-                  <a:schemeClr val="tx1">
-                    <a:tint val="82000"/>
-                  </a:schemeClr>
-                </a:solidFill>
-              </a:defRPr>
-            </a:lvl6pPr>
-            <a:lvl7pPr marL="2743200" indent="0">
-              <a:buNone/>
-              <a:defRPr sz="1600">
-                <a:solidFill>
-                  <a:schemeClr val="tx1">
-                    <a:tint val="82000"/>
-                  </a:schemeClr>
-                </a:solidFill>
-              </a:defRPr>
-            </a:lvl7pPr>
-            <a:lvl8pPr marL="3200400" indent="0">
-              <a:buNone/>
-              <a:defRPr sz="1600">
-                <a:solidFill>
-                  <a:schemeClr val="tx1">
-                    <a:tint val="82000"/>
-                  </a:schemeClr>
-                </a:solidFill>
-              </a:defRPr>
-            </a:lvl8pPr>
-            <a:lvl9pPr marL="3657600" indent="0">
-              <a:buNone/>
-              <a:defRPr sz="1600">
-                <a:solidFill>
-                  <a:schemeClr val="tx1">
-                    <a:tint val="82000"/>
-                  </a:schemeClr>
-                </a:solidFill>
-              </a:defRPr>
-            </a:lvl9pPr>
-          </a:lstStyle>
-          <a:p>
-            <a:pPr lvl="0"/>
-            <a:r>
-              <a:rPr lang="nb-NO"/>
-              <a:t>Klikk for å redigere tekststiler i malen</a:t>
-            </a:r>
-          </a:p>
-        </p:txBody>
-      </p:sp>
-      <p:sp>
-        <p:nvSpPr>
-          <p:cNvPr id="4" name="Plassholder for dato 3">
-            <a:extLst>
-              <a:ext uri="{FF2B5EF4-FFF2-40B4-BE49-F238E27FC236}">
-                <a16:creationId xmlns:a16="http://schemas.microsoft.com/office/drawing/2014/main" id="{0BC1B05B-9356-375C-7EDC-077931695C32}"/>
-              </a:ext>
-            </a:extLst>
-          </p:cNvPr>
-          <p:cNvSpPr>
-            <a:spLocks noGrp="1"/>
-          </p:cNvSpPr>
-          <p:nvPr>
-            <p:ph type="dt" sz="half" idx="10"/>
+          <a:lstStyle/>
+          <a:p>
+            <a:fld id="{9CF0EC4B-54ED-4041-B552-9BA760FA3DBA}" type="datetime1">
+              <a:rPr lang="en-US" smtClean="0"/>
+              <a:t>6/11/2025</a:t>
+            </a:fld>
+            <a:endParaRPr lang="en-US"/>
+          </a:p>
+        </p:txBody>
+      </p:sp>
+      <p:sp>
+        <p:nvSpPr>
+          <p:cNvPr id="5" name="Footer Placeholder 4">
+            <a:extLst>
+              <a:ext uri="{FF2B5EF4-FFF2-40B4-BE49-F238E27FC236}">
+                <a16:creationId xmlns:a16="http://schemas.microsoft.com/office/drawing/2014/main" id="{919AA929-A9E6-FF9C-0C59-177F892D6A69}"/>
+              </a:ext>
+            </a:extLst>
+          </p:cNvPr>
+          <p:cNvSpPr>
+            <a:spLocks noGrp="1"/>
+          </p:cNvSpPr>
+          <p:nvPr>
+            <p:ph type="ftr" sz="quarter" idx="11"/>
           </p:nvPr>
         </p:nvSpPr>
         <p:spPr/>
@@ -1131,28 +1300,24 @@
           <a:bodyPr/>
           <a:lstStyle/>
           <a:p>
-            <a:fld id="{12FB2D99-767A-468E-922C-2AC279847D31}" type="datetimeFigureOut">
-              <a:rPr lang="nb-NO" smtClean="0"/>
-              <a:t>11.06.2025</a:t>
-            </a:fld>
-            <a:endParaRPr lang="nb-NO"/>
-          </a:p>
-        </p:txBody>
-      </p:sp>
-      <p:sp>
-        <p:nvSpPr>
-          <p:cNvPr id="5" name="Plassholder for bunntekst 4">
-            <a:extLst>
-              <a:ext uri="{FF2B5EF4-FFF2-40B4-BE49-F238E27FC236}">
-                <a16:creationId xmlns:a16="http://schemas.microsoft.com/office/drawing/2014/main" id="{B737EEBC-C202-B323-3602-6C23ACD0951E}"/>
-              </a:ext>
-            </a:extLst>
-          </p:cNvPr>
-          <p:cNvSpPr>
-            <a:spLocks noGrp="1"/>
-          </p:cNvSpPr>
-          <p:nvPr>
-            <p:ph type="ftr" sz="quarter" idx="11"/>
+            <a:endParaRPr lang="en-US" dirty="0"/>
+          </a:p>
+        </p:txBody>
+      </p:sp>
+      <p:sp>
+        <p:nvSpPr>
+          <p:cNvPr id="6" name="Slide Number Placeholder 5">
+            <a:extLst>
+              <a:ext uri="{FF2B5EF4-FFF2-40B4-BE49-F238E27FC236}">
+                <a16:creationId xmlns:a16="http://schemas.microsoft.com/office/drawing/2014/main" id="{9316D893-7E81-90DC-4139-7687B39C3AC8}"/>
+              </a:ext>
+            </a:extLst>
+          </p:cNvPr>
+          <p:cNvSpPr>
+            <a:spLocks noGrp="1"/>
+          </p:cNvSpPr>
+          <p:nvPr>
+            <p:ph type="sldNum" sz="quarter" idx="12"/>
           </p:nvPr>
         </p:nvSpPr>
         <p:spPr/>
@@ -1160,43 +1325,18 @@
           <a:bodyPr/>
           <a:lstStyle/>
           <a:p>
-            <a:endParaRPr lang="nb-NO"/>
-          </a:p>
-        </p:txBody>
-      </p:sp>
-      <p:sp>
-        <p:nvSpPr>
-          <p:cNvPr id="6" name="Plassholder for lysbildenummer 5">
-            <a:extLst>
-              <a:ext uri="{FF2B5EF4-FFF2-40B4-BE49-F238E27FC236}">
-                <a16:creationId xmlns:a16="http://schemas.microsoft.com/office/drawing/2014/main" id="{51DA7480-1863-90C3-CF87-814F6695755D}"/>
-              </a:ext>
-            </a:extLst>
-          </p:cNvPr>
-          <p:cNvSpPr>
-            <a:spLocks noGrp="1"/>
-          </p:cNvSpPr>
-          <p:nvPr>
-            <p:ph type="sldNum" sz="quarter" idx="12"/>
-          </p:nvPr>
-        </p:nvSpPr>
-        <p:spPr/>
-        <p:txBody>
-          <a:bodyPr/>
-          <a:lstStyle/>
-          <a:p>
-            <a:fld id="{4BE26480-A091-4AEC-B5CE-A4FA048602D4}" type="slidenum">
-              <a:rPr lang="nb-NO" smtClean="0"/>
+            <a:fld id="{CC057153-B650-4DEB-B370-79DDCFDCE934}" type="slidenum">
+              <a:rPr lang="en-US" smtClean="0"/>
               <a:t>‹#›</a:t>
             </a:fld>
-            <a:endParaRPr lang="nb-NO"/>
+            <a:endParaRPr lang="en-US"/>
           </a:p>
         </p:txBody>
       </p:sp>
     </p:spTree>
     <p:extLst>
       <p:ext uri="{BB962C8B-B14F-4D97-AF65-F5344CB8AC3E}">
-        <p14:creationId xmlns:p14="http://schemas.microsoft.com/office/powerpoint/2010/main" val="1616908200"/>
+        <p14:creationId xmlns:p14="http://schemas.microsoft.com/office/powerpoint/2010/main" val="2052697563"/>
       </p:ext>
     </p:extLst>
   </p:cSld>
@@ -1206,9 +1346,9 @@
 </p:sldLayout>
 </file>
 
-<file path=ppt/slideLayouts/slideLayout4.xml><?xml version="1.0" encoding="utf-8"?>
-<p:sldLayout xmlns:a="http://schemas.openxmlformats.org/drawingml/2006/main" xmlns:r="http://schemas.openxmlformats.org/officeDocument/2006/relationships" xmlns:p="http://schemas.openxmlformats.org/presentationml/2006/main" type="twoObj" preserve="1">
-  <p:cSld name="To innholdsdeler">
+<file path=ppt/slideLayouts/slideLayout2.xml><?xml version="1.0" encoding="utf-8"?>
+<p:sldLayout xmlns:a="http://schemas.openxmlformats.org/drawingml/2006/main" xmlns:r="http://schemas.openxmlformats.org/officeDocument/2006/relationships" xmlns:p="http://schemas.openxmlformats.org/presentationml/2006/main" type="obj" preserve="1">
+  <p:cSld name="Title and Content">
     <p:spTree>
       <p:nvGrpSpPr>
         <p:cNvPr id="1" name=""/>
@@ -1225,10 +1365,10 @@
       </p:grpSpPr>
       <p:sp>
         <p:nvSpPr>
-          <p:cNvPr id="2" name="Tittel 1">
-            <a:extLst>
-              <a:ext uri="{FF2B5EF4-FFF2-40B4-BE49-F238E27FC236}">
-                <a16:creationId xmlns:a16="http://schemas.microsoft.com/office/drawing/2014/main" id="{C9649DE4-7651-C850-9432-37CB6FF3C5C4}"/>
+          <p:cNvPr id="2" name="Title 1">
+            <a:extLst>
+              <a:ext uri="{FF2B5EF4-FFF2-40B4-BE49-F238E27FC236}">
+                <a16:creationId xmlns:a16="http://schemas.microsoft.com/office/drawing/2014/main" id="{BC7433D9-FD02-59E2-0F81-A0B7201D2DA0}"/>
               </a:ext>
             </a:extLst>
           </p:cNvPr>
@@ -1245,150 +1385,112 @@
           <a:lstStyle/>
           <a:p>
             <a:r>
-              <a:rPr lang="nb-NO"/>
-              <a:t>Klikk for å redigere tittelstil</a:t>
-            </a:r>
-          </a:p>
-        </p:txBody>
-      </p:sp>
-      <p:sp>
-        <p:nvSpPr>
-          <p:cNvPr id="3" name="Plassholder for innhold 2">
-            <a:extLst>
-              <a:ext uri="{FF2B5EF4-FFF2-40B4-BE49-F238E27FC236}">
-                <a16:creationId xmlns:a16="http://schemas.microsoft.com/office/drawing/2014/main" id="{065B262A-2357-8498-DDE2-34C138204B7B}"/>
-              </a:ext>
-            </a:extLst>
-          </p:cNvPr>
-          <p:cNvSpPr>
-            <a:spLocks noGrp="1"/>
-          </p:cNvSpPr>
-          <p:nvPr>
-            <p:ph sz="half" idx="1"/>
-          </p:nvPr>
-        </p:nvSpPr>
-        <p:spPr>
-          <a:xfrm>
-            <a:off x="838200" y="1825625"/>
-            <a:ext cx="5181600" cy="4351338"/>
-          </a:xfrm>
-        </p:spPr>
+              <a:rPr lang="en-US"/>
+              <a:t>Click to edit Master title style</a:t>
+            </a:r>
+          </a:p>
+        </p:txBody>
+      </p:sp>
+      <p:sp>
+        <p:nvSpPr>
+          <p:cNvPr id="3" name="Content Placeholder 2">
+            <a:extLst>
+              <a:ext uri="{FF2B5EF4-FFF2-40B4-BE49-F238E27FC236}">
+                <a16:creationId xmlns:a16="http://schemas.microsoft.com/office/drawing/2014/main" id="{6C2DD052-3E45-E789-01F8-33250024ECBD}"/>
+              </a:ext>
+            </a:extLst>
+          </p:cNvPr>
+          <p:cNvSpPr>
+            <a:spLocks noGrp="1"/>
+          </p:cNvSpPr>
+          <p:nvPr>
+            <p:ph idx="1"/>
+          </p:nvPr>
+        </p:nvSpPr>
+        <p:spPr/>
         <p:txBody>
           <a:bodyPr/>
           <a:lstStyle/>
           <a:p>
             <a:pPr lvl="0"/>
             <a:r>
-              <a:rPr lang="nb-NO"/>
-              <a:t>Klikk for å redigere tekststiler i malen</a:t>
+              <a:rPr lang="en-US"/>
+              <a:t>Click to edit Master text styles</a:t>
             </a:r>
           </a:p>
           <a:p>
             <a:pPr lvl="1"/>
             <a:r>
-              <a:rPr lang="nb-NO"/>
-              <a:t>Andre nivå</a:t>
+              <a:rPr lang="en-US"/>
+              <a:t>Second level</a:t>
             </a:r>
           </a:p>
           <a:p>
             <a:pPr lvl="2"/>
             <a:r>
-              <a:rPr lang="nb-NO"/>
-              <a:t>Tredje nivå</a:t>
+              <a:rPr lang="en-US"/>
+              <a:t>Third level</a:t>
             </a:r>
           </a:p>
           <a:p>
             <a:pPr lvl="3"/>
             <a:r>
-              <a:rPr lang="nb-NO"/>
-              <a:t>Fjerde nivå</a:t>
+              <a:rPr lang="en-US"/>
+              <a:t>Fourth level</a:t>
             </a:r>
           </a:p>
           <a:p>
             <a:pPr lvl="4"/>
             <a:r>
-              <a:rPr lang="nb-NO"/>
-              <a:t>Femte nivå</a:t>
-            </a:r>
-          </a:p>
-        </p:txBody>
-      </p:sp>
-      <p:sp>
-        <p:nvSpPr>
-          <p:cNvPr id="4" name="Plassholder for innhold 3">
-            <a:extLst>
-              <a:ext uri="{FF2B5EF4-FFF2-40B4-BE49-F238E27FC236}">
-                <a16:creationId xmlns:a16="http://schemas.microsoft.com/office/drawing/2014/main" id="{3C69553F-EE0A-8CB0-056B-0DF354044AE0}"/>
-              </a:ext>
-            </a:extLst>
-          </p:cNvPr>
-          <p:cNvSpPr>
-            <a:spLocks noGrp="1"/>
-          </p:cNvSpPr>
-          <p:nvPr>
-            <p:ph sz="half" idx="2"/>
-          </p:nvPr>
-        </p:nvSpPr>
-        <p:spPr>
-          <a:xfrm>
-            <a:off x="6172200" y="1825625"/>
-            <a:ext cx="5181600" cy="4351338"/>
-          </a:xfrm>
-        </p:spPr>
+              <a:rPr lang="en-US"/>
+              <a:t>Fifth level</a:t>
+            </a:r>
+          </a:p>
+        </p:txBody>
+      </p:sp>
+      <p:sp>
+        <p:nvSpPr>
+          <p:cNvPr id="4" name="Date Placeholder 3">
+            <a:extLst>
+              <a:ext uri="{FF2B5EF4-FFF2-40B4-BE49-F238E27FC236}">
+                <a16:creationId xmlns:a16="http://schemas.microsoft.com/office/drawing/2014/main" id="{0B9485D1-E172-8F0A-A425-3097B3ABCFB4}"/>
+              </a:ext>
+            </a:extLst>
+          </p:cNvPr>
+          <p:cNvSpPr>
+            <a:spLocks noGrp="1"/>
+          </p:cNvSpPr>
+          <p:nvPr>
+            <p:ph type="dt" sz="half" idx="10"/>
+          </p:nvPr>
+        </p:nvSpPr>
+        <p:spPr/>
         <p:txBody>
           <a:bodyPr/>
           <a:lstStyle/>
           <a:p>
-            <a:pPr lvl="0"/>
-            <a:r>
-              <a:rPr lang="nb-NO"/>
-              <a:t>Klikk for å redigere tekststiler i malen</a:t>
-            </a:r>
-          </a:p>
-          <a:p>
-            <a:pPr lvl="1"/>
-            <a:r>
-              <a:rPr lang="nb-NO"/>
-              <a:t>Andre nivå</a:t>
-            </a:r>
-          </a:p>
-          <a:p>
-            <a:pPr lvl="2"/>
-            <a:r>
-              <a:rPr lang="nb-NO"/>
-              <a:t>Tredje nivå</a:t>
-            </a:r>
-          </a:p>
-          <a:p>
-            <a:pPr lvl="3"/>
-            <a:r>
-              <a:rPr lang="nb-NO"/>
-              <a:t>Fjerde nivå</a:t>
-            </a:r>
-          </a:p>
-          <a:p>
-            <a:pPr lvl="4"/>
-            <a:r>
-              <a:rPr lang="nb-NO"/>
-              <a:t>Femte nivå</a:t>
-            </a:r>
-          </a:p>
-        </p:txBody>
-      </p:sp>
-      <p:sp>
-        <p:nvSpPr>
-          <p:cNvPr id="5" name="Plassholder for dato 4">
-            <a:extLst>
-              <a:ext uri="{FF2B5EF4-FFF2-40B4-BE49-F238E27FC236}">
-                <a16:creationId xmlns:a16="http://schemas.microsoft.com/office/drawing/2014/main" id="{A0876661-4E77-3F22-9F53-7672BF3F6662}"/>
-              </a:ext>
-            </a:extLst>
-          </p:cNvPr>
-          <p:cNvSpPr>
-            <a:spLocks noGrp="1"/>
-          </p:cNvSpPr>
-          <p:nvPr>
-            <p:ph type="dt" sz="half" idx="10"/>
+            <a:fld id="{51C1210E-201E-4473-82AC-2466F5386C38}" type="datetime1">
+              <a:rPr lang="en-US" smtClean="0"/>
+              <a:t>6/11/2025</a:t>
+            </a:fld>
+            <a:endParaRPr lang="en-US"/>
+          </a:p>
+        </p:txBody>
+      </p:sp>
+      <p:sp>
+        <p:nvSpPr>
+          <p:cNvPr id="5" name="Footer Placeholder 4">
+            <a:extLst>
+              <a:ext uri="{FF2B5EF4-FFF2-40B4-BE49-F238E27FC236}">
+                <a16:creationId xmlns:a16="http://schemas.microsoft.com/office/drawing/2014/main" id="{B17E6B5E-6174-FD5C-41E8-FFC44C650D7E}"/>
+              </a:ext>
+            </a:extLst>
+          </p:cNvPr>
+          <p:cNvSpPr>
+            <a:spLocks noGrp="1"/>
+          </p:cNvSpPr>
+          <p:nvPr>
+            <p:ph type="ftr" sz="quarter" idx="11"/>
           </p:nvPr>
         </p:nvSpPr>
         <p:spPr/>
@@ -1396,28 +1498,24 @@
           <a:bodyPr/>
           <a:lstStyle/>
           <a:p>
-            <a:fld id="{12FB2D99-767A-468E-922C-2AC279847D31}" type="datetimeFigureOut">
-              <a:rPr lang="nb-NO" smtClean="0"/>
-              <a:t>11.06.2025</a:t>
-            </a:fld>
-            <a:endParaRPr lang="nb-NO"/>
-          </a:p>
-        </p:txBody>
-      </p:sp>
-      <p:sp>
-        <p:nvSpPr>
-          <p:cNvPr id="6" name="Plassholder for bunntekst 5">
-            <a:extLst>
-              <a:ext uri="{FF2B5EF4-FFF2-40B4-BE49-F238E27FC236}">
-                <a16:creationId xmlns:a16="http://schemas.microsoft.com/office/drawing/2014/main" id="{0BD6DB0D-51EE-8EFB-B7C6-99C737A25FF6}"/>
-              </a:ext>
-            </a:extLst>
-          </p:cNvPr>
-          <p:cNvSpPr>
-            <a:spLocks noGrp="1"/>
-          </p:cNvSpPr>
-          <p:nvPr>
-            <p:ph type="ftr" sz="quarter" idx="11"/>
+            <a:endParaRPr lang="en-US" dirty="0"/>
+          </a:p>
+        </p:txBody>
+      </p:sp>
+      <p:sp>
+        <p:nvSpPr>
+          <p:cNvPr id="6" name="Slide Number Placeholder 5">
+            <a:extLst>
+              <a:ext uri="{FF2B5EF4-FFF2-40B4-BE49-F238E27FC236}">
+                <a16:creationId xmlns:a16="http://schemas.microsoft.com/office/drawing/2014/main" id="{4BF72154-F85B-E301-DA57-E314D7315916}"/>
+              </a:ext>
+            </a:extLst>
+          </p:cNvPr>
+          <p:cNvSpPr>
+            <a:spLocks noGrp="1"/>
+          </p:cNvSpPr>
+          <p:nvPr>
+            <p:ph type="sldNum" sz="quarter" idx="12"/>
           </p:nvPr>
         </p:nvSpPr>
         <p:spPr/>
@@ -1425,43 +1523,18 @@
           <a:bodyPr/>
           <a:lstStyle/>
           <a:p>
-            <a:endParaRPr lang="nb-NO"/>
-          </a:p>
-        </p:txBody>
-      </p:sp>
-      <p:sp>
-        <p:nvSpPr>
-          <p:cNvPr id="7" name="Plassholder for lysbildenummer 6">
-            <a:extLst>
-              <a:ext uri="{FF2B5EF4-FFF2-40B4-BE49-F238E27FC236}">
-                <a16:creationId xmlns:a16="http://schemas.microsoft.com/office/drawing/2014/main" id="{BCA2C0E2-1A96-4FCC-3F7B-0B1AC395F84E}"/>
-              </a:ext>
-            </a:extLst>
-          </p:cNvPr>
-          <p:cNvSpPr>
-            <a:spLocks noGrp="1"/>
-          </p:cNvSpPr>
-          <p:nvPr>
-            <p:ph type="sldNum" sz="quarter" idx="12"/>
-          </p:nvPr>
-        </p:nvSpPr>
-        <p:spPr/>
-        <p:txBody>
-          <a:bodyPr/>
-          <a:lstStyle/>
-          <a:p>
-            <a:fld id="{4BE26480-A091-4AEC-B5CE-A4FA048602D4}" type="slidenum">
-              <a:rPr lang="nb-NO" smtClean="0"/>
+            <a:fld id="{CC057153-B650-4DEB-B370-79DDCFDCE934}" type="slidenum">
+              <a:rPr lang="en-US" smtClean="0"/>
               <a:t>‹#›</a:t>
             </a:fld>
-            <a:endParaRPr lang="nb-NO"/>
+            <a:endParaRPr lang="en-US"/>
           </a:p>
         </p:txBody>
       </p:sp>
     </p:spTree>
     <p:extLst>
       <p:ext uri="{BB962C8B-B14F-4D97-AF65-F5344CB8AC3E}">
-        <p14:creationId xmlns:p14="http://schemas.microsoft.com/office/powerpoint/2010/main" val="2455522646"/>
+        <p14:creationId xmlns:p14="http://schemas.microsoft.com/office/powerpoint/2010/main" val="1893150981"/>
       </p:ext>
     </p:extLst>
   </p:cSld>
@@ -1471,9 +1544,9 @@
 </p:sldLayout>
 </file>
 
-<file path=ppt/slideLayouts/slideLayout5.xml><?xml version="1.0" encoding="utf-8"?>
-<p:sldLayout xmlns:a="http://schemas.openxmlformats.org/drawingml/2006/main" xmlns:r="http://schemas.openxmlformats.org/officeDocument/2006/relationships" xmlns:p="http://schemas.openxmlformats.org/presentationml/2006/main" type="twoTxTwoObj" preserve="1">
-  <p:cSld name="Sammenligning">
+<file path=ppt/slideLayouts/slideLayout3.xml><?xml version="1.0" encoding="utf-8"?>
+<p:sldLayout xmlns:a="http://schemas.openxmlformats.org/drawingml/2006/main" xmlns:r="http://schemas.openxmlformats.org/officeDocument/2006/relationships" xmlns:p="http://schemas.openxmlformats.org/presentationml/2006/main" type="secHead" preserve="1">
+  <p:cSld name="Section Header">
     <p:spTree>
       <p:nvGrpSpPr>
         <p:cNvPr id="1" name=""/>
@@ -1490,10 +1563,10 @@
       </p:grpSpPr>
       <p:sp>
         <p:nvSpPr>
-          <p:cNvPr id="2" name="Tittel 1">
-            <a:extLst>
-              <a:ext uri="{FF2B5EF4-FFF2-40B4-BE49-F238E27FC236}">
-                <a16:creationId xmlns:a16="http://schemas.microsoft.com/office/drawing/2014/main" id="{F4A86B1F-AADC-E17D-A078-3536018A4571}"/>
+          <p:cNvPr id="2" name="Title 1">
+            <a:extLst>
+              <a:ext uri="{FF2B5EF4-FFF2-40B4-BE49-F238E27FC236}">
+                <a16:creationId xmlns:a16="http://schemas.microsoft.com/office/drawing/2014/main" id="{951D06AF-EF87-8489-2C82-DEB90B7EFE0C}"/>
               </a:ext>
             </a:extLst>
           </p:cNvPr>
@@ -1506,27 +1579,34 @@
         </p:nvSpPr>
         <p:spPr>
           <a:xfrm>
-            <a:off x="839788" y="365125"/>
-            <a:ext cx="10515600" cy="1325563"/>
+            <a:off x="603381" y="553616"/>
+            <a:ext cx="8273140" cy="4008859"/>
           </a:xfrm>
         </p:spPr>
         <p:txBody>
-          <a:bodyPr/>
-          <a:lstStyle/>
-          <a:p>
-            <a:r>
-              <a:rPr lang="nb-NO"/>
-              <a:t>Klikk for å redigere tittelstil</a:t>
-            </a:r>
-          </a:p>
-        </p:txBody>
-      </p:sp>
-      <p:sp>
-        <p:nvSpPr>
-          <p:cNvPr id="3" name="Plassholder for tekst 2">
-            <a:extLst>
-              <a:ext uri="{FF2B5EF4-FFF2-40B4-BE49-F238E27FC236}">
-                <a16:creationId xmlns:a16="http://schemas.microsoft.com/office/drawing/2014/main" id="{6C7F2649-4DB1-AA27-418A-66662130B682}"/>
+          <a:bodyPr anchor="t">
+            <a:normAutofit/>
+          </a:bodyPr>
+          <a:lstStyle>
+            <a:lvl1pPr>
+              <a:defRPr sz="5400" cap="all" baseline="0"/>
+            </a:lvl1pPr>
+          </a:lstStyle>
+          <a:p>
+            <a:r>
+              <a:rPr lang="en-US"/>
+              <a:t>Click to edit Master title style</a:t>
+            </a:r>
+            <a:endParaRPr lang="en-US" dirty="0"/>
+          </a:p>
+        </p:txBody>
+      </p:sp>
+      <p:sp>
+        <p:nvSpPr>
+          <p:cNvPr id="3" name="Text Placeholder 2">
+            <a:extLst>
+              <a:ext uri="{FF2B5EF4-FFF2-40B4-BE49-F238E27FC236}">
+                <a16:creationId xmlns:a16="http://schemas.microsoft.com/office/drawing/2014/main" id="{308E5678-CA38-1318-9EA2-5E0A4F9A59BA}"/>
               </a:ext>
             </a:extLst>
           </p:cNvPr>
@@ -1539,268 +1619,181 @@
         </p:nvSpPr>
         <p:spPr>
           <a:xfrm>
-            <a:off x="839788" y="1681163"/>
-            <a:ext cx="5157787" cy="823912"/>
+            <a:off x="603380" y="4589463"/>
+            <a:ext cx="8273140" cy="1384617"/>
           </a:xfrm>
         </p:spPr>
         <p:txBody>
-          <a:bodyPr anchor="b"/>
+          <a:bodyPr anchor="b">
+            <a:normAutofit/>
+          </a:bodyPr>
           <a:lstStyle>
             <a:lvl1pPr marL="0" indent="0">
               <a:buNone/>
-              <a:defRPr sz="2400" b="1"/>
+              <a:defRPr sz="2000">
+                <a:solidFill>
+                  <a:schemeClr val="tx1"/>
+                </a:solidFill>
+              </a:defRPr>
             </a:lvl1pPr>
             <a:lvl2pPr marL="457200" indent="0">
               <a:buNone/>
-              <a:defRPr sz="2000" b="1"/>
+              <a:defRPr sz="2000">
+                <a:solidFill>
+                  <a:schemeClr val="tx1">
+                    <a:tint val="75000"/>
+                  </a:schemeClr>
+                </a:solidFill>
+              </a:defRPr>
             </a:lvl2pPr>
             <a:lvl3pPr marL="914400" indent="0">
               <a:buNone/>
-              <a:defRPr sz="1800" b="1"/>
+              <a:defRPr sz="1800">
+                <a:solidFill>
+                  <a:schemeClr val="tx1">
+                    <a:tint val="75000"/>
+                  </a:schemeClr>
+                </a:solidFill>
+              </a:defRPr>
             </a:lvl3pPr>
             <a:lvl4pPr marL="1371600" indent="0">
               <a:buNone/>
-              <a:defRPr sz="1600" b="1"/>
+              <a:defRPr sz="1600">
+                <a:solidFill>
+                  <a:schemeClr val="tx1">
+                    <a:tint val="75000"/>
+                  </a:schemeClr>
+                </a:solidFill>
+              </a:defRPr>
             </a:lvl4pPr>
             <a:lvl5pPr marL="1828800" indent="0">
               <a:buNone/>
-              <a:defRPr sz="1600" b="1"/>
+              <a:defRPr sz="1600">
+                <a:solidFill>
+                  <a:schemeClr val="tx1">
+                    <a:tint val="75000"/>
+                  </a:schemeClr>
+                </a:solidFill>
+              </a:defRPr>
             </a:lvl5pPr>
             <a:lvl6pPr marL="2286000" indent="0">
               <a:buNone/>
-              <a:defRPr sz="1600" b="1"/>
+              <a:defRPr sz="1600">
+                <a:solidFill>
+                  <a:schemeClr val="tx1">
+                    <a:tint val="75000"/>
+                  </a:schemeClr>
+                </a:solidFill>
+              </a:defRPr>
             </a:lvl6pPr>
             <a:lvl7pPr marL="2743200" indent="0">
               <a:buNone/>
-              <a:defRPr sz="1600" b="1"/>
+              <a:defRPr sz="1600">
+                <a:solidFill>
+                  <a:schemeClr val="tx1">
+                    <a:tint val="75000"/>
+                  </a:schemeClr>
+                </a:solidFill>
+              </a:defRPr>
             </a:lvl7pPr>
             <a:lvl8pPr marL="3200400" indent="0">
               <a:buNone/>
-              <a:defRPr sz="1600" b="1"/>
+              <a:defRPr sz="1600">
+                <a:solidFill>
+                  <a:schemeClr val="tx1">
+                    <a:tint val="75000"/>
+                  </a:schemeClr>
+                </a:solidFill>
+              </a:defRPr>
             </a:lvl8pPr>
             <a:lvl9pPr marL="3657600" indent="0">
               <a:buNone/>
-              <a:defRPr sz="1600" b="1"/>
+              <a:defRPr sz="1600">
+                <a:solidFill>
+                  <a:schemeClr val="tx1">
+                    <a:tint val="75000"/>
+                  </a:schemeClr>
+                </a:solidFill>
+              </a:defRPr>
             </a:lvl9pPr>
           </a:lstStyle>
           <a:p>
             <a:pPr lvl="0"/>
             <a:r>
-              <a:rPr lang="nb-NO"/>
-              <a:t>Klikk for å redigere tekststiler i malen</a:t>
-            </a:r>
-          </a:p>
-        </p:txBody>
-      </p:sp>
-      <p:sp>
-        <p:nvSpPr>
-          <p:cNvPr id="4" name="Plassholder for innhold 3">
-            <a:extLst>
-              <a:ext uri="{FF2B5EF4-FFF2-40B4-BE49-F238E27FC236}">
-                <a16:creationId xmlns:a16="http://schemas.microsoft.com/office/drawing/2014/main" id="{C2352EA2-5A53-ECBD-B896-E9B3891E317F}"/>
-              </a:ext>
-            </a:extLst>
-          </p:cNvPr>
-          <p:cNvSpPr>
-            <a:spLocks noGrp="1"/>
-          </p:cNvSpPr>
-          <p:nvPr>
-            <p:ph sz="half" idx="2"/>
-          </p:nvPr>
-        </p:nvSpPr>
-        <p:spPr>
-          <a:xfrm>
-            <a:off x="839788" y="2505075"/>
-            <a:ext cx="5157787" cy="3684588"/>
-          </a:xfrm>
-        </p:spPr>
+              <a:rPr lang="en-US"/>
+              <a:t>Click to edit Master text styles</a:t>
+            </a:r>
+          </a:p>
+        </p:txBody>
+      </p:sp>
+      <p:sp>
+        <p:nvSpPr>
+          <p:cNvPr id="4" name="Date Placeholder 3">
+            <a:extLst>
+              <a:ext uri="{FF2B5EF4-FFF2-40B4-BE49-F238E27FC236}">
+                <a16:creationId xmlns:a16="http://schemas.microsoft.com/office/drawing/2014/main" id="{44E99186-7E5A-60AF-DE69-5C7DA71611AB}"/>
+              </a:ext>
+            </a:extLst>
+          </p:cNvPr>
+          <p:cNvSpPr>
+            <a:spLocks noGrp="1"/>
+          </p:cNvSpPr>
+          <p:nvPr>
+            <p:ph type="dt" sz="half" idx="10"/>
+          </p:nvPr>
+        </p:nvSpPr>
+        <p:spPr/>
         <p:txBody>
           <a:bodyPr/>
           <a:lstStyle/>
           <a:p>
-            <a:pPr lvl="0"/>
-            <a:r>
-              <a:rPr lang="nb-NO"/>
-              <a:t>Klikk for å redigere tekststiler i malen</a:t>
-            </a:r>
-          </a:p>
-          <a:p>
-            <a:pPr lvl="1"/>
-            <a:r>
-              <a:rPr lang="nb-NO"/>
-              <a:t>Andre nivå</a:t>
-            </a:r>
-          </a:p>
-          <a:p>
-            <a:pPr lvl="2"/>
-            <a:r>
-              <a:rPr lang="nb-NO"/>
-              <a:t>Tredje nivå</a:t>
-            </a:r>
-          </a:p>
-          <a:p>
-            <a:pPr lvl="3"/>
-            <a:r>
-              <a:rPr lang="nb-NO"/>
-              <a:t>Fjerde nivå</a:t>
-            </a:r>
-          </a:p>
-          <a:p>
-            <a:pPr lvl="4"/>
-            <a:r>
-              <a:rPr lang="nb-NO"/>
-              <a:t>Femte nivå</a:t>
-            </a:r>
-          </a:p>
-        </p:txBody>
-      </p:sp>
-      <p:sp>
-        <p:nvSpPr>
-          <p:cNvPr id="5" name="Plassholder for tekst 4">
-            <a:extLst>
-              <a:ext uri="{FF2B5EF4-FFF2-40B4-BE49-F238E27FC236}">
-                <a16:creationId xmlns:a16="http://schemas.microsoft.com/office/drawing/2014/main" id="{76A1E20D-E90D-FD30-3951-1789F25AF9E7}"/>
-              </a:ext>
-            </a:extLst>
-          </p:cNvPr>
-          <p:cNvSpPr>
-            <a:spLocks noGrp="1"/>
-          </p:cNvSpPr>
-          <p:nvPr>
-            <p:ph type="body" sz="quarter" idx="3"/>
-          </p:nvPr>
-        </p:nvSpPr>
-        <p:spPr>
-          <a:xfrm>
-            <a:off x="6172200" y="1681163"/>
-            <a:ext cx="5183188" cy="823912"/>
-          </a:xfrm>
-        </p:spPr>
-        <p:txBody>
-          <a:bodyPr anchor="b"/>
-          <a:lstStyle>
-            <a:lvl1pPr marL="0" indent="0">
-              <a:buNone/>
-              <a:defRPr sz="2400" b="1"/>
-            </a:lvl1pPr>
-            <a:lvl2pPr marL="457200" indent="0">
-              <a:buNone/>
-              <a:defRPr sz="2000" b="1"/>
-            </a:lvl2pPr>
-            <a:lvl3pPr marL="914400" indent="0">
-              <a:buNone/>
-              <a:defRPr sz="1800" b="1"/>
-            </a:lvl3pPr>
-            <a:lvl4pPr marL="1371600" indent="0">
-              <a:buNone/>
-              <a:defRPr sz="1600" b="1"/>
-            </a:lvl4pPr>
-            <a:lvl5pPr marL="1828800" indent="0">
-              <a:buNone/>
-              <a:defRPr sz="1600" b="1"/>
-            </a:lvl5pPr>
-            <a:lvl6pPr marL="2286000" indent="0">
-              <a:buNone/>
-              <a:defRPr sz="1600" b="1"/>
-            </a:lvl6pPr>
-            <a:lvl7pPr marL="2743200" indent="0">
-              <a:buNone/>
-              <a:defRPr sz="1600" b="1"/>
-            </a:lvl7pPr>
-            <a:lvl8pPr marL="3200400" indent="0">
-              <a:buNone/>
-              <a:defRPr sz="1600" b="1"/>
-            </a:lvl8pPr>
-            <a:lvl9pPr marL="3657600" indent="0">
-              <a:buNone/>
-              <a:defRPr sz="1600" b="1"/>
-            </a:lvl9pPr>
-          </a:lstStyle>
-          <a:p>
-            <a:pPr lvl="0"/>
-            <a:r>
-              <a:rPr lang="nb-NO"/>
-              <a:t>Klikk for å redigere tekststiler i malen</a:t>
-            </a:r>
-          </a:p>
-        </p:txBody>
-      </p:sp>
-      <p:sp>
-        <p:nvSpPr>
-          <p:cNvPr id="6" name="Plassholder for innhold 5">
-            <a:extLst>
-              <a:ext uri="{FF2B5EF4-FFF2-40B4-BE49-F238E27FC236}">
-                <a16:creationId xmlns:a16="http://schemas.microsoft.com/office/drawing/2014/main" id="{AB714B08-0BE7-A7F4-AE4C-AA659E4C1633}"/>
-              </a:ext>
-            </a:extLst>
-          </p:cNvPr>
-          <p:cNvSpPr>
-            <a:spLocks noGrp="1"/>
-          </p:cNvSpPr>
-          <p:nvPr>
-            <p:ph sz="quarter" idx="4"/>
-          </p:nvPr>
-        </p:nvSpPr>
-        <p:spPr>
-          <a:xfrm>
-            <a:off x="6172200" y="2505075"/>
-            <a:ext cx="5183188" cy="3684588"/>
-          </a:xfrm>
-        </p:spPr>
+            <a:fld id="{B01EA198-6CAB-4B8F-B93F-1F9C8C4B6CE7}" type="datetime1">
+              <a:rPr lang="en-US" smtClean="0"/>
+              <a:t>6/11/2025</a:t>
+            </a:fld>
+            <a:endParaRPr lang="en-US"/>
+          </a:p>
+        </p:txBody>
+      </p:sp>
+      <p:sp>
+        <p:nvSpPr>
+          <p:cNvPr id="5" name="Footer Placeholder 4">
+            <a:extLst>
+              <a:ext uri="{FF2B5EF4-FFF2-40B4-BE49-F238E27FC236}">
+                <a16:creationId xmlns:a16="http://schemas.microsoft.com/office/drawing/2014/main" id="{82FA13D1-1FBA-E820-323B-77B41F1A665D}"/>
+              </a:ext>
+            </a:extLst>
+          </p:cNvPr>
+          <p:cNvSpPr>
+            <a:spLocks noGrp="1"/>
+          </p:cNvSpPr>
+          <p:nvPr>
+            <p:ph type="ftr" sz="quarter" idx="11"/>
+          </p:nvPr>
+        </p:nvSpPr>
+        <p:spPr/>
         <p:txBody>
           <a:bodyPr/>
           <a:lstStyle/>
           <a:p>
-            <a:pPr lvl="0"/>
-            <a:r>
-              <a:rPr lang="nb-NO"/>
-              <a:t>Klikk for å redigere tekststiler i malen</a:t>
-            </a:r>
-          </a:p>
-          <a:p>
-            <a:pPr lvl="1"/>
-            <a:r>
-              <a:rPr lang="nb-NO"/>
-              <a:t>Andre nivå</a:t>
-            </a:r>
-          </a:p>
-          <a:p>
-            <a:pPr lvl="2"/>
-            <a:r>
-              <a:rPr lang="nb-NO"/>
-              <a:t>Tredje nivå</a:t>
-            </a:r>
-          </a:p>
-          <a:p>
-            <a:pPr lvl="3"/>
-            <a:r>
-              <a:rPr lang="nb-NO"/>
-              <a:t>Fjerde nivå</a:t>
-            </a:r>
-          </a:p>
-          <a:p>
-            <a:pPr lvl="4"/>
-            <a:r>
-              <a:rPr lang="nb-NO"/>
-              <a:t>Femte nivå</a:t>
-            </a:r>
-          </a:p>
-        </p:txBody>
-      </p:sp>
-      <p:sp>
-        <p:nvSpPr>
-          <p:cNvPr id="7" name="Plassholder for dato 6">
-            <a:extLst>
-              <a:ext uri="{FF2B5EF4-FFF2-40B4-BE49-F238E27FC236}">
-                <a16:creationId xmlns:a16="http://schemas.microsoft.com/office/drawing/2014/main" id="{565D28E5-5479-808B-2069-76BBCFAF4283}"/>
-              </a:ext>
-            </a:extLst>
-          </p:cNvPr>
-          <p:cNvSpPr>
-            <a:spLocks noGrp="1"/>
-          </p:cNvSpPr>
-          <p:nvPr>
-            <p:ph type="dt" sz="half" idx="10"/>
+            <a:endParaRPr lang="en-US" dirty="0"/>
+          </a:p>
+        </p:txBody>
+      </p:sp>
+      <p:sp>
+        <p:nvSpPr>
+          <p:cNvPr id="6" name="Slide Number Placeholder 5">
+            <a:extLst>
+              <a:ext uri="{FF2B5EF4-FFF2-40B4-BE49-F238E27FC236}">
+                <a16:creationId xmlns:a16="http://schemas.microsoft.com/office/drawing/2014/main" id="{FB39BE85-85F6-4636-C651-D87CC969A49E}"/>
+              </a:ext>
+            </a:extLst>
+          </p:cNvPr>
+          <p:cNvSpPr>
+            <a:spLocks noGrp="1"/>
+          </p:cNvSpPr>
+          <p:nvPr>
+            <p:ph type="sldNum" sz="quarter" idx="12"/>
           </p:nvPr>
         </p:nvSpPr>
         <p:spPr/>
@@ -1808,72 +1801,18 @@
           <a:bodyPr/>
           <a:lstStyle/>
           <a:p>
-            <a:fld id="{12FB2D99-767A-468E-922C-2AC279847D31}" type="datetimeFigureOut">
-              <a:rPr lang="nb-NO" smtClean="0"/>
-              <a:t>11.06.2025</a:t>
-            </a:fld>
-            <a:endParaRPr lang="nb-NO"/>
-          </a:p>
-        </p:txBody>
-      </p:sp>
-      <p:sp>
-        <p:nvSpPr>
-          <p:cNvPr id="8" name="Plassholder for bunntekst 7">
-            <a:extLst>
-              <a:ext uri="{FF2B5EF4-FFF2-40B4-BE49-F238E27FC236}">
-                <a16:creationId xmlns:a16="http://schemas.microsoft.com/office/drawing/2014/main" id="{6A5434C4-9BFA-0BE1-8F23-0D564BFA65F4}"/>
-              </a:ext>
-            </a:extLst>
-          </p:cNvPr>
-          <p:cNvSpPr>
-            <a:spLocks noGrp="1"/>
-          </p:cNvSpPr>
-          <p:nvPr>
-            <p:ph type="ftr" sz="quarter" idx="11"/>
-          </p:nvPr>
-        </p:nvSpPr>
-        <p:spPr/>
-        <p:txBody>
-          <a:bodyPr/>
-          <a:lstStyle/>
-          <a:p>
-            <a:endParaRPr lang="nb-NO"/>
-          </a:p>
-        </p:txBody>
-      </p:sp>
-      <p:sp>
-        <p:nvSpPr>
-          <p:cNvPr id="9" name="Plassholder for lysbildenummer 8">
-            <a:extLst>
-              <a:ext uri="{FF2B5EF4-FFF2-40B4-BE49-F238E27FC236}">
-                <a16:creationId xmlns:a16="http://schemas.microsoft.com/office/drawing/2014/main" id="{09B2CE2B-72D5-FB85-88CF-B35C215F58C6}"/>
-              </a:ext>
-            </a:extLst>
-          </p:cNvPr>
-          <p:cNvSpPr>
-            <a:spLocks noGrp="1"/>
-          </p:cNvSpPr>
-          <p:nvPr>
-            <p:ph type="sldNum" sz="quarter" idx="12"/>
-          </p:nvPr>
-        </p:nvSpPr>
-        <p:spPr/>
-        <p:txBody>
-          <a:bodyPr/>
-          <a:lstStyle/>
-          <a:p>
-            <a:fld id="{4BE26480-A091-4AEC-B5CE-A4FA048602D4}" type="slidenum">
-              <a:rPr lang="nb-NO" smtClean="0"/>
+            <a:fld id="{CC057153-B650-4DEB-B370-79DDCFDCE934}" type="slidenum">
+              <a:rPr lang="en-US" smtClean="0"/>
               <a:t>‹#›</a:t>
             </a:fld>
-            <a:endParaRPr lang="nb-NO"/>
+            <a:endParaRPr lang="en-US"/>
           </a:p>
         </p:txBody>
       </p:sp>
     </p:spTree>
     <p:extLst>
       <p:ext uri="{BB962C8B-B14F-4D97-AF65-F5344CB8AC3E}">
-        <p14:creationId xmlns:p14="http://schemas.microsoft.com/office/powerpoint/2010/main" val="3350051024"/>
+        <p14:creationId xmlns:p14="http://schemas.microsoft.com/office/powerpoint/2010/main" val="2615687333"/>
       </p:ext>
     </p:extLst>
   </p:cSld>
@@ -1883,9 +1822,9 @@
 </p:sldLayout>
 </file>
 
-<file path=ppt/slideLayouts/slideLayout6.xml><?xml version="1.0" encoding="utf-8"?>
-<p:sldLayout xmlns:a="http://schemas.openxmlformats.org/drawingml/2006/main" xmlns:r="http://schemas.openxmlformats.org/officeDocument/2006/relationships" xmlns:p="http://schemas.openxmlformats.org/presentationml/2006/main" type="titleOnly" preserve="1">
-  <p:cSld name="Bare tittel">
+<file path=ppt/slideLayouts/slideLayout4.xml><?xml version="1.0" encoding="utf-8"?>
+<p:sldLayout xmlns:a="http://schemas.openxmlformats.org/drawingml/2006/main" xmlns:r="http://schemas.openxmlformats.org/officeDocument/2006/relationships" xmlns:p="http://schemas.openxmlformats.org/presentationml/2006/main" type="twoObj" preserve="1">
+  <p:cSld name="Two Content">
     <p:spTree>
       <p:nvGrpSpPr>
         <p:cNvPr id="1" name=""/>
@@ -1902,10 +1841,10 @@
       </p:grpSpPr>
       <p:sp>
         <p:nvSpPr>
-          <p:cNvPr id="2" name="Tittel 1">
-            <a:extLst>
-              <a:ext uri="{FF2B5EF4-FFF2-40B4-BE49-F238E27FC236}">
-                <a16:creationId xmlns:a16="http://schemas.microsoft.com/office/drawing/2014/main" id="{4405EEE8-9AC9-217D-0A55-53EDDE23AE6F}"/>
+          <p:cNvPr id="2" name="Title 1">
+            <a:extLst>
+              <a:ext uri="{FF2B5EF4-FFF2-40B4-BE49-F238E27FC236}">
+                <a16:creationId xmlns:a16="http://schemas.microsoft.com/office/drawing/2014/main" id="{FAF3BB49-A328-F121-7F27-DEB7C3CC2B0F}"/>
               </a:ext>
             </a:extLst>
           </p:cNvPr>
@@ -1916,32 +1855,192 @@
             <p:ph type="title"/>
           </p:nvPr>
         </p:nvSpPr>
+        <p:spPr>
+          <a:xfrm>
+            <a:off x="612648" y="548640"/>
+            <a:ext cx="10741152" cy="1132258"/>
+          </a:xfrm>
+        </p:spPr>
+        <p:txBody>
+          <a:bodyPr/>
+          <a:lstStyle/>
+          <a:p>
+            <a:r>
+              <a:rPr lang="en-US"/>
+              <a:t>Click to edit Master title style</a:t>
+            </a:r>
+            <a:endParaRPr lang="en-US" dirty="0"/>
+          </a:p>
+        </p:txBody>
+      </p:sp>
+      <p:sp>
+        <p:nvSpPr>
+          <p:cNvPr id="3" name="Content Placeholder 2">
+            <a:extLst>
+              <a:ext uri="{FF2B5EF4-FFF2-40B4-BE49-F238E27FC236}">
+                <a16:creationId xmlns:a16="http://schemas.microsoft.com/office/drawing/2014/main" id="{572E861E-DFBA-B4AA-9356-CDE3D3F57C04}"/>
+              </a:ext>
+            </a:extLst>
+          </p:cNvPr>
+          <p:cNvSpPr>
+            <a:spLocks noGrp="1"/>
+          </p:cNvSpPr>
+          <p:nvPr>
+            <p:ph sz="half" idx="1"/>
+          </p:nvPr>
+        </p:nvSpPr>
+        <p:spPr>
+          <a:xfrm>
+            <a:off x="612648" y="1825625"/>
+            <a:ext cx="5181600" cy="4351338"/>
+          </a:xfrm>
+        </p:spPr>
+        <p:txBody>
+          <a:bodyPr/>
+          <a:lstStyle/>
+          <a:p>
+            <a:pPr lvl="0"/>
+            <a:r>
+              <a:rPr lang="en-US"/>
+              <a:t>Click to edit Master text styles</a:t>
+            </a:r>
+          </a:p>
+          <a:p>
+            <a:pPr lvl="1"/>
+            <a:r>
+              <a:rPr lang="en-US"/>
+              <a:t>Second level</a:t>
+            </a:r>
+          </a:p>
+          <a:p>
+            <a:pPr lvl="2"/>
+            <a:r>
+              <a:rPr lang="en-US"/>
+              <a:t>Third level</a:t>
+            </a:r>
+          </a:p>
+          <a:p>
+            <a:pPr lvl="3"/>
+            <a:r>
+              <a:rPr lang="en-US"/>
+              <a:t>Fourth level</a:t>
+            </a:r>
+          </a:p>
+          <a:p>
+            <a:pPr lvl="4"/>
+            <a:r>
+              <a:rPr lang="en-US"/>
+              <a:t>Fifth level</a:t>
+            </a:r>
+            <a:endParaRPr lang="en-US" dirty="0"/>
+          </a:p>
+        </p:txBody>
+      </p:sp>
+      <p:sp>
+        <p:nvSpPr>
+          <p:cNvPr id="4" name="Content Placeholder 3">
+            <a:extLst>
+              <a:ext uri="{FF2B5EF4-FFF2-40B4-BE49-F238E27FC236}">
+                <a16:creationId xmlns:a16="http://schemas.microsoft.com/office/drawing/2014/main" id="{451D7538-EC5A-3EE7-176F-A58920C50797}"/>
+              </a:ext>
+            </a:extLst>
+          </p:cNvPr>
+          <p:cNvSpPr>
+            <a:spLocks noGrp="1"/>
+          </p:cNvSpPr>
+          <p:nvPr>
+            <p:ph sz="half" idx="2"/>
+          </p:nvPr>
+        </p:nvSpPr>
+        <p:spPr>
+          <a:xfrm>
+            <a:off x="6172200" y="1825625"/>
+            <a:ext cx="5181600" cy="4351338"/>
+          </a:xfrm>
+        </p:spPr>
+        <p:txBody>
+          <a:bodyPr/>
+          <a:lstStyle/>
+          <a:p>
+            <a:pPr lvl="0"/>
+            <a:r>
+              <a:rPr lang="en-US"/>
+              <a:t>Click to edit Master text styles</a:t>
+            </a:r>
+          </a:p>
+          <a:p>
+            <a:pPr lvl="1"/>
+            <a:r>
+              <a:rPr lang="en-US"/>
+              <a:t>Second level</a:t>
+            </a:r>
+          </a:p>
+          <a:p>
+            <a:pPr lvl="2"/>
+            <a:r>
+              <a:rPr lang="en-US"/>
+              <a:t>Third level</a:t>
+            </a:r>
+          </a:p>
+          <a:p>
+            <a:pPr lvl="3"/>
+            <a:r>
+              <a:rPr lang="en-US"/>
+              <a:t>Fourth level</a:t>
+            </a:r>
+          </a:p>
+          <a:p>
+            <a:pPr lvl="4"/>
+            <a:r>
+              <a:rPr lang="en-US"/>
+              <a:t>Fifth level</a:t>
+            </a:r>
+          </a:p>
+        </p:txBody>
+      </p:sp>
+      <p:sp>
+        <p:nvSpPr>
+          <p:cNvPr id="5" name="Date Placeholder 4">
+            <a:extLst>
+              <a:ext uri="{FF2B5EF4-FFF2-40B4-BE49-F238E27FC236}">
+                <a16:creationId xmlns:a16="http://schemas.microsoft.com/office/drawing/2014/main" id="{897D0B7E-1A60-DA52-6965-92412B1C2F9F}"/>
+              </a:ext>
+            </a:extLst>
+          </p:cNvPr>
+          <p:cNvSpPr>
+            <a:spLocks noGrp="1"/>
+          </p:cNvSpPr>
+          <p:nvPr>
+            <p:ph type="dt" sz="half" idx="10"/>
+          </p:nvPr>
+        </p:nvSpPr>
         <p:spPr/>
         <p:txBody>
           <a:bodyPr/>
           <a:lstStyle/>
           <a:p>
-            <a:r>
-              <a:rPr lang="nb-NO"/>
-              <a:t>Klikk for å redigere tittelstil</a:t>
-            </a:r>
-          </a:p>
-        </p:txBody>
-      </p:sp>
-      <p:sp>
-        <p:nvSpPr>
-          <p:cNvPr id="3" name="Plassholder for dato 2">
-            <a:extLst>
-              <a:ext uri="{FF2B5EF4-FFF2-40B4-BE49-F238E27FC236}">
-                <a16:creationId xmlns:a16="http://schemas.microsoft.com/office/drawing/2014/main" id="{651EC20D-1FE9-BD91-4B3A-BAB78A8A6E22}"/>
-              </a:ext>
-            </a:extLst>
-          </p:cNvPr>
-          <p:cNvSpPr>
-            <a:spLocks noGrp="1"/>
-          </p:cNvSpPr>
-          <p:nvPr>
-            <p:ph type="dt" sz="half" idx="10"/>
+            <a:fld id="{CA06041F-4525-44D5-AA4F-332294BF1F56}" type="datetime1">
+              <a:rPr lang="en-US" smtClean="0"/>
+              <a:t>6/11/2025</a:t>
+            </a:fld>
+            <a:endParaRPr lang="en-US"/>
+          </a:p>
+        </p:txBody>
+      </p:sp>
+      <p:sp>
+        <p:nvSpPr>
+          <p:cNvPr id="6" name="Footer Placeholder 5">
+            <a:extLst>
+              <a:ext uri="{FF2B5EF4-FFF2-40B4-BE49-F238E27FC236}">
+                <a16:creationId xmlns:a16="http://schemas.microsoft.com/office/drawing/2014/main" id="{C2BDD5A2-CE3E-3215-6DAA-F75C0D1229DA}"/>
+              </a:ext>
+            </a:extLst>
+          </p:cNvPr>
+          <p:cNvSpPr>
+            <a:spLocks noGrp="1"/>
+          </p:cNvSpPr>
+          <p:nvPr>
+            <p:ph type="ftr" sz="quarter" idx="11"/>
           </p:nvPr>
         </p:nvSpPr>
         <p:spPr/>
@@ -1949,28 +2048,24 @@
           <a:bodyPr/>
           <a:lstStyle/>
           <a:p>
-            <a:fld id="{12FB2D99-767A-468E-922C-2AC279847D31}" type="datetimeFigureOut">
-              <a:rPr lang="nb-NO" smtClean="0"/>
-              <a:t>11.06.2025</a:t>
-            </a:fld>
-            <a:endParaRPr lang="nb-NO"/>
-          </a:p>
-        </p:txBody>
-      </p:sp>
-      <p:sp>
-        <p:nvSpPr>
-          <p:cNvPr id="4" name="Plassholder for bunntekst 3">
-            <a:extLst>
-              <a:ext uri="{FF2B5EF4-FFF2-40B4-BE49-F238E27FC236}">
-                <a16:creationId xmlns:a16="http://schemas.microsoft.com/office/drawing/2014/main" id="{79794934-87B7-A0E8-1EEF-828160292AF5}"/>
-              </a:ext>
-            </a:extLst>
-          </p:cNvPr>
-          <p:cNvSpPr>
-            <a:spLocks noGrp="1"/>
-          </p:cNvSpPr>
-          <p:nvPr>
-            <p:ph type="ftr" sz="quarter" idx="11"/>
+            <a:endParaRPr lang="en-US" dirty="0"/>
+          </a:p>
+        </p:txBody>
+      </p:sp>
+      <p:sp>
+        <p:nvSpPr>
+          <p:cNvPr id="7" name="Slide Number Placeholder 6">
+            <a:extLst>
+              <a:ext uri="{FF2B5EF4-FFF2-40B4-BE49-F238E27FC236}">
+                <a16:creationId xmlns:a16="http://schemas.microsoft.com/office/drawing/2014/main" id="{B1B822F1-284A-1786-FAF2-72129E2FE64D}"/>
+              </a:ext>
+            </a:extLst>
+          </p:cNvPr>
+          <p:cNvSpPr>
+            <a:spLocks noGrp="1"/>
+          </p:cNvSpPr>
+          <p:nvPr>
+            <p:ph type="sldNum" sz="quarter" idx="12"/>
           </p:nvPr>
         </p:nvSpPr>
         <p:spPr/>
@@ -1978,43 +2073,18 @@
           <a:bodyPr/>
           <a:lstStyle/>
           <a:p>
-            <a:endParaRPr lang="nb-NO"/>
-          </a:p>
-        </p:txBody>
-      </p:sp>
-      <p:sp>
-        <p:nvSpPr>
-          <p:cNvPr id="5" name="Plassholder for lysbildenummer 4">
-            <a:extLst>
-              <a:ext uri="{FF2B5EF4-FFF2-40B4-BE49-F238E27FC236}">
-                <a16:creationId xmlns:a16="http://schemas.microsoft.com/office/drawing/2014/main" id="{4D03797F-619E-5B22-15FA-528840C22CB7}"/>
-              </a:ext>
-            </a:extLst>
-          </p:cNvPr>
-          <p:cNvSpPr>
-            <a:spLocks noGrp="1"/>
-          </p:cNvSpPr>
-          <p:nvPr>
-            <p:ph type="sldNum" sz="quarter" idx="12"/>
-          </p:nvPr>
-        </p:nvSpPr>
-        <p:spPr/>
-        <p:txBody>
-          <a:bodyPr/>
-          <a:lstStyle/>
-          <a:p>
-            <a:fld id="{4BE26480-A091-4AEC-B5CE-A4FA048602D4}" type="slidenum">
-              <a:rPr lang="nb-NO" smtClean="0"/>
+            <a:fld id="{CC057153-B650-4DEB-B370-79DDCFDCE934}" type="slidenum">
+              <a:rPr lang="en-US" smtClean="0"/>
               <a:t>‹#›</a:t>
             </a:fld>
-            <a:endParaRPr lang="nb-NO"/>
+            <a:endParaRPr lang="en-US"/>
           </a:p>
         </p:txBody>
       </p:sp>
     </p:spTree>
     <p:extLst>
       <p:ext uri="{BB962C8B-B14F-4D97-AF65-F5344CB8AC3E}">
-        <p14:creationId xmlns:p14="http://schemas.microsoft.com/office/powerpoint/2010/main" val="328522426"/>
+        <p14:creationId xmlns:p14="http://schemas.microsoft.com/office/powerpoint/2010/main" val="4106058736"/>
       </p:ext>
     </p:extLst>
   </p:cSld>
@@ -2024,9 +2094,9 @@
 </p:sldLayout>
 </file>
 
-<file path=ppt/slideLayouts/slideLayout7.xml><?xml version="1.0" encoding="utf-8"?>
-<p:sldLayout xmlns:a="http://schemas.openxmlformats.org/drawingml/2006/main" xmlns:r="http://schemas.openxmlformats.org/officeDocument/2006/relationships" xmlns:p="http://schemas.openxmlformats.org/presentationml/2006/main" type="blank" preserve="1">
-  <p:cSld name="Tomt">
+<file path=ppt/slideLayouts/slideLayout5.xml><?xml version="1.0" encoding="utf-8"?>
+<p:sldLayout xmlns:a="http://schemas.openxmlformats.org/drawingml/2006/main" xmlns:r="http://schemas.openxmlformats.org/officeDocument/2006/relationships" xmlns:p="http://schemas.openxmlformats.org/presentationml/2006/main" type="twoTxTwoObj" preserve="1">
+  <p:cSld name="Comparison">
     <p:spTree>
       <p:nvGrpSpPr>
         <p:cNvPr id="1" name=""/>
@@ -2043,10 +2113,321 @@
       </p:grpSpPr>
       <p:sp>
         <p:nvSpPr>
-          <p:cNvPr id="2" name="Plassholder for dato 1">
-            <a:extLst>
-              <a:ext uri="{FF2B5EF4-FFF2-40B4-BE49-F238E27FC236}">
-                <a16:creationId xmlns:a16="http://schemas.microsoft.com/office/drawing/2014/main" id="{3E99EC2B-8024-C520-E658-E208D878F48D}"/>
+          <p:cNvPr id="2" name="Title 1">
+            <a:extLst>
+              <a:ext uri="{FF2B5EF4-FFF2-40B4-BE49-F238E27FC236}">
+                <a16:creationId xmlns:a16="http://schemas.microsoft.com/office/drawing/2014/main" id="{41FEE969-634D-6E32-D227-18E9282C6F9E}"/>
+              </a:ext>
+            </a:extLst>
+          </p:cNvPr>
+          <p:cNvSpPr>
+            <a:spLocks noGrp="1"/>
+          </p:cNvSpPr>
+          <p:nvPr>
+            <p:ph type="title"/>
+          </p:nvPr>
+        </p:nvSpPr>
+        <p:spPr>
+          <a:xfrm>
+            <a:off x="609600" y="547396"/>
+            <a:ext cx="10745788" cy="1143292"/>
+          </a:xfrm>
+        </p:spPr>
+        <p:txBody>
+          <a:bodyPr/>
+          <a:lstStyle/>
+          <a:p>
+            <a:r>
+              <a:rPr lang="en-US"/>
+              <a:t>Click to edit Master title style</a:t>
+            </a:r>
+            <a:endParaRPr lang="en-US" dirty="0"/>
+          </a:p>
+        </p:txBody>
+      </p:sp>
+      <p:sp>
+        <p:nvSpPr>
+          <p:cNvPr id="3" name="Text Placeholder 2">
+            <a:extLst>
+              <a:ext uri="{FF2B5EF4-FFF2-40B4-BE49-F238E27FC236}">
+                <a16:creationId xmlns:a16="http://schemas.microsoft.com/office/drawing/2014/main" id="{61CD26D4-290A-F0ED-7D62-41EDA6FEC2B9}"/>
+              </a:ext>
+            </a:extLst>
+          </p:cNvPr>
+          <p:cNvSpPr>
+            <a:spLocks noGrp="1"/>
+          </p:cNvSpPr>
+          <p:nvPr>
+            <p:ph type="body" idx="1"/>
+          </p:nvPr>
+        </p:nvSpPr>
+        <p:spPr>
+          <a:xfrm>
+            <a:off x="609600" y="1685735"/>
+            <a:ext cx="5157787" cy="559834"/>
+          </a:xfrm>
+        </p:spPr>
+        <p:txBody>
+          <a:bodyPr anchor="b">
+            <a:normAutofit/>
+          </a:bodyPr>
+          <a:lstStyle>
+            <a:lvl1pPr marL="0" indent="0">
+              <a:lnSpc>
+                <a:spcPct val="90000"/>
+              </a:lnSpc>
+              <a:buNone/>
+              <a:defRPr sz="2000" b="1" cap="all" baseline="0"/>
+            </a:lvl1pPr>
+            <a:lvl2pPr marL="457200" indent="0">
+              <a:buNone/>
+              <a:defRPr sz="2000" b="1"/>
+            </a:lvl2pPr>
+            <a:lvl3pPr marL="914400" indent="0">
+              <a:buNone/>
+              <a:defRPr sz="1800" b="1"/>
+            </a:lvl3pPr>
+            <a:lvl4pPr marL="1371600" indent="0">
+              <a:buNone/>
+              <a:defRPr sz="1600" b="1"/>
+            </a:lvl4pPr>
+            <a:lvl5pPr marL="1828800" indent="0">
+              <a:buNone/>
+              <a:defRPr sz="1600" b="1"/>
+            </a:lvl5pPr>
+            <a:lvl6pPr marL="2286000" indent="0">
+              <a:buNone/>
+              <a:defRPr sz="1600" b="1"/>
+            </a:lvl6pPr>
+            <a:lvl7pPr marL="2743200" indent="0">
+              <a:buNone/>
+              <a:defRPr sz="1600" b="1"/>
+            </a:lvl7pPr>
+            <a:lvl8pPr marL="3200400" indent="0">
+              <a:buNone/>
+              <a:defRPr sz="1600" b="1"/>
+            </a:lvl8pPr>
+            <a:lvl9pPr marL="3657600" indent="0">
+              <a:buNone/>
+              <a:defRPr sz="1600" b="1"/>
+            </a:lvl9pPr>
+          </a:lstStyle>
+          <a:p>
+            <a:pPr lvl="0"/>
+            <a:r>
+              <a:rPr lang="en-US"/>
+              <a:t>Click to edit Master text styles</a:t>
+            </a:r>
+          </a:p>
+        </p:txBody>
+      </p:sp>
+      <p:sp>
+        <p:nvSpPr>
+          <p:cNvPr id="4" name="Content Placeholder 3">
+            <a:extLst>
+              <a:ext uri="{FF2B5EF4-FFF2-40B4-BE49-F238E27FC236}">
+                <a16:creationId xmlns:a16="http://schemas.microsoft.com/office/drawing/2014/main" id="{94DA52B0-7419-A946-4523-6D34BCAD26D1}"/>
+              </a:ext>
+            </a:extLst>
+          </p:cNvPr>
+          <p:cNvSpPr>
+            <a:spLocks noGrp="1"/>
+          </p:cNvSpPr>
+          <p:nvPr>
+            <p:ph sz="half" idx="2"/>
+          </p:nvPr>
+        </p:nvSpPr>
+        <p:spPr>
+          <a:xfrm>
+            <a:off x="609600" y="2386894"/>
+            <a:ext cx="5157787" cy="3765089"/>
+          </a:xfrm>
+        </p:spPr>
+        <p:txBody>
+          <a:bodyPr/>
+          <a:lstStyle/>
+          <a:p>
+            <a:pPr lvl="0"/>
+            <a:r>
+              <a:rPr lang="en-US"/>
+              <a:t>Click to edit Master text styles</a:t>
+            </a:r>
+          </a:p>
+          <a:p>
+            <a:pPr lvl="1"/>
+            <a:r>
+              <a:rPr lang="en-US"/>
+              <a:t>Second level</a:t>
+            </a:r>
+          </a:p>
+          <a:p>
+            <a:pPr lvl="2"/>
+            <a:r>
+              <a:rPr lang="en-US"/>
+              <a:t>Third level</a:t>
+            </a:r>
+          </a:p>
+          <a:p>
+            <a:pPr lvl="3"/>
+            <a:r>
+              <a:rPr lang="en-US"/>
+              <a:t>Fourth level</a:t>
+            </a:r>
+          </a:p>
+          <a:p>
+            <a:pPr lvl="4"/>
+            <a:r>
+              <a:rPr lang="en-US"/>
+              <a:t>Fifth level</a:t>
+            </a:r>
+            <a:endParaRPr lang="en-US" dirty="0"/>
+          </a:p>
+        </p:txBody>
+      </p:sp>
+      <p:sp>
+        <p:nvSpPr>
+          <p:cNvPr id="5" name="Text Placeholder 4">
+            <a:extLst>
+              <a:ext uri="{FF2B5EF4-FFF2-40B4-BE49-F238E27FC236}">
+                <a16:creationId xmlns:a16="http://schemas.microsoft.com/office/drawing/2014/main" id="{06536620-C4F3-EEC3-DBF1-05196B1CBB55}"/>
+              </a:ext>
+            </a:extLst>
+          </p:cNvPr>
+          <p:cNvSpPr>
+            <a:spLocks noGrp="1"/>
+          </p:cNvSpPr>
+          <p:nvPr>
+            <p:ph type="body" sz="quarter" idx="3"/>
+          </p:nvPr>
+        </p:nvSpPr>
+        <p:spPr>
+          <a:xfrm>
+            <a:off x="6172200" y="1685735"/>
+            <a:ext cx="5183188" cy="559834"/>
+          </a:xfrm>
+        </p:spPr>
+        <p:txBody>
+          <a:bodyPr anchor="b">
+            <a:normAutofit/>
+          </a:bodyPr>
+          <a:lstStyle>
+            <a:lvl1pPr marL="0" indent="0">
+              <a:lnSpc>
+                <a:spcPct val="90000"/>
+              </a:lnSpc>
+              <a:buNone/>
+              <a:defRPr sz="2000" b="1" cap="all" baseline="0"/>
+            </a:lvl1pPr>
+            <a:lvl2pPr marL="457200" indent="0">
+              <a:buNone/>
+              <a:defRPr sz="2000" b="1"/>
+            </a:lvl2pPr>
+            <a:lvl3pPr marL="914400" indent="0">
+              <a:buNone/>
+              <a:defRPr sz="1800" b="1"/>
+            </a:lvl3pPr>
+            <a:lvl4pPr marL="1371600" indent="0">
+              <a:buNone/>
+              <a:defRPr sz="1600" b="1"/>
+            </a:lvl4pPr>
+            <a:lvl5pPr marL="1828800" indent="0">
+              <a:buNone/>
+              <a:defRPr sz="1600" b="1"/>
+            </a:lvl5pPr>
+            <a:lvl6pPr marL="2286000" indent="0">
+              <a:buNone/>
+              <a:defRPr sz="1600" b="1"/>
+            </a:lvl6pPr>
+            <a:lvl7pPr marL="2743200" indent="0">
+              <a:buNone/>
+              <a:defRPr sz="1600" b="1"/>
+            </a:lvl7pPr>
+            <a:lvl8pPr marL="3200400" indent="0">
+              <a:buNone/>
+              <a:defRPr sz="1600" b="1"/>
+            </a:lvl8pPr>
+            <a:lvl9pPr marL="3657600" indent="0">
+              <a:buNone/>
+              <a:defRPr sz="1600" b="1"/>
+            </a:lvl9pPr>
+          </a:lstStyle>
+          <a:p>
+            <a:pPr lvl="0"/>
+            <a:r>
+              <a:rPr lang="en-US"/>
+              <a:t>Click to edit Master text styles</a:t>
+            </a:r>
+          </a:p>
+        </p:txBody>
+      </p:sp>
+      <p:sp>
+        <p:nvSpPr>
+          <p:cNvPr id="6" name="Content Placeholder 5">
+            <a:extLst>
+              <a:ext uri="{FF2B5EF4-FFF2-40B4-BE49-F238E27FC236}">
+                <a16:creationId xmlns:a16="http://schemas.microsoft.com/office/drawing/2014/main" id="{33BAE980-E611-98B5-04E9-DE4584B0E33F}"/>
+              </a:ext>
+            </a:extLst>
+          </p:cNvPr>
+          <p:cNvSpPr>
+            <a:spLocks noGrp="1"/>
+          </p:cNvSpPr>
+          <p:nvPr>
+            <p:ph sz="quarter" idx="4"/>
+          </p:nvPr>
+        </p:nvSpPr>
+        <p:spPr>
+          <a:xfrm>
+            <a:off x="6172199" y="2386894"/>
+            <a:ext cx="5183189" cy="3765089"/>
+          </a:xfrm>
+        </p:spPr>
+        <p:txBody>
+          <a:bodyPr/>
+          <a:lstStyle/>
+          <a:p>
+            <a:pPr lvl="0"/>
+            <a:r>
+              <a:rPr lang="en-US"/>
+              <a:t>Click to edit Master text styles</a:t>
+            </a:r>
+          </a:p>
+          <a:p>
+            <a:pPr lvl="1"/>
+            <a:r>
+              <a:rPr lang="en-US"/>
+              <a:t>Second level</a:t>
+            </a:r>
+          </a:p>
+          <a:p>
+            <a:pPr lvl="2"/>
+            <a:r>
+              <a:rPr lang="en-US"/>
+              <a:t>Third level</a:t>
+            </a:r>
+          </a:p>
+          <a:p>
+            <a:pPr lvl="3"/>
+            <a:r>
+              <a:rPr lang="en-US"/>
+              <a:t>Fourth level</a:t>
+            </a:r>
+          </a:p>
+          <a:p>
+            <a:pPr lvl="4"/>
+            <a:r>
+              <a:rPr lang="en-US"/>
+              <a:t>Fifth level</a:t>
+            </a:r>
+          </a:p>
+        </p:txBody>
+      </p:sp>
+      <p:sp>
+        <p:nvSpPr>
+          <p:cNvPr id="7" name="Date Placeholder 6">
+            <a:extLst>
+              <a:ext uri="{FF2B5EF4-FFF2-40B4-BE49-F238E27FC236}">
+                <a16:creationId xmlns:a16="http://schemas.microsoft.com/office/drawing/2014/main" id="{4E3B3581-658A-8487-F9CB-E79F2BFF27E4}"/>
               </a:ext>
             </a:extLst>
           </p:cNvPr>
@@ -2062,20 +2443,20 @@
           <a:bodyPr/>
           <a:lstStyle/>
           <a:p>
-            <a:fld id="{12FB2D99-767A-468E-922C-2AC279847D31}" type="datetimeFigureOut">
-              <a:rPr lang="nb-NO" smtClean="0"/>
-              <a:t>11.06.2025</a:t>
+            <a:fld id="{F9557091-BBDF-4EB9-BA6B-2BB67AC4FC0F}" type="datetime1">
+              <a:rPr lang="en-US" smtClean="0"/>
+              <a:t>6/11/2025</a:t>
             </a:fld>
-            <a:endParaRPr lang="nb-NO"/>
-          </a:p>
-        </p:txBody>
-      </p:sp>
-      <p:sp>
-        <p:nvSpPr>
-          <p:cNvPr id="3" name="Plassholder for bunntekst 2">
-            <a:extLst>
-              <a:ext uri="{FF2B5EF4-FFF2-40B4-BE49-F238E27FC236}">
-                <a16:creationId xmlns:a16="http://schemas.microsoft.com/office/drawing/2014/main" id="{F888B6BE-FD7D-3801-8E34-D50703BCDCDD}"/>
+            <a:endParaRPr lang="en-US"/>
+          </a:p>
+        </p:txBody>
+      </p:sp>
+      <p:sp>
+        <p:nvSpPr>
+          <p:cNvPr id="8" name="Footer Placeholder 7">
+            <a:extLst>
+              <a:ext uri="{FF2B5EF4-FFF2-40B4-BE49-F238E27FC236}">
+                <a16:creationId xmlns:a16="http://schemas.microsoft.com/office/drawing/2014/main" id="{949D76D8-9033-26CF-BF4C-AECCC685C177}"/>
               </a:ext>
             </a:extLst>
           </p:cNvPr>
@@ -2091,16 +2472,16 @@
           <a:bodyPr/>
           <a:lstStyle/>
           <a:p>
-            <a:endParaRPr lang="nb-NO"/>
-          </a:p>
-        </p:txBody>
-      </p:sp>
-      <p:sp>
-        <p:nvSpPr>
-          <p:cNvPr id="4" name="Plassholder for lysbildenummer 3">
-            <a:extLst>
-              <a:ext uri="{FF2B5EF4-FFF2-40B4-BE49-F238E27FC236}">
-                <a16:creationId xmlns:a16="http://schemas.microsoft.com/office/drawing/2014/main" id="{FA8957F2-1253-D81D-C31C-6FD3AA8B7026}"/>
+            <a:endParaRPr lang="en-US" dirty="0"/>
+          </a:p>
+        </p:txBody>
+      </p:sp>
+      <p:sp>
+        <p:nvSpPr>
+          <p:cNvPr id="9" name="Slide Number Placeholder 8">
+            <a:extLst>
+              <a:ext uri="{FF2B5EF4-FFF2-40B4-BE49-F238E27FC236}">
+                <a16:creationId xmlns:a16="http://schemas.microsoft.com/office/drawing/2014/main" id="{E02A06B8-CC1D-542F-D8EB-7625046B91D2}"/>
               </a:ext>
             </a:extLst>
           </p:cNvPr>
@@ -2116,18 +2497,18 @@
           <a:bodyPr/>
           <a:lstStyle/>
           <a:p>
-            <a:fld id="{4BE26480-A091-4AEC-B5CE-A4FA048602D4}" type="slidenum">
-              <a:rPr lang="nb-NO" smtClean="0"/>
+            <a:fld id="{CC057153-B650-4DEB-B370-79DDCFDCE934}" type="slidenum">
+              <a:rPr lang="en-US" smtClean="0"/>
               <a:t>‹#›</a:t>
             </a:fld>
-            <a:endParaRPr lang="nb-NO"/>
+            <a:endParaRPr lang="en-US"/>
           </a:p>
         </p:txBody>
       </p:sp>
     </p:spTree>
     <p:extLst>
       <p:ext uri="{BB962C8B-B14F-4D97-AF65-F5344CB8AC3E}">
-        <p14:creationId xmlns:p14="http://schemas.microsoft.com/office/powerpoint/2010/main" val="898473525"/>
+        <p14:creationId xmlns:p14="http://schemas.microsoft.com/office/powerpoint/2010/main" val="2398828936"/>
       </p:ext>
     </p:extLst>
   </p:cSld>
@@ -2137,9 +2518,9 @@
 </p:sldLayout>
 </file>
 
-<file path=ppt/slideLayouts/slideLayout8.xml><?xml version="1.0" encoding="utf-8"?>
-<p:sldLayout xmlns:a="http://schemas.openxmlformats.org/drawingml/2006/main" xmlns:r="http://schemas.openxmlformats.org/officeDocument/2006/relationships" xmlns:p="http://schemas.openxmlformats.org/presentationml/2006/main" type="objTx" preserve="1">
-  <p:cSld name="Innhold med tekst">
+<file path=ppt/slideLayouts/slideLayout6.xml><?xml version="1.0" encoding="utf-8"?>
+<p:sldLayout xmlns:a="http://schemas.openxmlformats.org/drawingml/2006/main" xmlns:r="http://schemas.openxmlformats.org/officeDocument/2006/relationships" xmlns:p="http://schemas.openxmlformats.org/presentationml/2006/main" type="titleOnly" preserve="1">
+  <p:cSld name="Title Only">
     <p:spTree>
       <p:nvGrpSpPr>
         <p:cNvPr id="1" name=""/>
@@ -2156,10 +2537,264 @@
       </p:grpSpPr>
       <p:sp>
         <p:nvSpPr>
-          <p:cNvPr id="2" name="Tittel 1">
-            <a:extLst>
-              <a:ext uri="{FF2B5EF4-FFF2-40B4-BE49-F238E27FC236}">
-                <a16:creationId xmlns:a16="http://schemas.microsoft.com/office/drawing/2014/main" id="{86BFB2C7-9B19-DCBD-E9D8-9B8CE81B2A46}"/>
+          <p:cNvPr id="2" name="Title 1">
+            <a:extLst>
+              <a:ext uri="{FF2B5EF4-FFF2-40B4-BE49-F238E27FC236}">
+                <a16:creationId xmlns:a16="http://schemas.microsoft.com/office/drawing/2014/main" id="{666A9F42-7FF7-F803-C075-BC4968D35E34}"/>
+              </a:ext>
+            </a:extLst>
+          </p:cNvPr>
+          <p:cNvSpPr>
+            <a:spLocks noGrp="1"/>
+          </p:cNvSpPr>
+          <p:nvPr>
+            <p:ph type="title"/>
+          </p:nvPr>
+        </p:nvSpPr>
+        <p:spPr/>
+        <p:txBody>
+          <a:bodyPr/>
+          <a:lstStyle/>
+          <a:p>
+            <a:r>
+              <a:rPr lang="en-US"/>
+              <a:t>Click to edit Master title style</a:t>
+            </a:r>
+          </a:p>
+        </p:txBody>
+      </p:sp>
+      <p:sp>
+        <p:nvSpPr>
+          <p:cNvPr id="3" name="Date Placeholder 2">
+            <a:extLst>
+              <a:ext uri="{FF2B5EF4-FFF2-40B4-BE49-F238E27FC236}">
+                <a16:creationId xmlns:a16="http://schemas.microsoft.com/office/drawing/2014/main" id="{E89E8268-7232-2944-F1BD-399F9419B563}"/>
+              </a:ext>
+            </a:extLst>
+          </p:cNvPr>
+          <p:cNvSpPr>
+            <a:spLocks noGrp="1"/>
+          </p:cNvSpPr>
+          <p:nvPr>
+            <p:ph type="dt" sz="half" idx="10"/>
+          </p:nvPr>
+        </p:nvSpPr>
+        <p:spPr/>
+        <p:txBody>
+          <a:bodyPr/>
+          <a:lstStyle/>
+          <a:p>
+            <a:fld id="{2D6B226B-77A6-410C-9796-083F278E0125}" type="datetime1">
+              <a:rPr lang="en-US" smtClean="0"/>
+              <a:t>6/11/2025</a:t>
+            </a:fld>
+            <a:endParaRPr lang="en-US"/>
+          </a:p>
+        </p:txBody>
+      </p:sp>
+      <p:sp>
+        <p:nvSpPr>
+          <p:cNvPr id="4" name="Footer Placeholder 3">
+            <a:extLst>
+              <a:ext uri="{FF2B5EF4-FFF2-40B4-BE49-F238E27FC236}">
+                <a16:creationId xmlns:a16="http://schemas.microsoft.com/office/drawing/2014/main" id="{6B968DDD-323F-89A1-84E3-DDBA626D9386}"/>
+              </a:ext>
+            </a:extLst>
+          </p:cNvPr>
+          <p:cNvSpPr>
+            <a:spLocks noGrp="1"/>
+          </p:cNvSpPr>
+          <p:nvPr>
+            <p:ph type="ftr" sz="quarter" idx="11"/>
+          </p:nvPr>
+        </p:nvSpPr>
+        <p:spPr/>
+        <p:txBody>
+          <a:bodyPr/>
+          <a:lstStyle/>
+          <a:p>
+            <a:endParaRPr lang="en-US" dirty="0"/>
+          </a:p>
+        </p:txBody>
+      </p:sp>
+      <p:sp>
+        <p:nvSpPr>
+          <p:cNvPr id="5" name="Slide Number Placeholder 4">
+            <a:extLst>
+              <a:ext uri="{FF2B5EF4-FFF2-40B4-BE49-F238E27FC236}">
+                <a16:creationId xmlns:a16="http://schemas.microsoft.com/office/drawing/2014/main" id="{98FBDC76-671D-1671-DCE2-D5658BD40E29}"/>
+              </a:ext>
+            </a:extLst>
+          </p:cNvPr>
+          <p:cNvSpPr>
+            <a:spLocks noGrp="1"/>
+          </p:cNvSpPr>
+          <p:nvPr>
+            <p:ph type="sldNum" sz="quarter" idx="12"/>
+          </p:nvPr>
+        </p:nvSpPr>
+        <p:spPr/>
+        <p:txBody>
+          <a:bodyPr/>
+          <a:lstStyle/>
+          <a:p>
+            <a:fld id="{CC057153-B650-4DEB-B370-79DDCFDCE934}" type="slidenum">
+              <a:rPr lang="en-US" smtClean="0"/>
+              <a:t>‹#›</a:t>
+            </a:fld>
+            <a:endParaRPr lang="en-US"/>
+          </a:p>
+        </p:txBody>
+      </p:sp>
+    </p:spTree>
+    <p:extLst>
+      <p:ext uri="{BB962C8B-B14F-4D97-AF65-F5344CB8AC3E}">
+        <p14:creationId xmlns:p14="http://schemas.microsoft.com/office/powerpoint/2010/main" val="1974212302"/>
+      </p:ext>
+    </p:extLst>
+  </p:cSld>
+  <p:clrMapOvr>
+    <a:masterClrMapping/>
+  </p:clrMapOvr>
+</p:sldLayout>
+</file>
+
+<file path=ppt/slideLayouts/slideLayout7.xml><?xml version="1.0" encoding="utf-8"?>
+<p:sldLayout xmlns:a="http://schemas.openxmlformats.org/drawingml/2006/main" xmlns:r="http://schemas.openxmlformats.org/officeDocument/2006/relationships" xmlns:p="http://schemas.openxmlformats.org/presentationml/2006/main" type="blank" preserve="1">
+  <p:cSld name="Blank">
+    <p:spTree>
+      <p:nvGrpSpPr>
+        <p:cNvPr id="1" name=""/>
+        <p:cNvGrpSpPr/>
+        <p:nvPr/>
+      </p:nvGrpSpPr>
+      <p:grpSpPr>
+        <a:xfrm>
+          <a:off x="0" y="0"/>
+          <a:ext cx="0" cy="0"/>
+          <a:chOff x="0" y="0"/>
+          <a:chExt cx="0" cy="0"/>
+        </a:xfrm>
+      </p:grpSpPr>
+      <p:sp>
+        <p:nvSpPr>
+          <p:cNvPr id="2" name="Date Placeholder 1">
+            <a:extLst>
+              <a:ext uri="{FF2B5EF4-FFF2-40B4-BE49-F238E27FC236}">
+                <a16:creationId xmlns:a16="http://schemas.microsoft.com/office/drawing/2014/main" id="{49BC4D82-0182-501C-9231-46767680476E}"/>
+              </a:ext>
+            </a:extLst>
+          </p:cNvPr>
+          <p:cNvSpPr>
+            <a:spLocks noGrp="1"/>
+          </p:cNvSpPr>
+          <p:nvPr>
+            <p:ph type="dt" sz="half" idx="10"/>
+          </p:nvPr>
+        </p:nvSpPr>
+        <p:spPr/>
+        <p:txBody>
+          <a:bodyPr/>
+          <a:lstStyle/>
+          <a:p>
+            <a:fld id="{A23A578B-D289-4C40-8593-3D356C49DA58}" type="datetime1">
+              <a:rPr lang="en-US" smtClean="0"/>
+              <a:t>6/11/2025</a:t>
+            </a:fld>
+            <a:endParaRPr lang="en-US"/>
+          </a:p>
+        </p:txBody>
+      </p:sp>
+      <p:sp>
+        <p:nvSpPr>
+          <p:cNvPr id="3" name="Footer Placeholder 2">
+            <a:extLst>
+              <a:ext uri="{FF2B5EF4-FFF2-40B4-BE49-F238E27FC236}">
+                <a16:creationId xmlns:a16="http://schemas.microsoft.com/office/drawing/2014/main" id="{10EAA6C9-A7F3-19F1-D17C-A1D83FAF553F}"/>
+              </a:ext>
+            </a:extLst>
+          </p:cNvPr>
+          <p:cNvSpPr>
+            <a:spLocks noGrp="1"/>
+          </p:cNvSpPr>
+          <p:nvPr>
+            <p:ph type="ftr" sz="quarter" idx="11"/>
+          </p:nvPr>
+        </p:nvSpPr>
+        <p:spPr/>
+        <p:txBody>
+          <a:bodyPr/>
+          <a:lstStyle/>
+          <a:p>
+            <a:endParaRPr lang="en-US" dirty="0"/>
+          </a:p>
+        </p:txBody>
+      </p:sp>
+      <p:sp>
+        <p:nvSpPr>
+          <p:cNvPr id="4" name="Slide Number Placeholder 3">
+            <a:extLst>
+              <a:ext uri="{FF2B5EF4-FFF2-40B4-BE49-F238E27FC236}">
+                <a16:creationId xmlns:a16="http://schemas.microsoft.com/office/drawing/2014/main" id="{34EBB816-1B94-116F-92D4-6043AE9E0C6B}"/>
+              </a:ext>
+            </a:extLst>
+          </p:cNvPr>
+          <p:cNvSpPr>
+            <a:spLocks noGrp="1"/>
+          </p:cNvSpPr>
+          <p:nvPr>
+            <p:ph type="sldNum" sz="quarter" idx="12"/>
+          </p:nvPr>
+        </p:nvSpPr>
+        <p:spPr/>
+        <p:txBody>
+          <a:bodyPr/>
+          <a:lstStyle/>
+          <a:p>
+            <a:fld id="{CC057153-B650-4DEB-B370-79DDCFDCE934}" type="slidenum">
+              <a:rPr lang="en-US" smtClean="0"/>
+              <a:t>‹#›</a:t>
+            </a:fld>
+            <a:endParaRPr lang="en-US"/>
+          </a:p>
+        </p:txBody>
+      </p:sp>
+    </p:spTree>
+    <p:extLst>
+      <p:ext uri="{BB962C8B-B14F-4D97-AF65-F5344CB8AC3E}">
+        <p14:creationId xmlns:p14="http://schemas.microsoft.com/office/powerpoint/2010/main" val="3585766242"/>
+      </p:ext>
+    </p:extLst>
+  </p:cSld>
+  <p:clrMapOvr>
+    <a:masterClrMapping/>
+  </p:clrMapOvr>
+</p:sldLayout>
+</file>
+
+<file path=ppt/slideLayouts/slideLayout8.xml><?xml version="1.0" encoding="utf-8"?>
+<p:sldLayout xmlns:a="http://schemas.openxmlformats.org/drawingml/2006/main" xmlns:r="http://schemas.openxmlformats.org/officeDocument/2006/relationships" xmlns:p="http://schemas.openxmlformats.org/presentationml/2006/main" type="objTx" preserve="1">
+  <p:cSld name="Content with Caption">
+    <p:spTree>
+      <p:nvGrpSpPr>
+        <p:cNvPr id="1" name=""/>
+        <p:cNvGrpSpPr/>
+        <p:nvPr/>
+      </p:nvGrpSpPr>
+      <p:grpSpPr>
+        <a:xfrm>
+          <a:off x="0" y="0"/>
+          <a:ext cx="0" cy="0"/>
+          <a:chOff x="0" y="0"/>
+          <a:chExt cx="0" cy="0"/>
+        </a:xfrm>
+      </p:grpSpPr>
+      <p:sp>
+        <p:nvSpPr>
+          <p:cNvPr id="2" name="Title 1">
+            <a:extLst>
+              <a:ext uri="{FF2B5EF4-FFF2-40B4-BE49-F238E27FC236}">
+                <a16:creationId xmlns:a16="http://schemas.microsoft.com/office/drawing/2014/main" id="{C350C37F-77BE-E128-4248-D001C39E79C6}"/>
               </a:ext>
             </a:extLst>
           </p:cNvPr>
@@ -2172,31 +2807,34 @@
         </p:nvSpPr>
         <p:spPr>
           <a:xfrm>
-            <a:off x="839788" y="457200"/>
-            <a:ext cx="3932237" cy="1600200"/>
+            <a:off x="597160" y="553616"/>
+            <a:ext cx="3595634" cy="1757505"/>
           </a:xfrm>
         </p:spPr>
         <p:txBody>
-          <a:bodyPr anchor="b"/>
+          <a:bodyPr anchor="t">
+            <a:normAutofit/>
+          </a:bodyPr>
           <a:lstStyle>
             <a:lvl1pPr>
-              <a:defRPr sz="3200"/>
+              <a:defRPr sz="2800"/>
             </a:lvl1pPr>
           </a:lstStyle>
           <a:p>
             <a:r>
-              <a:rPr lang="nb-NO"/>
-              <a:t>Klikk for å redigere tittelstil</a:t>
-            </a:r>
-          </a:p>
-        </p:txBody>
-      </p:sp>
-      <p:sp>
-        <p:nvSpPr>
-          <p:cNvPr id="3" name="Plassholder for innhold 2">
-            <a:extLst>
-              <a:ext uri="{FF2B5EF4-FFF2-40B4-BE49-F238E27FC236}">
-                <a16:creationId xmlns:a16="http://schemas.microsoft.com/office/drawing/2014/main" id="{222C7F6D-48E6-216B-3EE4-5018DF800B96}"/>
+              <a:rPr lang="en-US"/>
+              <a:t>Click to edit Master title style</a:t>
+            </a:r>
+            <a:endParaRPr lang="en-US" dirty="0"/>
+          </a:p>
+        </p:txBody>
+      </p:sp>
+      <p:sp>
+        <p:nvSpPr>
+          <p:cNvPr id="3" name="Content Placeholder 2">
+            <a:extLst>
+              <a:ext uri="{FF2B5EF4-FFF2-40B4-BE49-F238E27FC236}">
+                <a16:creationId xmlns:a16="http://schemas.microsoft.com/office/drawing/2014/main" id="{2F3B20A8-A604-C977-02C0-083BA8663484}"/>
               </a:ext>
             </a:extLst>
           </p:cNvPr>
@@ -2209,27 +2847,29 @@
         </p:nvSpPr>
         <p:spPr>
           <a:xfrm>
-            <a:off x="5183188" y="987425"/>
-            <a:ext cx="6172200" cy="4873625"/>
+            <a:off x="5134708" y="553616"/>
+            <a:ext cx="6279741" cy="5486400"/>
           </a:xfrm>
         </p:spPr>
         <p:txBody>
-          <a:bodyPr/>
+          <a:bodyPr>
+            <a:normAutofit/>
+          </a:bodyPr>
           <a:lstStyle>
             <a:lvl1pPr>
-              <a:defRPr sz="3200"/>
+              <a:defRPr sz="2800"/>
             </a:lvl1pPr>
             <a:lvl2pPr>
-              <a:defRPr sz="2800"/>
+              <a:defRPr sz="2400"/>
             </a:lvl2pPr>
             <a:lvl3pPr>
-              <a:defRPr sz="2400"/>
+              <a:defRPr sz="2000"/>
             </a:lvl3pPr>
             <a:lvl4pPr>
-              <a:defRPr sz="2000"/>
+              <a:defRPr sz="1800"/>
             </a:lvl4pPr>
             <a:lvl5pPr>
-              <a:defRPr sz="2000"/>
+              <a:defRPr sz="1800"/>
             </a:lvl5pPr>
             <a:lvl6pPr>
               <a:defRPr sz="2000"/>
@@ -2247,46 +2887,47 @@
           <a:p>
             <a:pPr lvl="0"/>
             <a:r>
-              <a:rPr lang="nb-NO"/>
-              <a:t>Klikk for å redigere tekststiler i malen</a:t>
+              <a:rPr lang="en-US"/>
+              <a:t>Click to edit Master text styles</a:t>
             </a:r>
           </a:p>
           <a:p>
             <a:pPr lvl="1"/>
             <a:r>
-              <a:rPr lang="nb-NO"/>
-              <a:t>Andre nivå</a:t>
+              <a:rPr lang="en-US"/>
+              <a:t>Second level</a:t>
             </a:r>
           </a:p>
           <a:p>
             <a:pPr lvl="2"/>
             <a:r>
-              <a:rPr lang="nb-NO"/>
-              <a:t>Tredje nivå</a:t>
+              <a:rPr lang="en-US"/>
+              <a:t>Third level</a:t>
             </a:r>
           </a:p>
           <a:p>
             <a:pPr lvl="3"/>
             <a:r>
-              <a:rPr lang="nb-NO"/>
-              <a:t>Fjerde nivå</a:t>
+              <a:rPr lang="en-US"/>
+              <a:t>Fourth level</a:t>
             </a:r>
           </a:p>
           <a:p>
             <a:pPr lvl="4"/>
             <a:r>
-              <a:rPr lang="nb-NO"/>
-              <a:t>Femte nivå</a:t>
-            </a:r>
-          </a:p>
-        </p:txBody>
-      </p:sp>
-      <p:sp>
-        <p:nvSpPr>
-          <p:cNvPr id="4" name="Plassholder for tekst 3">
-            <a:extLst>
-              <a:ext uri="{FF2B5EF4-FFF2-40B4-BE49-F238E27FC236}">
-                <a16:creationId xmlns:a16="http://schemas.microsoft.com/office/drawing/2014/main" id="{A5D8BDC1-711D-7D7F-1848-DD018A34A7BF}"/>
+              <a:rPr lang="en-US"/>
+              <a:t>Fifth level</a:t>
+            </a:r>
+            <a:endParaRPr lang="en-US" dirty="0"/>
+          </a:p>
+        </p:txBody>
+      </p:sp>
+      <p:sp>
+        <p:nvSpPr>
+          <p:cNvPr id="4" name="Text Placeholder 3">
+            <a:extLst>
+              <a:ext uri="{FF2B5EF4-FFF2-40B4-BE49-F238E27FC236}">
+                <a16:creationId xmlns:a16="http://schemas.microsoft.com/office/drawing/2014/main" id="{EC0EEBFB-2026-6A35-33ED-F008376B67A0}"/>
               </a:ext>
             </a:extLst>
           </p:cNvPr>
@@ -2299,16 +2940,18 @@
         </p:nvSpPr>
         <p:spPr>
           <a:xfrm>
-            <a:off x="839788" y="2057400"/>
-            <a:ext cx="3932237" cy="3811588"/>
+            <a:off x="597160" y="2311121"/>
+            <a:ext cx="3595634" cy="3728895"/>
           </a:xfrm>
         </p:spPr>
         <p:txBody>
-          <a:bodyPr/>
+          <a:bodyPr anchor="t">
+            <a:normAutofit/>
+          </a:bodyPr>
           <a:lstStyle>
             <a:lvl1pPr marL="0" indent="0">
               <a:buNone/>
-              <a:defRPr sz="1600"/>
+              <a:defRPr sz="1800"/>
             </a:lvl1pPr>
             <a:lvl2pPr marL="457200" indent="0">
               <a:buNone/>
@@ -2346,18 +2989,18 @@
           <a:p>
             <a:pPr lvl="0"/>
             <a:r>
-              <a:rPr lang="nb-NO"/>
-              <a:t>Klikk for å redigere tekststiler i malen</a:t>
-            </a:r>
-          </a:p>
-        </p:txBody>
-      </p:sp>
-      <p:sp>
-        <p:nvSpPr>
-          <p:cNvPr id="5" name="Plassholder for dato 4">
-            <a:extLst>
-              <a:ext uri="{FF2B5EF4-FFF2-40B4-BE49-F238E27FC236}">
-                <a16:creationId xmlns:a16="http://schemas.microsoft.com/office/drawing/2014/main" id="{971CBD31-D24B-2F55-41C9-59F038758851}"/>
+              <a:rPr lang="en-US"/>
+              <a:t>Click to edit Master text styles</a:t>
+            </a:r>
+          </a:p>
+        </p:txBody>
+      </p:sp>
+      <p:sp>
+        <p:nvSpPr>
+          <p:cNvPr id="5" name="Date Placeholder 4">
+            <a:extLst>
+              <a:ext uri="{FF2B5EF4-FFF2-40B4-BE49-F238E27FC236}">
+                <a16:creationId xmlns:a16="http://schemas.microsoft.com/office/drawing/2014/main" id="{93F05638-7A56-469A-825A-1DFA600254C8}"/>
               </a:ext>
             </a:extLst>
           </p:cNvPr>
@@ -2373,20 +3016,20 @@
           <a:bodyPr/>
           <a:lstStyle/>
           <a:p>
-            <a:fld id="{12FB2D99-767A-468E-922C-2AC279847D31}" type="datetimeFigureOut">
-              <a:rPr lang="nb-NO" smtClean="0"/>
-              <a:t>11.06.2025</a:t>
+            <a:fld id="{713DFAE3-14DB-48A7-A80F-80DDB072CE3D}" type="datetime1">
+              <a:rPr lang="en-US" smtClean="0"/>
+              <a:t>6/11/2025</a:t>
             </a:fld>
-            <a:endParaRPr lang="nb-NO"/>
-          </a:p>
-        </p:txBody>
-      </p:sp>
-      <p:sp>
-        <p:nvSpPr>
-          <p:cNvPr id="6" name="Plassholder for bunntekst 5">
-            <a:extLst>
-              <a:ext uri="{FF2B5EF4-FFF2-40B4-BE49-F238E27FC236}">
-                <a16:creationId xmlns:a16="http://schemas.microsoft.com/office/drawing/2014/main" id="{832A45FD-B1BB-C98A-A4FD-5A81B296A8E1}"/>
+            <a:endParaRPr lang="en-US"/>
+          </a:p>
+        </p:txBody>
+      </p:sp>
+      <p:sp>
+        <p:nvSpPr>
+          <p:cNvPr id="6" name="Footer Placeholder 5">
+            <a:extLst>
+              <a:ext uri="{FF2B5EF4-FFF2-40B4-BE49-F238E27FC236}">
+                <a16:creationId xmlns:a16="http://schemas.microsoft.com/office/drawing/2014/main" id="{9C85A215-184B-2105-0279-ED02F6445831}"/>
               </a:ext>
             </a:extLst>
           </p:cNvPr>
@@ -2402,16 +3045,16 @@
           <a:bodyPr/>
           <a:lstStyle/>
           <a:p>
-            <a:endParaRPr lang="nb-NO"/>
-          </a:p>
-        </p:txBody>
-      </p:sp>
-      <p:sp>
-        <p:nvSpPr>
-          <p:cNvPr id="7" name="Plassholder for lysbildenummer 6">
-            <a:extLst>
-              <a:ext uri="{FF2B5EF4-FFF2-40B4-BE49-F238E27FC236}">
-                <a16:creationId xmlns:a16="http://schemas.microsoft.com/office/drawing/2014/main" id="{332F387F-DA70-FDF6-016E-9A412BA885C9}"/>
+            <a:endParaRPr lang="en-US" dirty="0"/>
+          </a:p>
+        </p:txBody>
+      </p:sp>
+      <p:sp>
+        <p:nvSpPr>
+          <p:cNvPr id="7" name="Slide Number Placeholder 6">
+            <a:extLst>
+              <a:ext uri="{FF2B5EF4-FFF2-40B4-BE49-F238E27FC236}">
+                <a16:creationId xmlns:a16="http://schemas.microsoft.com/office/drawing/2014/main" id="{32C7CA46-892B-253A-3A28-7414E17B837B}"/>
               </a:ext>
             </a:extLst>
           </p:cNvPr>
@@ -2427,18 +3070,18 @@
           <a:bodyPr/>
           <a:lstStyle/>
           <a:p>
-            <a:fld id="{4BE26480-A091-4AEC-B5CE-A4FA048602D4}" type="slidenum">
-              <a:rPr lang="nb-NO" smtClean="0"/>
+            <a:fld id="{CC057153-B650-4DEB-B370-79DDCFDCE934}" type="slidenum">
+              <a:rPr lang="en-US" smtClean="0"/>
               <a:t>‹#›</a:t>
             </a:fld>
-            <a:endParaRPr lang="nb-NO"/>
+            <a:endParaRPr lang="en-US"/>
           </a:p>
         </p:txBody>
       </p:sp>
     </p:spTree>
     <p:extLst>
       <p:ext uri="{BB962C8B-B14F-4D97-AF65-F5344CB8AC3E}">
-        <p14:creationId xmlns:p14="http://schemas.microsoft.com/office/powerpoint/2010/main" val="3522152796"/>
+        <p14:creationId xmlns:p14="http://schemas.microsoft.com/office/powerpoint/2010/main" val="1354157423"/>
       </p:ext>
     </p:extLst>
   </p:cSld>
@@ -2450,7 +3093,7 @@
 
 <file path=ppt/slideLayouts/slideLayout9.xml><?xml version="1.0" encoding="utf-8"?>
 <p:sldLayout xmlns:a="http://schemas.openxmlformats.org/drawingml/2006/main" xmlns:r="http://schemas.openxmlformats.org/officeDocument/2006/relationships" xmlns:p="http://schemas.openxmlformats.org/presentationml/2006/main" type="picTx" preserve="1">
-  <p:cSld name="Bilde med tekst">
+  <p:cSld name="Picture with Caption">
     <p:spTree>
       <p:nvGrpSpPr>
         <p:cNvPr id="1" name=""/>
@@ -2467,10 +3110,10 @@
       </p:grpSpPr>
       <p:sp>
         <p:nvSpPr>
-          <p:cNvPr id="2" name="Tittel 1">
-            <a:extLst>
-              <a:ext uri="{FF2B5EF4-FFF2-40B4-BE49-F238E27FC236}">
-                <a16:creationId xmlns:a16="http://schemas.microsoft.com/office/drawing/2014/main" id="{86058C4C-1B79-BBBF-24AA-36DD353C5B5D}"/>
+          <p:cNvPr id="2" name="Title 1">
+            <a:extLst>
+              <a:ext uri="{FF2B5EF4-FFF2-40B4-BE49-F238E27FC236}">
+                <a16:creationId xmlns:a16="http://schemas.microsoft.com/office/drawing/2014/main" id="{EFB06A09-98CF-FAC2-3708-AECC4360C651}"/>
               </a:ext>
             </a:extLst>
           </p:cNvPr>
@@ -2483,31 +3126,34 @@
         </p:nvSpPr>
         <p:spPr>
           <a:xfrm>
-            <a:off x="839788" y="457200"/>
-            <a:ext cx="3932237" cy="1600200"/>
+            <a:off x="594360" y="557784"/>
+            <a:ext cx="3595634" cy="2212313"/>
           </a:xfrm>
         </p:spPr>
         <p:txBody>
-          <a:bodyPr anchor="b"/>
+          <a:bodyPr anchor="t">
+            <a:normAutofit/>
+          </a:bodyPr>
           <a:lstStyle>
             <a:lvl1pPr>
-              <a:defRPr sz="3200"/>
+              <a:defRPr sz="2800"/>
             </a:lvl1pPr>
           </a:lstStyle>
           <a:p>
             <a:r>
-              <a:rPr lang="nb-NO"/>
-              <a:t>Klikk for å redigere tittelstil</a:t>
-            </a:r>
-          </a:p>
-        </p:txBody>
-      </p:sp>
-      <p:sp>
-        <p:nvSpPr>
-          <p:cNvPr id="3" name="Plassholder for bilde 2">
-            <a:extLst>
-              <a:ext uri="{FF2B5EF4-FFF2-40B4-BE49-F238E27FC236}">
-                <a16:creationId xmlns:a16="http://schemas.microsoft.com/office/drawing/2014/main" id="{CCE0D321-A509-E290-1728-D3D5CB2E69CE}"/>
+              <a:rPr lang="en-US"/>
+              <a:t>Click to edit Master title style</a:t>
+            </a:r>
+            <a:endParaRPr lang="en-US" dirty="0"/>
+          </a:p>
+        </p:txBody>
+      </p:sp>
+      <p:sp>
+        <p:nvSpPr>
+          <p:cNvPr id="3" name="Picture Placeholder 2">
+            <a:extLst>
+              <a:ext uri="{FF2B5EF4-FFF2-40B4-BE49-F238E27FC236}">
+                <a16:creationId xmlns:a16="http://schemas.microsoft.com/office/drawing/2014/main" id="{9571C769-CEC8-962A-01E6-15B0E056791E}"/>
               </a:ext>
             </a:extLst>
           </p:cNvPr>
@@ -2520,8 +3166,8 @@
         </p:nvSpPr>
         <p:spPr>
           <a:xfrm>
-            <a:off x="5183188" y="987425"/>
-            <a:ext cx="6172200" cy="4873625"/>
+            <a:off x="5063319" y="657103"/>
+            <a:ext cx="6483687" cy="5555904"/>
           </a:xfrm>
         </p:spPr>
         <p:txBody>
@@ -2565,16 +3211,19 @@
             </a:lvl9pPr>
           </a:lstStyle>
           <a:p>
-            <a:endParaRPr lang="nb-NO"/>
-          </a:p>
-        </p:txBody>
-      </p:sp>
-      <p:sp>
-        <p:nvSpPr>
-          <p:cNvPr id="4" name="Plassholder for tekst 3">
-            <a:extLst>
-              <a:ext uri="{FF2B5EF4-FFF2-40B4-BE49-F238E27FC236}">
-                <a16:creationId xmlns:a16="http://schemas.microsoft.com/office/drawing/2014/main" id="{05319C17-91EC-462C-6865-00A3EC7100CA}"/>
+            <a:r>
+              <a:rPr lang="en-US"/>
+              <a:t>Click icon to add picture</a:t>
+            </a:r>
+          </a:p>
+        </p:txBody>
+      </p:sp>
+      <p:sp>
+        <p:nvSpPr>
+          <p:cNvPr id="4" name="Text Placeholder 3">
+            <a:extLst>
+              <a:ext uri="{FF2B5EF4-FFF2-40B4-BE49-F238E27FC236}">
+                <a16:creationId xmlns:a16="http://schemas.microsoft.com/office/drawing/2014/main" id="{F32C4A61-EF2A-C5A5-B150-4448600B3937}"/>
               </a:ext>
             </a:extLst>
           </p:cNvPr>
@@ -2587,12 +3236,12 @@
         </p:nvSpPr>
         <p:spPr>
           <a:xfrm>
-            <a:off x="839788" y="2057400"/>
-            <a:ext cx="3932237" cy="3811588"/>
+            <a:off x="609601" y="2826137"/>
+            <a:ext cx="3585586" cy="3434638"/>
           </a:xfrm>
         </p:spPr>
         <p:txBody>
-          <a:bodyPr/>
+          <a:bodyPr anchor="b"/>
           <a:lstStyle>
             <a:lvl1pPr marL="0" indent="0">
               <a:buNone/>
@@ -2634,18 +3283,18 @@
           <a:p>
             <a:pPr lvl="0"/>
             <a:r>
-              <a:rPr lang="nb-NO"/>
-              <a:t>Klikk for å redigere tekststiler i malen</a:t>
-            </a:r>
-          </a:p>
-        </p:txBody>
-      </p:sp>
-      <p:sp>
-        <p:nvSpPr>
-          <p:cNvPr id="5" name="Plassholder for dato 4">
-            <a:extLst>
-              <a:ext uri="{FF2B5EF4-FFF2-40B4-BE49-F238E27FC236}">
-                <a16:creationId xmlns:a16="http://schemas.microsoft.com/office/drawing/2014/main" id="{87089FD2-D1C8-324C-6385-09A24083C1DE}"/>
+              <a:rPr lang="en-US"/>
+              <a:t>Click to edit Master text styles</a:t>
+            </a:r>
+          </a:p>
+        </p:txBody>
+      </p:sp>
+      <p:sp>
+        <p:nvSpPr>
+          <p:cNvPr id="5" name="Date Placeholder 4">
+            <a:extLst>
+              <a:ext uri="{FF2B5EF4-FFF2-40B4-BE49-F238E27FC236}">
+                <a16:creationId xmlns:a16="http://schemas.microsoft.com/office/drawing/2014/main" id="{920B235E-39C7-4C78-20EF-DB48ECD9CB90}"/>
               </a:ext>
             </a:extLst>
           </p:cNvPr>
@@ -2661,20 +3310,20 @@
           <a:bodyPr/>
           <a:lstStyle/>
           <a:p>
-            <a:fld id="{12FB2D99-767A-468E-922C-2AC279847D31}" type="datetimeFigureOut">
-              <a:rPr lang="nb-NO" smtClean="0"/>
-              <a:t>11.06.2025</a:t>
+            <a:fld id="{92C5EAEF-6478-4102-8F5D-A5FE9FC97ACB}" type="datetime1">
+              <a:rPr lang="en-US" smtClean="0"/>
+              <a:t>6/11/2025</a:t>
             </a:fld>
-            <a:endParaRPr lang="nb-NO"/>
-          </a:p>
-        </p:txBody>
-      </p:sp>
-      <p:sp>
-        <p:nvSpPr>
-          <p:cNvPr id="6" name="Plassholder for bunntekst 5">
-            <a:extLst>
-              <a:ext uri="{FF2B5EF4-FFF2-40B4-BE49-F238E27FC236}">
-                <a16:creationId xmlns:a16="http://schemas.microsoft.com/office/drawing/2014/main" id="{AA5BD101-CDDF-BC87-166D-9BE730717750}"/>
+            <a:endParaRPr lang="en-US"/>
+          </a:p>
+        </p:txBody>
+      </p:sp>
+      <p:sp>
+        <p:nvSpPr>
+          <p:cNvPr id="6" name="Footer Placeholder 5">
+            <a:extLst>
+              <a:ext uri="{FF2B5EF4-FFF2-40B4-BE49-F238E27FC236}">
+                <a16:creationId xmlns:a16="http://schemas.microsoft.com/office/drawing/2014/main" id="{7FDC75DA-9A78-9AB9-7171-95A08CC51C56}"/>
               </a:ext>
             </a:extLst>
           </p:cNvPr>
@@ -2690,16 +3339,16 @@
           <a:bodyPr/>
           <a:lstStyle/>
           <a:p>
-            <a:endParaRPr lang="nb-NO"/>
-          </a:p>
-        </p:txBody>
-      </p:sp>
-      <p:sp>
-        <p:nvSpPr>
-          <p:cNvPr id="7" name="Plassholder for lysbildenummer 6">
-            <a:extLst>
-              <a:ext uri="{FF2B5EF4-FFF2-40B4-BE49-F238E27FC236}">
-                <a16:creationId xmlns:a16="http://schemas.microsoft.com/office/drawing/2014/main" id="{4F724D94-FA46-9D1F-D9C4-9545A96CE4E2}"/>
+            <a:endParaRPr lang="en-US" dirty="0"/>
+          </a:p>
+        </p:txBody>
+      </p:sp>
+      <p:sp>
+        <p:nvSpPr>
+          <p:cNvPr id="7" name="Slide Number Placeholder 6">
+            <a:extLst>
+              <a:ext uri="{FF2B5EF4-FFF2-40B4-BE49-F238E27FC236}">
+                <a16:creationId xmlns:a16="http://schemas.microsoft.com/office/drawing/2014/main" id="{5EFE1A03-DCCB-53C7-DBFE-2AD55C90591B}"/>
               </a:ext>
             </a:extLst>
           </p:cNvPr>
@@ -2715,18 +3364,18 @@
           <a:bodyPr/>
           <a:lstStyle/>
           <a:p>
-            <a:fld id="{4BE26480-A091-4AEC-B5CE-A4FA048602D4}" type="slidenum">
-              <a:rPr lang="nb-NO" smtClean="0"/>
+            <a:fld id="{CC057153-B650-4DEB-B370-79DDCFDCE934}" type="slidenum">
+              <a:rPr lang="en-US" smtClean="0"/>
               <a:t>‹#›</a:t>
             </a:fld>
-            <a:endParaRPr lang="nb-NO"/>
+            <a:endParaRPr lang="en-US"/>
           </a:p>
         </p:txBody>
       </p:sp>
     </p:spTree>
     <p:extLst>
       <p:ext uri="{BB962C8B-B14F-4D97-AF65-F5344CB8AC3E}">
-        <p14:creationId xmlns:p14="http://schemas.microsoft.com/office/powerpoint/2010/main" val="86136695"/>
+        <p14:creationId xmlns:p14="http://schemas.microsoft.com/office/powerpoint/2010/main" val="2362372655"/>
       </p:ext>
     </p:extLst>
   </p:cSld>
@@ -2760,10 +3409,10 @@
       </p:grpSpPr>
       <p:sp>
         <p:nvSpPr>
-          <p:cNvPr id="2" name="Plassholder for tittel 1">
-            <a:extLst>
-              <a:ext uri="{FF2B5EF4-FFF2-40B4-BE49-F238E27FC236}">
-                <a16:creationId xmlns:a16="http://schemas.microsoft.com/office/drawing/2014/main" id="{ED39B9DC-5CB8-41DF-8A52-020001AB8C41}"/>
+          <p:cNvPr id="2" name="Title Placeholder 1">
+            <a:extLst>
+              <a:ext uri="{FF2B5EF4-FFF2-40B4-BE49-F238E27FC236}">
+                <a16:creationId xmlns:a16="http://schemas.microsoft.com/office/drawing/2014/main" id="{475BFB69-9245-EC58-F1DE-FEB625BD336A}"/>
               </a:ext>
             </a:extLst>
           </p:cNvPr>
@@ -2776,32 +3425,33 @@
         </p:nvSpPr>
         <p:spPr>
           <a:xfrm>
-            <a:off x="838200" y="365125"/>
-            <a:ext cx="10515600" cy="1325563"/>
+            <a:off x="612648" y="548640"/>
+            <a:ext cx="10653578" cy="1132258"/>
           </a:xfrm>
           <a:prstGeom prst="rect">
             <a:avLst/>
           </a:prstGeom>
         </p:spPr>
         <p:txBody>
-          <a:bodyPr vert="horz" lIns="91440" tIns="45720" rIns="91440" bIns="45720" rtlCol="0" anchor="ctr">
+          <a:bodyPr vert="horz" lIns="91440" tIns="45720" rIns="91440" bIns="45720" rtlCol="0" anchor="t">
             <a:normAutofit/>
           </a:bodyPr>
           <a:lstStyle/>
           <a:p>
             <a:r>
-              <a:rPr lang="nb-NO"/>
-              <a:t>Klikk for å redigere tittelstil</a:t>
-            </a:r>
-          </a:p>
-        </p:txBody>
-      </p:sp>
-      <p:sp>
-        <p:nvSpPr>
-          <p:cNvPr id="3" name="Plassholder for tekst 2">
-            <a:extLst>
-              <a:ext uri="{FF2B5EF4-FFF2-40B4-BE49-F238E27FC236}">
-                <a16:creationId xmlns:a16="http://schemas.microsoft.com/office/drawing/2014/main" id="{406936AC-A31F-709B-6796-C701170D93A0}"/>
+              <a:rPr lang="en-US"/>
+              <a:t>Click to edit Master title style</a:t>
+            </a:r>
+            <a:endParaRPr lang="en-US" dirty="0"/>
+          </a:p>
+        </p:txBody>
+      </p:sp>
+      <p:sp>
+        <p:nvSpPr>
+          <p:cNvPr id="3" name="Text Placeholder 2">
+            <a:extLst>
+              <a:ext uri="{FF2B5EF4-FFF2-40B4-BE49-F238E27FC236}">
+                <a16:creationId xmlns:a16="http://schemas.microsoft.com/office/drawing/2014/main" id="{5516AFD5-5144-C460-0CA4-644BC4A93C02}"/>
               </a:ext>
             </a:extLst>
           </p:cNvPr>
@@ -2814,8 +3464,8 @@
         </p:nvSpPr>
         <p:spPr>
           <a:xfrm>
-            <a:off x="838200" y="1825625"/>
-            <a:ext cx="10515600" cy="4351338"/>
+            <a:off x="612647" y="1715532"/>
+            <a:ext cx="10653579" cy="4593828"/>
           </a:xfrm>
           <a:prstGeom prst="rect">
             <a:avLst/>
@@ -2829,46 +3479,47 @@
           <a:p>
             <a:pPr lvl="0"/>
             <a:r>
-              <a:rPr lang="nb-NO"/>
-              <a:t>Klikk for å redigere tekststiler i malen</a:t>
+              <a:rPr lang="en-US"/>
+              <a:t>Click to edit Master text styles</a:t>
             </a:r>
           </a:p>
           <a:p>
             <a:pPr lvl="1"/>
             <a:r>
-              <a:rPr lang="nb-NO"/>
-              <a:t>Andre nivå</a:t>
+              <a:rPr lang="en-US"/>
+              <a:t>Second level</a:t>
             </a:r>
           </a:p>
           <a:p>
             <a:pPr lvl="2"/>
             <a:r>
-              <a:rPr lang="nb-NO"/>
-              <a:t>Tredje nivå</a:t>
+              <a:rPr lang="en-US"/>
+              <a:t>Third level</a:t>
             </a:r>
           </a:p>
           <a:p>
             <a:pPr lvl="3"/>
             <a:r>
-              <a:rPr lang="nb-NO"/>
-              <a:t>Fjerde nivå</a:t>
+              <a:rPr lang="en-US"/>
+              <a:t>Fourth level</a:t>
             </a:r>
           </a:p>
           <a:p>
             <a:pPr lvl="4"/>
             <a:r>
-              <a:rPr lang="nb-NO"/>
-              <a:t>Femte nivå</a:t>
-            </a:r>
-          </a:p>
-        </p:txBody>
-      </p:sp>
-      <p:sp>
-        <p:nvSpPr>
-          <p:cNvPr id="4" name="Plassholder for dato 3">
-            <a:extLst>
-              <a:ext uri="{FF2B5EF4-FFF2-40B4-BE49-F238E27FC236}">
-                <a16:creationId xmlns:a16="http://schemas.microsoft.com/office/drawing/2014/main" id="{E2B960EC-79D7-7EA3-0893-9736C5AB7D93}"/>
+              <a:rPr lang="en-US"/>
+              <a:t>Fifth level</a:t>
+            </a:r>
+            <a:endParaRPr lang="en-US" dirty="0"/>
+          </a:p>
+        </p:txBody>
+      </p:sp>
+      <p:sp>
+        <p:nvSpPr>
+          <p:cNvPr id="4" name="Date Placeholder 3">
+            <a:extLst>
+              <a:ext uri="{FF2B5EF4-FFF2-40B4-BE49-F238E27FC236}">
+                <a16:creationId xmlns:a16="http://schemas.microsoft.com/office/drawing/2014/main" id="{3995753E-AF8A-7E04-8A1A-205B755A0215}"/>
               </a:ext>
             </a:extLst>
           </p:cNvPr>
@@ -2881,8 +3532,8 @@
         </p:nvSpPr>
         <p:spPr>
           <a:xfrm>
-            <a:off x="838200" y="6356350"/>
-            <a:ext cx="2743200" cy="365125"/>
+            <a:off x="137160" y="6453002"/>
+            <a:ext cx="3494314" cy="365125"/>
           </a:xfrm>
           <a:prstGeom prst="rect">
             <a:avLst/>
@@ -2892,30 +3543,28 @@
           <a:bodyPr vert="horz" lIns="91440" tIns="45720" rIns="91440" bIns="45720" rtlCol="0" anchor="ctr"/>
           <a:lstStyle>
             <a:lvl1pPr algn="l">
-              <a:defRPr sz="1200">
+              <a:defRPr sz="900">
                 <a:solidFill>
-                  <a:schemeClr val="tx1">
-                    <a:tint val="82000"/>
-                  </a:schemeClr>
+                  <a:schemeClr val="tx1"/>
                 </a:solidFill>
               </a:defRPr>
             </a:lvl1pPr>
           </a:lstStyle>
           <a:p>
-            <a:fld id="{12FB2D99-767A-468E-922C-2AC279847D31}" type="datetimeFigureOut">
-              <a:rPr lang="nb-NO" smtClean="0"/>
-              <a:t>11.06.2025</a:t>
+            <a:fld id="{67F45AC6-C491-4585-A584-9CE2AF7D5500}" type="datetime1">
+              <a:rPr lang="en-US" smtClean="0"/>
+              <a:t>6/11/2025</a:t>
             </a:fld>
-            <a:endParaRPr lang="nb-NO"/>
-          </a:p>
-        </p:txBody>
-      </p:sp>
-      <p:sp>
-        <p:nvSpPr>
-          <p:cNvPr id="5" name="Plassholder for bunntekst 4">
-            <a:extLst>
-              <a:ext uri="{FF2B5EF4-FFF2-40B4-BE49-F238E27FC236}">
-                <a16:creationId xmlns:a16="http://schemas.microsoft.com/office/drawing/2014/main" id="{A8ACD93C-46F2-4F02-600E-3DFCC030434F}"/>
+            <a:endParaRPr lang="en-US"/>
+          </a:p>
+        </p:txBody>
+      </p:sp>
+      <p:sp>
+        <p:nvSpPr>
+          <p:cNvPr id="5" name="Footer Placeholder 4">
+            <a:extLst>
+              <a:ext uri="{FF2B5EF4-FFF2-40B4-BE49-F238E27FC236}">
+                <a16:creationId xmlns:a16="http://schemas.microsoft.com/office/drawing/2014/main" id="{D4E1B7C8-DA74-800B-EE14-A39E9DB32DE4}"/>
               </a:ext>
             </a:extLst>
           </p:cNvPr>
@@ -2928,8 +3577,8 @@
         </p:nvSpPr>
         <p:spPr>
           <a:xfrm>
-            <a:off x="4038600" y="6356350"/>
-            <a:ext cx="4114800" cy="365125"/>
+            <a:off x="8876521" y="6453002"/>
+            <a:ext cx="2805405" cy="365125"/>
           </a:xfrm>
           <a:prstGeom prst="rect">
             <a:avLst/>
@@ -2938,27 +3587,25 @@
         <p:txBody>
           <a:bodyPr vert="horz" lIns="91440" tIns="45720" rIns="91440" bIns="45720" rtlCol="0" anchor="ctr"/>
           <a:lstStyle>
-            <a:lvl1pPr algn="ctr">
-              <a:defRPr sz="1200">
+            <a:lvl1pPr algn="r">
+              <a:defRPr sz="900">
                 <a:solidFill>
-                  <a:schemeClr val="tx1">
-                    <a:tint val="82000"/>
-                  </a:schemeClr>
+                  <a:schemeClr val="tx1"/>
                 </a:solidFill>
               </a:defRPr>
             </a:lvl1pPr>
           </a:lstStyle>
           <a:p>
-            <a:endParaRPr lang="nb-NO"/>
-          </a:p>
-        </p:txBody>
-      </p:sp>
-      <p:sp>
-        <p:nvSpPr>
-          <p:cNvPr id="6" name="Plassholder for lysbildenummer 5">
-            <a:extLst>
-              <a:ext uri="{FF2B5EF4-FFF2-40B4-BE49-F238E27FC236}">
-                <a16:creationId xmlns:a16="http://schemas.microsoft.com/office/drawing/2014/main" id="{FB193171-B012-4DBA-4383-5BE63CAE3D4F}"/>
+            <a:endParaRPr lang="en-US" dirty="0"/>
+          </a:p>
+        </p:txBody>
+      </p:sp>
+      <p:sp>
+        <p:nvSpPr>
+          <p:cNvPr id="6" name="Slide Number Placeholder 5">
+            <a:extLst>
+              <a:ext uri="{FF2B5EF4-FFF2-40B4-BE49-F238E27FC236}">
+                <a16:creationId xmlns:a16="http://schemas.microsoft.com/office/drawing/2014/main" id="{7AC1647D-0DF0-CA1B-F723-EF7B8F508DB7}"/>
               </a:ext>
             </a:extLst>
           </p:cNvPr>
@@ -2971,8 +3618,8 @@
         </p:nvSpPr>
         <p:spPr>
           <a:xfrm>
-            <a:off x="8610600" y="6356350"/>
-            <a:ext cx="2743200" cy="365125"/>
+            <a:off x="11632162" y="6453002"/>
+            <a:ext cx="429207" cy="365125"/>
           </a:xfrm>
           <a:prstGeom prst="rect">
             <a:avLst/>
@@ -2982,45 +3629,44 @@
           <a:bodyPr vert="horz" lIns="91440" tIns="45720" rIns="91440" bIns="45720" rtlCol="0" anchor="ctr"/>
           <a:lstStyle>
             <a:lvl1pPr algn="r">
-              <a:defRPr sz="1200">
+              <a:defRPr sz="900">
                 <a:solidFill>
-                  <a:schemeClr val="tx1">
-                    <a:tint val="82000"/>
-                  </a:schemeClr>
+                  <a:schemeClr val="tx1"/>
                 </a:solidFill>
               </a:defRPr>
             </a:lvl1pPr>
           </a:lstStyle>
           <a:p>
-            <a:fld id="{4BE26480-A091-4AEC-B5CE-A4FA048602D4}" type="slidenum">
-              <a:rPr lang="nb-NO" smtClean="0"/>
+            <a:fld id="{CC057153-B650-4DEB-B370-79DDCFDCE934}" type="slidenum">
+              <a:rPr lang="en-US" smtClean="0"/>
               <a:t>‹#›</a:t>
             </a:fld>
-            <a:endParaRPr lang="nb-NO"/>
+            <a:endParaRPr lang="en-US"/>
           </a:p>
         </p:txBody>
       </p:sp>
     </p:spTree>
     <p:extLst>
       <p:ext uri="{BB962C8B-B14F-4D97-AF65-F5344CB8AC3E}">
-        <p14:creationId xmlns:p14="http://schemas.microsoft.com/office/powerpoint/2010/main" val="674507802"/>
+        <p14:creationId xmlns:p14="http://schemas.microsoft.com/office/powerpoint/2010/main" val="527328948"/>
       </p:ext>
     </p:extLst>
   </p:cSld>
   <p:clrMap bg1="lt1" tx1="dk1" bg2="lt2" tx2="dk2" accent1="accent1" accent2="accent2" accent3="accent3" accent4="accent4" accent5="accent5" accent6="accent6" hlink="hlink" folHlink="folHlink"/>
   <p:sldLayoutIdLst>
-    <p:sldLayoutId id="2147483649" r:id="rId1"/>
-    <p:sldLayoutId id="2147483650" r:id="rId2"/>
-    <p:sldLayoutId id="2147483651" r:id="rId3"/>
-    <p:sldLayoutId id="2147483652" r:id="rId4"/>
-    <p:sldLayoutId id="2147483653" r:id="rId5"/>
-    <p:sldLayoutId id="2147483654" r:id="rId6"/>
-    <p:sldLayoutId id="2147483655" r:id="rId7"/>
-    <p:sldLayoutId id="2147483656" r:id="rId8"/>
-    <p:sldLayoutId id="2147483657" r:id="rId9"/>
-    <p:sldLayoutId id="2147483658" r:id="rId10"/>
-    <p:sldLayoutId id="2147483659" r:id="rId11"/>
+    <p:sldLayoutId id="2147483691" r:id="rId1"/>
+    <p:sldLayoutId id="2147483692" r:id="rId2"/>
+    <p:sldLayoutId id="2147483693" r:id="rId3"/>
+    <p:sldLayoutId id="2147483694" r:id="rId4"/>
+    <p:sldLayoutId id="2147483695" r:id="rId5"/>
+    <p:sldLayoutId id="2147483689" r:id="rId6"/>
+    <p:sldLayoutId id="2147483685" r:id="rId7"/>
+    <p:sldLayoutId id="2147483686" r:id="rId8"/>
+    <p:sldLayoutId id="2147483687" r:id="rId9"/>
+    <p:sldLayoutId id="2147483688" r:id="rId10"/>
+    <p:sldLayoutId id="2147483690" r:id="rId11"/>
   </p:sldLayoutIdLst>
+  <p:hf sldNum="0" hdr="0" ftr="0" dt="0"/>
   <p:txStyles>
     <p:titleStyle>
       <a:lvl1pPr algn="l" defTabSz="914400" rtl="0" eaLnBrk="1" latinLnBrk="0" hangingPunct="1">
@@ -3031,7 +3677,7 @@
           <a:spcPct val="0"/>
         </a:spcBef>
         <a:buNone/>
-        <a:defRPr sz="4400" kern="1200">
+        <a:defRPr sz="3600" b="1" kern="1200">
           <a:solidFill>
             <a:schemeClr val="tx1"/>
           </a:solidFill>
@@ -3044,46 +3690,10 @@
     <p:bodyStyle>
       <a:lvl1pPr marL="228600" indent="-228600" algn="l" defTabSz="914400" rtl="0" eaLnBrk="1" latinLnBrk="0" hangingPunct="1">
         <a:lnSpc>
-          <a:spcPct val="90000"/>
+          <a:spcPct val="120000"/>
         </a:lnSpc>
         <a:spcBef>
           <a:spcPts val="1000"/>
-        </a:spcBef>
-        <a:buFont typeface="Arial" panose="020B0604020202020204" pitchFamily="34" charset="0"/>
-        <a:buChar char="•"/>
-        <a:defRPr sz="2800" kern="1200">
-          <a:solidFill>
-            <a:schemeClr val="tx1"/>
-          </a:solidFill>
-          <a:latin typeface="+mn-lt"/>
-          <a:ea typeface="+mn-ea"/>
-          <a:cs typeface="+mn-cs"/>
-        </a:defRPr>
-      </a:lvl1pPr>
-      <a:lvl2pPr marL="685800" indent="-228600" algn="l" defTabSz="914400" rtl="0" eaLnBrk="1" latinLnBrk="0" hangingPunct="1">
-        <a:lnSpc>
-          <a:spcPct val="90000"/>
-        </a:lnSpc>
-        <a:spcBef>
-          <a:spcPts val="500"/>
-        </a:spcBef>
-        <a:buFont typeface="Arial" panose="020B0604020202020204" pitchFamily="34" charset="0"/>
-        <a:buChar char="•"/>
-        <a:defRPr sz="2400" kern="1200">
-          <a:solidFill>
-            <a:schemeClr val="tx1"/>
-          </a:solidFill>
-          <a:latin typeface="+mn-lt"/>
-          <a:ea typeface="+mn-ea"/>
-          <a:cs typeface="+mn-cs"/>
-        </a:defRPr>
-      </a:lvl2pPr>
-      <a:lvl3pPr marL="1143000" indent="-228600" algn="l" defTabSz="914400" rtl="0" eaLnBrk="1" latinLnBrk="0" hangingPunct="1">
-        <a:lnSpc>
-          <a:spcPct val="90000"/>
-        </a:lnSpc>
-        <a:spcBef>
-          <a:spcPts val="500"/>
         </a:spcBef>
         <a:buFont typeface="Arial" panose="020B0604020202020204" pitchFamily="34" charset="0"/>
         <a:buChar char="•"/>
@@ -3095,10 +3705,10 @@
           <a:ea typeface="+mn-ea"/>
           <a:cs typeface="+mn-cs"/>
         </a:defRPr>
-      </a:lvl3pPr>
-      <a:lvl4pPr marL="1600200" indent="-228600" algn="l" defTabSz="914400" rtl="0" eaLnBrk="1" latinLnBrk="0" hangingPunct="1">
+      </a:lvl1pPr>
+      <a:lvl2pPr marL="457200" indent="-228600" algn="l" defTabSz="914400" rtl="0" eaLnBrk="1" latinLnBrk="0" hangingPunct="1">
         <a:lnSpc>
-          <a:spcPct val="90000"/>
+          <a:spcPct val="120000"/>
         </a:lnSpc>
         <a:spcBef>
           <a:spcPts val="500"/>
@@ -3113,17 +3723,53 @@
           <a:ea typeface="+mn-ea"/>
           <a:cs typeface="+mn-cs"/>
         </a:defRPr>
-      </a:lvl4pPr>
-      <a:lvl5pPr marL="2057400" indent="-228600" algn="l" defTabSz="914400" rtl="0" eaLnBrk="1" latinLnBrk="0" hangingPunct="1">
+      </a:lvl2pPr>
+      <a:lvl3pPr marL="685800" indent="-228600" algn="l" defTabSz="914400" rtl="0" eaLnBrk="1" latinLnBrk="0" hangingPunct="1">
         <a:lnSpc>
-          <a:spcPct val="90000"/>
+          <a:spcPct val="120000"/>
         </a:lnSpc>
         <a:spcBef>
           <a:spcPts val="500"/>
         </a:spcBef>
         <a:buFont typeface="Arial" panose="020B0604020202020204" pitchFamily="34" charset="0"/>
         <a:buChar char="•"/>
-        <a:defRPr sz="1800" kern="1200">
+        <a:defRPr sz="1600" kern="1200">
+          <a:solidFill>
+            <a:schemeClr val="tx1"/>
+          </a:solidFill>
+          <a:latin typeface="+mn-lt"/>
+          <a:ea typeface="+mn-ea"/>
+          <a:cs typeface="+mn-cs"/>
+        </a:defRPr>
+      </a:lvl3pPr>
+      <a:lvl4pPr marL="914400" indent="-228600" algn="l" defTabSz="914400" rtl="0" eaLnBrk="1" latinLnBrk="0" hangingPunct="1">
+        <a:lnSpc>
+          <a:spcPct val="120000"/>
+        </a:lnSpc>
+        <a:spcBef>
+          <a:spcPts val="500"/>
+        </a:spcBef>
+        <a:buFont typeface="Arial" panose="020B0604020202020204" pitchFamily="34" charset="0"/>
+        <a:buChar char="•"/>
+        <a:defRPr sz="1400" kern="1200">
+          <a:solidFill>
+            <a:schemeClr val="tx1"/>
+          </a:solidFill>
+          <a:latin typeface="+mn-lt"/>
+          <a:ea typeface="+mn-ea"/>
+          <a:cs typeface="+mn-cs"/>
+        </a:defRPr>
+      </a:lvl4pPr>
+      <a:lvl5pPr marL="1143000" indent="-228600" algn="l" defTabSz="914400" rtl="0" eaLnBrk="1" latinLnBrk="0" hangingPunct="1">
+        <a:lnSpc>
+          <a:spcPct val="120000"/>
+        </a:lnSpc>
+        <a:spcBef>
+          <a:spcPts val="500"/>
+        </a:spcBef>
+        <a:buFont typeface="Arial" panose="020B0604020202020204" pitchFamily="34" charset="0"/>
+        <a:buChar char="•"/>
+        <a:defRPr sz="1200" kern="1200">
           <a:solidFill>
             <a:schemeClr val="tx1"/>
           </a:solidFill>
@@ -3207,7 +3853,7 @@
     </p:bodyStyle>
     <p:otherStyle>
       <a:defPPr>
-        <a:defRPr lang="nb-NO"/>
+        <a:defRPr lang="en-US"/>
       </a:defPPr>
       <a:lvl1pPr marL="0" algn="l" defTabSz="914400" rtl="0" eaLnBrk="1" latinLnBrk="0" hangingPunct="1">
         <a:defRPr sz="1800" kern="1200">
@@ -3307,6 +3953,263 @@
 <file path=ppt/slides/slide1.xml><?xml version="1.0" encoding="utf-8"?>
 <p:sld xmlns:a="http://schemas.openxmlformats.org/drawingml/2006/main" xmlns:r="http://schemas.openxmlformats.org/officeDocument/2006/relationships" xmlns:p="http://schemas.openxmlformats.org/presentationml/2006/main">
   <p:cSld>
+    <p:bg>
+      <p:bgPr>
+        <a:solidFill>
+          <a:schemeClr val="bg1"/>
+        </a:solidFill>
+        <a:effectLst/>
+      </p:bgPr>
+    </p:bg>
+    <p:spTree>
+      <p:nvGrpSpPr>
+        <p:cNvPr id="1" name="">
+          <a:extLst>
+            <a:ext uri="{FF2B5EF4-FFF2-40B4-BE49-F238E27FC236}">
+              <a16:creationId xmlns:a16="http://schemas.microsoft.com/office/drawing/2014/main" id="{16D1D9C5-C2A7-31C2-8C25-3CCDDB175513}"/>
+            </a:ext>
+          </a:extLst>
+        </p:cNvPr>
+        <p:cNvGrpSpPr/>
+        <p:nvPr/>
+      </p:nvGrpSpPr>
+      <p:grpSpPr>
+        <a:xfrm>
+          <a:off x="0" y="0"/>
+          <a:ext cx="0" cy="0"/>
+          <a:chOff x="0" y="0"/>
+          <a:chExt cx="0" cy="0"/>
+        </a:xfrm>
+      </p:grpSpPr>
+      <p:sp useBgFill="1">
+        <p:nvSpPr>
+          <p:cNvPr id="16" name="Rectangle 11">
+            <a:extLst>
+              <a:ext uri="{FF2B5EF4-FFF2-40B4-BE49-F238E27FC236}">
+                <a16:creationId xmlns:a16="http://schemas.microsoft.com/office/drawing/2014/main" id="{6ADADBA9-E955-474F-1FE0-823D6E50DA61}"/>
+              </a:ext>
+              <a:ext uri="{C183D7F6-B498-43B3-948B-1728B52AA6E4}">
+                <adec:decorative xmlns:adec="http://schemas.microsoft.com/office/drawing/2017/decorative" val="1"/>
+              </a:ext>
+            </a:extLst>
+          </p:cNvPr>
+          <p:cNvSpPr>
+            <a:spLocks noGrp="1" noRot="1" noChangeAspect="1" noMove="1" noResize="1" noEditPoints="1" noAdjustHandles="1" noChangeArrowheads="1" noChangeShapeType="1" noTextEdit="1"/>
+          </p:cNvSpPr>
+          <p:nvPr>
+            <p:extLst>
+              <p:ext uri="{386F3935-93C4-4BCD-93E2-E3B085C9AB24}">
+                <p16:designElem xmlns:p16="http://schemas.microsoft.com/office/powerpoint/2015/main" val="1"/>
+              </p:ext>
+            </p:extLst>
+          </p:nvPr>
+        </p:nvSpPr>
+        <p:spPr>
+          <a:xfrm>
+            <a:off x="0" y="0"/>
+            <a:ext cx="12192000" cy="6858000"/>
+          </a:xfrm>
+          <a:prstGeom prst="rect">
+            <a:avLst/>
+          </a:prstGeom>
+          <a:ln w="12700" cap="flat" cmpd="sng" algn="ctr">
+            <a:noFill/>
+            <a:prstDash val="solid"/>
+            <a:miter lim="800000"/>
+          </a:ln>
+          <a:effectLst/>
+          <a:extLst>
+            <a:ext uri="{91240B29-F687-4F45-9708-019B960494DF}">
+              <a14:hiddenLine xmlns:a14="http://schemas.microsoft.com/office/drawing/2010/main" w="12700" cap="flat" cmpd="sng" algn="ctr">
+                <a:solidFill>
+                  <a:schemeClr val="accent1">
+                    <a:shade val="15000"/>
+                  </a:schemeClr>
+                </a:solidFill>
+                <a:prstDash val="solid"/>
+                <a:miter lim="800000"/>
+              </a14:hiddenLine>
+            </a:ext>
+          </a:extLst>
+        </p:spPr>
+        <p:style>
+          <a:lnRef idx="2">
+            <a:schemeClr val="accent1">
+              <a:shade val="15000"/>
+            </a:schemeClr>
+          </a:lnRef>
+          <a:fillRef idx="1">
+            <a:schemeClr val="accent1"/>
+          </a:fillRef>
+          <a:effectRef idx="0">
+            <a:schemeClr val="accent1"/>
+          </a:effectRef>
+          <a:fontRef idx="minor">
+            <a:schemeClr val="lt1"/>
+          </a:fontRef>
+        </p:style>
+        <p:txBody>
+          <a:bodyPr rtlCol="0" anchor="ctr"/>
+          <a:lstStyle/>
+          <a:p>
+            <a:pPr algn="ctr"/>
+            <a:endParaRPr lang="en-US"/>
+          </a:p>
+        </p:txBody>
+      </p:sp>
+      <p:pic>
+        <p:nvPicPr>
+          <p:cNvPr id="5" name="Bilde 4" descr="Et bilde som inneholder diagram, sketch, tekst, plan&#10;&#10;KI-generert innhold kan være feil.">
+            <a:extLst>
+              <a:ext uri="{FF2B5EF4-FFF2-40B4-BE49-F238E27FC236}">
+                <a16:creationId xmlns:a16="http://schemas.microsoft.com/office/drawing/2014/main" id="{0AC7A8EF-94AD-115F-3802-166963FF001D}"/>
+              </a:ext>
+            </a:extLst>
+          </p:cNvPr>
+          <p:cNvPicPr>
+            <a:picLocks noChangeAspect="1"/>
+          </p:cNvPicPr>
+          <p:nvPr/>
+        </p:nvPicPr>
+        <p:blipFill>
+          <a:blip r:embed="rId3">
+            <a:extLst>
+              <a:ext uri="{28A0092B-C50C-407E-A947-70E740481C1C}">
+                <a14:useLocalDpi xmlns:a14="http://schemas.microsoft.com/office/drawing/2010/main" val="0"/>
+              </a:ext>
+            </a:extLst>
+          </a:blip>
+          <a:srcRect l="535" r="15934" b="-2"/>
+          <a:stretch>
+            <a:fillRect/>
+          </a:stretch>
+        </p:blipFill>
+        <p:spPr>
+          <a:xfrm>
+            <a:off x="5241470" y="0"/>
+            <a:ext cx="6950529" cy="6858000"/>
+          </a:xfrm>
+          <a:prstGeom prst="rect">
+            <a:avLst/>
+          </a:prstGeom>
+        </p:spPr>
+      </p:pic>
+      <p:sp>
+        <p:nvSpPr>
+          <p:cNvPr id="6" name="Tittel 5">
+            <a:extLst>
+              <a:ext uri="{FF2B5EF4-FFF2-40B4-BE49-F238E27FC236}">
+                <a16:creationId xmlns:a16="http://schemas.microsoft.com/office/drawing/2014/main" id="{23DEEB51-57D0-73EC-7924-AF212C9A8DFE}"/>
+              </a:ext>
+            </a:extLst>
+          </p:cNvPr>
+          <p:cNvSpPr>
+            <a:spLocks noGrp="1"/>
+          </p:cNvSpPr>
+          <p:nvPr>
+            <p:ph type="ctrTitle"/>
+          </p:nvPr>
+        </p:nvSpPr>
+        <p:spPr>
+          <a:xfrm>
+            <a:off x="670045" y="1144879"/>
+            <a:ext cx="3509383" cy="2781752"/>
+          </a:xfrm>
+        </p:spPr>
+        <p:txBody>
+          <a:bodyPr>
+            <a:normAutofit/>
+          </a:bodyPr>
+          <a:lstStyle/>
+          <a:p>
+            <a:pPr algn="l"/>
+            <a:r>
+              <a:rPr lang="nb-NO" sz="3100" dirty="0"/>
+              <a:t>Internettløsning </a:t>
+            </a:r>
+            <a:r>
+              <a:rPr lang="nb-NO" sz="3100" dirty="0" err="1"/>
+              <a:t>Skogvika</a:t>
+            </a:r>
+            <a:r>
+              <a:rPr lang="nb-NO" sz="3100" dirty="0"/>
+              <a:t> VGS</a:t>
+            </a:r>
+          </a:p>
+        </p:txBody>
+      </p:sp>
+      <p:sp>
+        <p:nvSpPr>
+          <p:cNvPr id="7" name="Undertittel 6">
+            <a:extLst>
+              <a:ext uri="{FF2B5EF4-FFF2-40B4-BE49-F238E27FC236}">
+                <a16:creationId xmlns:a16="http://schemas.microsoft.com/office/drawing/2014/main" id="{F86C0C6D-3AF5-F0D0-2898-1BC65960D100}"/>
+              </a:ext>
+            </a:extLst>
+          </p:cNvPr>
+          <p:cNvSpPr>
+            <a:spLocks noGrp="1"/>
+          </p:cNvSpPr>
+          <p:nvPr>
+            <p:ph type="subTitle" idx="1"/>
+          </p:nvPr>
+        </p:nvSpPr>
+        <p:spPr>
+          <a:xfrm>
+            <a:off x="670045" y="4062940"/>
+            <a:ext cx="3509383" cy="1394913"/>
+          </a:xfrm>
+        </p:spPr>
+        <p:txBody>
+          <a:bodyPr>
+            <a:normAutofit/>
+          </a:bodyPr>
+          <a:lstStyle/>
+          <a:p>
+            <a:pPr algn="l"/>
+            <a:r>
+              <a:rPr lang="nb-NO" dirty="0"/>
+              <a:t>Av Filip Andres Fosser</a:t>
+            </a:r>
+          </a:p>
+        </p:txBody>
+      </p:sp>
+    </p:spTree>
+    <p:extLst>
+      <p:ext uri="{BB962C8B-B14F-4D97-AF65-F5344CB8AC3E}">
+        <p14:creationId xmlns:p14="http://schemas.microsoft.com/office/powerpoint/2010/main" val="4119746460"/>
+      </p:ext>
+    </p:extLst>
+  </p:cSld>
+  <p:clrMapOvr>
+    <a:masterClrMapping/>
+  </p:clrMapOvr>
+  <mc:AlternateContent xmlns:mc="http://schemas.openxmlformats.org/markup-compatibility/2006">
+    <mc:Choice xmlns:p159="http://schemas.microsoft.com/office/powerpoint/2015/09/main" Requires="p159">
+      <p:transition xmlns:p14="http://schemas.microsoft.com/office/powerpoint/2010/main" spd="slow" p14:dur="2000">
+        <p159:morph option="byObject"/>
+      </p:transition>
+    </mc:Choice>
+    <mc:Fallback>
+      <p:transition spd="slow">
+        <p:fade/>
+      </p:transition>
+    </mc:Fallback>
+  </mc:AlternateContent>
+</p:sld>
+</file>
+
+<file path=ppt/slides/slide2.xml><?xml version="1.0" encoding="utf-8"?>
+<p:sld xmlns:a="http://schemas.openxmlformats.org/drawingml/2006/main" xmlns:r="http://schemas.openxmlformats.org/officeDocument/2006/relationships" xmlns:p="http://schemas.openxmlformats.org/presentationml/2006/main">
+  <p:cSld>
+    <p:bg>
+      <p:bgPr>
+        <a:solidFill>
+          <a:schemeClr val="bg1"/>
+        </a:solidFill>
+        <a:effectLst/>
+      </p:bgPr>
+    </p:bg>
     <p:spTree>
       <p:nvGrpSpPr>
         <p:cNvPr id="1" name=""/>
@@ -3321,6 +4224,866 @@
           <a:chExt cx="0" cy="0"/>
         </a:xfrm>
       </p:grpSpPr>
+      <p:sp useBgFill="1">
+        <p:nvSpPr>
+          <p:cNvPr id="16" name="Rectangle 11">
+            <a:extLst>
+              <a:ext uri="{FF2B5EF4-FFF2-40B4-BE49-F238E27FC236}">
+                <a16:creationId xmlns:a16="http://schemas.microsoft.com/office/drawing/2014/main" id="{B797DE5A-DA89-0A80-C73D-8DCE1A3E2B33}"/>
+              </a:ext>
+              <a:ext uri="{C183D7F6-B498-43B3-948B-1728B52AA6E4}">
+                <adec:decorative xmlns:adec="http://schemas.microsoft.com/office/drawing/2017/decorative" val="1"/>
+              </a:ext>
+            </a:extLst>
+          </p:cNvPr>
+          <p:cNvSpPr>
+            <a:spLocks noGrp="1" noRot="1" noChangeAspect="1" noMove="1" noResize="1" noEditPoints="1" noAdjustHandles="1" noChangeArrowheads="1" noChangeShapeType="1" noTextEdit="1"/>
+          </p:cNvSpPr>
+          <p:nvPr>
+            <p:extLst>
+              <p:ext uri="{386F3935-93C4-4BCD-93E2-E3B085C9AB24}">
+                <p16:designElem xmlns:p16="http://schemas.microsoft.com/office/powerpoint/2015/main" val="1"/>
+              </p:ext>
+            </p:extLst>
+          </p:nvPr>
+        </p:nvSpPr>
+        <p:spPr>
+          <a:xfrm>
+            <a:off x="0" y="0"/>
+            <a:ext cx="12192000" cy="6858000"/>
+          </a:xfrm>
+          <a:prstGeom prst="rect">
+            <a:avLst/>
+          </a:prstGeom>
+          <a:ln w="12700" cap="flat" cmpd="sng" algn="ctr">
+            <a:noFill/>
+            <a:prstDash val="solid"/>
+            <a:miter lim="800000"/>
+          </a:ln>
+          <a:effectLst/>
+          <a:extLst>
+            <a:ext uri="{91240B29-F687-4F45-9708-019B960494DF}">
+              <a14:hiddenLine xmlns:a14="http://schemas.microsoft.com/office/drawing/2010/main" w="12700" cap="flat" cmpd="sng" algn="ctr">
+                <a:solidFill>
+                  <a:schemeClr val="accent1">
+                    <a:shade val="15000"/>
+                  </a:schemeClr>
+                </a:solidFill>
+                <a:prstDash val="solid"/>
+                <a:miter lim="800000"/>
+              </a14:hiddenLine>
+            </a:ext>
+          </a:extLst>
+        </p:spPr>
+        <p:style>
+          <a:lnRef idx="2">
+            <a:schemeClr val="accent1">
+              <a:shade val="15000"/>
+            </a:schemeClr>
+          </a:lnRef>
+          <a:fillRef idx="1">
+            <a:schemeClr val="accent1"/>
+          </a:fillRef>
+          <a:effectRef idx="0">
+            <a:schemeClr val="accent1"/>
+          </a:effectRef>
+          <a:fontRef idx="minor">
+            <a:schemeClr val="lt1"/>
+          </a:fontRef>
+        </p:style>
+        <p:txBody>
+          <a:bodyPr rtlCol="0" anchor="ctr"/>
+          <a:lstStyle/>
+          <a:p>
+            <a:pPr algn="ctr"/>
+            <a:endParaRPr lang="en-US"/>
+          </a:p>
+        </p:txBody>
+      </p:sp>
+      <p:pic>
+        <p:nvPicPr>
+          <p:cNvPr id="5" name="Bilde 4" descr="Et bilde som inneholder diagram, sketch, tekst, plan&#10;&#10;KI-generert innhold kan være feil.">
+            <a:extLst>
+              <a:ext uri="{FF2B5EF4-FFF2-40B4-BE49-F238E27FC236}">
+                <a16:creationId xmlns:a16="http://schemas.microsoft.com/office/drawing/2014/main" id="{9806C71D-320D-08E9-951F-3FB0C9ED57B9}"/>
+              </a:ext>
+            </a:extLst>
+          </p:cNvPr>
+          <p:cNvPicPr>
+            <a:picLocks noChangeAspect="1"/>
+          </p:cNvPicPr>
+          <p:nvPr/>
+        </p:nvPicPr>
+        <p:blipFill>
+          <a:blip r:embed="rId3">
+            <a:extLst>
+              <a:ext uri="{28A0092B-C50C-407E-A947-70E740481C1C}">
+                <a14:useLocalDpi xmlns:a14="http://schemas.microsoft.com/office/drawing/2010/main" val="0"/>
+              </a:ext>
+            </a:extLst>
+          </a:blip>
+          <a:srcRect l="535" r="15934" b="-2"/>
+          <a:stretch>
+            <a:fillRect/>
+          </a:stretch>
+        </p:blipFill>
+        <p:spPr>
+          <a:xfrm>
+            <a:off x="4124644" y="20543"/>
+            <a:ext cx="7787201" cy="7248429"/>
+          </a:xfrm>
+          <a:prstGeom prst="rect">
+            <a:avLst/>
+          </a:prstGeom>
+        </p:spPr>
+      </p:pic>
+      <p:sp>
+        <p:nvSpPr>
+          <p:cNvPr id="6" name="Tittel 5">
+            <a:extLst>
+              <a:ext uri="{FF2B5EF4-FFF2-40B4-BE49-F238E27FC236}">
+                <a16:creationId xmlns:a16="http://schemas.microsoft.com/office/drawing/2014/main" id="{8A506E20-17DD-FAC9-09C4-15094B5104B7}"/>
+              </a:ext>
+            </a:extLst>
+          </p:cNvPr>
+          <p:cNvSpPr>
+            <a:spLocks noGrp="1"/>
+          </p:cNvSpPr>
+          <p:nvPr>
+            <p:ph type="ctrTitle"/>
+          </p:nvPr>
+        </p:nvSpPr>
+        <p:spPr>
+          <a:xfrm>
+            <a:off x="-5921507" y="-1924893"/>
+            <a:ext cx="3509383" cy="2781752"/>
+          </a:xfrm>
+        </p:spPr>
+        <p:txBody>
+          <a:bodyPr>
+            <a:normAutofit/>
+          </a:bodyPr>
+          <a:lstStyle/>
+          <a:p>
+            <a:pPr algn="l"/>
+            <a:r>
+              <a:rPr lang="nb-NO" sz="3100" dirty="0"/>
+              <a:t>Internettløsning </a:t>
+            </a:r>
+            <a:r>
+              <a:rPr lang="nb-NO" sz="3100" dirty="0" err="1"/>
+              <a:t>Skogvika</a:t>
+            </a:r>
+            <a:r>
+              <a:rPr lang="nb-NO" sz="3100" dirty="0"/>
+              <a:t> VGS</a:t>
+            </a:r>
+          </a:p>
+        </p:txBody>
+      </p:sp>
+      <p:sp>
+        <p:nvSpPr>
+          <p:cNvPr id="7" name="Undertittel 6">
+            <a:extLst>
+              <a:ext uri="{FF2B5EF4-FFF2-40B4-BE49-F238E27FC236}">
+                <a16:creationId xmlns:a16="http://schemas.microsoft.com/office/drawing/2014/main" id="{C17CACC4-1904-7939-D97D-06006F0A80FC}"/>
+              </a:ext>
+            </a:extLst>
+          </p:cNvPr>
+          <p:cNvSpPr>
+            <a:spLocks noGrp="1"/>
+          </p:cNvSpPr>
+          <p:nvPr>
+            <p:ph type="subTitle" idx="1"/>
+          </p:nvPr>
+        </p:nvSpPr>
+        <p:spPr>
+          <a:xfrm>
+            <a:off x="-5921507" y="993168"/>
+            <a:ext cx="3509383" cy="1394913"/>
+          </a:xfrm>
+        </p:spPr>
+        <p:txBody>
+          <a:bodyPr>
+            <a:normAutofit/>
+          </a:bodyPr>
+          <a:lstStyle/>
+          <a:p>
+            <a:pPr algn="l"/>
+            <a:r>
+              <a:rPr lang="nb-NO" dirty="0"/>
+              <a:t>Av Filip Andres Fosser</a:t>
+            </a:r>
+          </a:p>
+        </p:txBody>
+      </p:sp>
+      <p:graphicFrame>
+        <p:nvGraphicFramePr>
+          <p:cNvPr id="9" name="Tabell 8">
+            <a:extLst>
+              <a:ext uri="{FF2B5EF4-FFF2-40B4-BE49-F238E27FC236}">
+                <a16:creationId xmlns:a16="http://schemas.microsoft.com/office/drawing/2014/main" id="{7C586263-7A5B-C383-1E7A-E1D75F2131F0}"/>
+              </a:ext>
+            </a:extLst>
+          </p:cNvPr>
+          <p:cNvGraphicFramePr>
+            <a:graphicFrameLocks noGrp="1"/>
+          </p:cNvGraphicFramePr>
+          <p:nvPr>
+            <p:extLst>
+              <p:ext uri="{D42A27DB-BD31-4B8C-83A1-F6EECF244321}">
+                <p14:modId xmlns:p14="http://schemas.microsoft.com/office/powerpoint/2010/main" val="1958213927"/>
+              </p:ext>
+            </p:extLst>
+          </p:nvPr>
+        </p:nvGraphicFramePr>
+        <p:xfrm>
+          <a:off x="0" y="20545"/>
+          <a:ext cx="4124644" cy="6837453"/>
+        </p:xfrm>
+        <a:graphic>
+          <a:graphicData uri="http://schemas.openxmlformats.org/drawingml/2006/table">
+            <a:tbl>
+              <a:tblPr firstRow="1" bandRow="1">
+                <a:tableStyleId>{5C22544A-7EE6-4342-B048-85BDC9FD1C3A}</a:tableStyleId>
+              </a:tblPr>
+              <a:tblGrid>
+                <a:gridCol w="2062322">
+                  <a:extLst>
+                    <a:ext uri="{9D8B030D-6E8A-4147-A177-3AD203B41FA5}">
+                      <a16:colId xmlns:a16="http://schemas.microsoft.com/office/drawing/2014/main" val="2306244582"/>
+                    </a:ext>
+                  </a:extLst>
+                </a:gridCol>
+                <a:gridCol w="2062322">
+                  <a:extLst>
+                    <a:ext uri="{9D8B030D-6E8A-4147-A177-3AD203B41FA5}">
+                      <a16:colId xmlns:a16="http://schemas.microsoft.com/office/drawing/2014/main" val="129243976"/>
+                    </a:ext>
+                  </a:extLst>
+                </a:gridCol>
+              </a:tblGrid>
+              <a:tr h="976779">
+                <a:tc>
+                  <a:txBody>
+                    <a:bodyPr/>
+                    <a:lstStyle/>
+                    <a:p>
+                      <a:endParaRPr lang="nb-NO" dirty="0"/>
+                    </a:p>
+                  </a:txBody>
+                  <a:tcPr/>
+                </a:tc>
+                <a:tc>
+                  <a:txBody>
+                    <a:bodyPr/>
+                    <a:lstStyle/>
+                    <a:p>
+                      <a:r>
+                        <a:rPr lang="nb-NO" dirty="0"/>
+                        <a:t>Server </a:t>
+                      </a:r>
+                      <a:br>
+                        <a:rPr lang="nb-NO" dirty="0"/>
+                      </a:br>
+                      <a:r>
+                        <a:rPr lang="nb-NO" dirty="0"/>
+                        <a:t>med </a:t>
+                      </a:r>
+                      <a:br>
+                        <a:rPr lang="nb-NO" dirty="0"/>
+                      </a:br>
+                      <a:r>
+                        <a:rPr lang="nb-NO" dirty="0"/>
+                        <a:t>brannmur</a:t>
+                      </a:r>
+                    </a:p>
+                  </a:txBody>
+                  <a:tcPr/>
+                </a:tc>
+                <a:extLst>
+                  <a:ext uri="{0D108BD9-81ED-4DB2-BD59-A6C34878D82A}">
+                    <a16:rowId xmlns:a16="http://schemas.microsoft.com/office/drawing/2014/main" val="1390824905"/>
+                  </a:ext>
+                </a:extLst>
+              </a:tr>
+              <a:tr h="976779">
+                <a:tc>
+                  <a:txBody>
+                    <a:bodyPr/>
+                    <a:lstStyle/>
+                    <a:p>
+                      <a:endParaRPr lang="nb-NO" dirty="0"/>
+                    </a:p>
+                  </a:txBody>
+                  <a:tcPr/>
+                </a:tc>
+                <a:tc>
+                  <a:txBody>
+                    <a:bodyPr/>
+                    <a:lstStyle/>
+                    <a:p>
+                      <a:br>
+                        <a:rPr lang="nb-NO" dirty="0"/>
+                      </a:br>
+                      <a:r>
+                        <a:rPr lang="nb-NO" dirty="0"/>
+                        <a:t>Switch</a:t>
+                      </a:r>
+                    </a:p>
+                  </a:txBody>
+                  <a:tcPr/>
+                </a:tc>
+                <a:extLst>
+                  <a:ext uri="{0D108BD9-81ED-4DB2-BD59-A6C34878D82A}">
+                    <a16:rowId xmlns:a16="http://schemas.microsoft.com/office/drawing/2014/main" val="2605077277"/>
+                  </a:ext>
+                </a:extLst>
+              </a:tr>
+              <a:tr h="976779">
+                <a:tc>
+                  <a:txBody>
+                    <a:bodyPr/>
+                    <a:lstStyle/>
+                    <a:p>
+                      <a:endParaRPr lang="nb-NO" dirty="0"/>
+                    </a:p>
+                  </a:txBody>
+                  <a:tcPr/>
+                </a:tc>
+                <a:tc>
+                  <a:txBody>
+                    <a:bodyPr/>
+                    <a:lstStyle/>
+                    <a:p>
+                      <a:br>
+                        <a:rPr lang="nb-NO" dirty="0"/>
+                      </a:br>
+                      <a:r>
+                        <a:rPr lang="nb-NO" dirty="0"/>
+                        <a:t>UPS</a:t>
+                      </a:r>
+                    </a:p>
+                  </a:txBody>
+                  <a:tcPr/>
+                </a:tc>
+                <a:extLst>
+                  <a:ext uri="{0D108BD9-81ED-4DB2-BD59-A6C34878D82A}">
+                    <a16:rowId xmlns:a16="http://schemas.microsoft.com/office/drawing/2014/main" val="795528467"/>
+                  </a:ext>
+                </a:extLst>
+              </a:tr>
+              <a:tr h="976779">
+                <a:tc>
+                  <a:txBody>
+                    <a:bodyPr/>
+                    <a:lstStyle/>
+                    <a:p>
+                      <a:endParaRPr lang="nb-NO"/>
+                    </a:p>
+                  </a:txBody>
+                  <a:tcPr/>
+                </a:tc>
+                <a:tc>
+                  <a:txBody>
+                    <a:bodyPr/>
+                    <a:lstStyle/>
+                    <a:p>
+                      <a:br>
+                        <a:rPr lang="nb-NO" dirty="0"/>
+                      </a:br>
+                      <a:r>
+                        <a:rPr lang="nb-NO" dirty="0"/>
+                        <a:t>Ruter</a:t>
+                      </a:r>
+                    </a:p>
+                  </a:txBody>
+                  <a:tcPr/>
+                </a:tc>
+                <a:extLst>
+                  <a:ext uri="{0D108BD9-81ED-4DB2-BD59-A6C34878D82A}">
+                    <a16:rowId xmlns:a16="http://schemas.microsoft.com/office/drawing/2014/main" val="984678540"/>
+                  </a:ext>
+                </a:extLst>
+              </a:tr>
+              <a:tr h="976779">
+                <a:tc>
+                  <a:txBody>
+                    <a:bodyPr/>
+                    <a:lstStyle/>
+                    <a:p>
+                      <a:endParaRPr lang="nb-NO"/>
+                    </a:p>
+                  </a:txBody>
+                  <a:tcPr/>
+                </a:tc>
+                <a:tc>
+                  <a:txBody>
+                    <a:bodyPr/>
+                    <a:lstStyle/>
+                    <a:p>
+                      <a:br>
+                        <a:rPr lang="nb-NO" dirty="0"/>
+                      </a:br>
+                      <a:r>
+                        <a:rPr lang="nb-NO" dirty="0"/>
+                        <a:t>Aksesspunkt </a:t>
+                      </a:r>
+                    </a:p>
+                  </a:txBody>
+                  <a:tcPr/>
+                </a:tc>
+                <a:extLst>
+                  <a:ext uri="{0D108BD9-81ED-4DB2-BD59-A6C34878D82A}">
+                    <a16:rowId xmlns:a16="http://schemas.microsoft.com/office/drawing/2014/main" val="2570754512"/>
+                  </a:ext>
+                </a:extLst>
+              </a:tr>
+              <a:tr h="976779">
+                <a:tc>
+                  <a:txBody>
+                    <a:bodyPr/>
+                    <a:lstStyle/>
+                    <a:p>
+                      <a:endParaRPr lang="nb-NO" dirty="0"/>
+                    </a:p>
+                  </a:txBody>
+                  <a:tcPr/>
+                </a:tc>
+                <a:tc>
+                  <a:txBody>
+                    <a:bodyPr/>
+                    <a:lstStyle/>
+                    <a:p>
+                      <a:br>
+                        <a:rPr lang="nb-NO" dirty="0"/>
+                      </a:br>
+                      <a:r>
+                        <a:rPr lang="nb-NO" dirty="0"/>
+                        <a:t>TP-kabel (Cat6a)</a:t>
+                      </a:r>
+                    </a:p>
+                  </a:txBody>
+                  <a:tcPr/>
+                </a:tc>
+                <a:extLst>
+                  <a:ext uri="{0D108BD9-81ED-4DB2-BD59-A6C34878D82A}">
+                    <a16:rowId xmlns:a16="http://schemas.microsoft.com/office/drawing/2014/main" val="182188551"/>
+                  </a:ext>
+                </a:extLst>
+              </a:tr>
+              <a:tr h="976779">
+                <a:tc>
+                  <a:txBody>
+                    <a:bodyPr/>
+                    <a:lstStyle/>
+                    <a:p>
+                      <a:endParaRPr lang="nb-NO" dirty="0"/>
+                    </a:p>
+                  </a:txBody>
+                  <a:tcPr/>
+                </a:tc>
+                <a:tc>
+                  <a:txBody>
+                    <a:bodyPr/>
+                    <a:lstStyle/>
+                    <a:p>
+                      <a:br>
+                        <a:rPr lang="nb-NO" dirty="0"/>
+                      </a:br>
+                      <a:r>
+                        <a:rPr lang="nb-NO" dirty="0"/>
+                        <a:t>Ethernet port</a:t>
+                      </a:r>
+                    </a:p>
+                  </a:txBody>
+                  <a:tcPr/>
+                </a:tc>
+                <a:extLst>
+                  <a:ext uri="{0D108BD9-81ED-4DB2-BD59-A6C34878D82A}">
+                    <a16:rowId xmlns:a16="http://schemas.microsoft.com/office/drawing/2014/main" val="3574671417"/>
+                  </a:ext>
+                </a:extLst>
+              </a:tr>
+            </a:tbl>
+          </a:graphicData>
+        </a:graphic>
+      </p:graphicFrame>
+      <p:pic>
+        <p:nvPicPr>
+          <p:cNvPr id="13" name="Grafikk 12" descr="Database med heldekkende fyll">
+            <a:extLst>
+              <a:ext uri="{FF2B5EF4-FFF2-40B4-BE49-F238E27FC236}">
+                <a16:creationId xmlns:a16="http://schemas.microsoft.com/office/drawing/2014/main" id="{C0B3FC5F-106A-BC9F-A084-BE444066263B}"/>
+              </a:ext>
+            </a:extLst>
+          </p:cNvPr>
+          <p:cNvPicPr>
+            <a:picLocks noChangeAspect="1"/>
+          </p:cNvPicPr>
+          <p:nvPr/>
+        </p:nvPicPr>
+        <p:blipFill>
+          <a:blip r:embed="rId4">
+            <a:extLst>
+              <a:ext uri="{96DAC541-7B7A-43D3-8B79-37D633B846F1}">
+                <asvg:svgBlip xmlns:asvg="http://schemas.microsoft.com/office/drawing/2016/SVG/main" r:embed="rId5"/>
+              </a:ext>
+            </a:extLst>
+          </a:blip>
+          <a:stretch>
+            <a:fillRect/>
+          </a:stretch>
+        </p:blipFill>
+        <p:spPr>
+          <a:xfrm>
+            <a:off x="566725" y="20543"/>
+            <a:ext cx="914400" cy="914400"/>
+          </a:xfrm>
+          <a:prstGeom prst="rect">
+            <a:avLst/>
+          </a:prstGeom>
+        </p:spPr>
+      </p:pic>
+      <p:pic>
+        <p:nvPicPr>
+          <p:cNvPr id="17" name="Grafikk 16" descr="Hierarki med heldekkende fyll">
+            <a:extLst>
+              <a:ext uri="{FF2B5EF4-FFF2-40B4-BE49-F238E27FC236}">
+                <a16:creationId xmlns:a16="http://schemas.microsoft.com/office/drawing/2014/main" id="{31EA86CF-8FAE-D720-7B45-F171E4E56B3E}"/>
+              </a:ext>
+            </a:extLst>
+          </p:cNvPr>
+          <p:cNvPicPr>
+            <a:picLocks noChangeAspect="1"/>
+          </p:cNvPicPr>
+          <p:nvPr/>
+        </p:nvPicPr>
+        <p:blipFill>
+          <a:blip r:embed="rId6">
+            <a:extLst>
+              <a:ext uri="{96DAC541-7B7A-43D3-8B79-37D633B846F1}">
+                <asvg:svgBlip xmlns:asvg="http://schemas.microsoft.com/office/drawing/2016/SVG/main" r:embed="rId7"/>
+              </a:ext>
+            </a:extLst>
+          </a:blip>
+          <a:stretch>
+            <a:fillRect/>
+          </a:stretch>
+        </p:blipFill>
+        <p:spPr>
+          <a:xfrm>
+            <a:off x="566725" y="993168"/>
+            <a:ext cx="914400" cy="914400"/>
+          </a:xfrm>
+          <a:prstGeom prst="rect">
+            <a:avLst/>
+          </a:prstGeom>
+        </p:spPr>
+      </p:pic>
+      <p:pic>
+        <p:nvPicPr>
+          <p:cNvPr id="19" name="Grafikk 18" descr="Batteri som lader med heldekkende fyll">
+            <a:extLst>
+              <a:ext uri="{FF2B5EF4-FFF2-40B4-BE49-F238E27FC236}">
+                <a16:creationId xmlns:a16="http://schemas.microsoft.com/office/drawing/2014/main" id="{69AF9CF1-0E07-24BA-E2BF-49F67DFFB00B}"/>
+              </a:ext>
+            </a:extLst>
+          </p:cNvPr>
+          <p:cNvPicPr>
+            <a:picLocks noChangeAspect="1"/>
+          </p:cNvPicPr>
+          <p:nvPr/>
+        </p:nvPicPr>
+        <p:blipFill>
+          <a:blip r:embed="rId8">
+            <a:extLst>
+              <a:ext uri="{96DAC541-7B7A-43D3-8B79-37D633B846F1}">
+                <asvg:svgBlip xmlns:asvg="http://schemas.microsoft.com/office/drawing/2016/SVG/main" r:embed="rId9"/>
+              </a:ext>
+            </a:extLst>
+          </a:blip>
+          <a:stretch>
+            <a:fillRect/>
+          </a:stretch>
+        </p:blipFill>
+        <p:spPr>
+          <a:xfrm>
+            <a:off x="566725" y="1965793"/>
+            <a:ext cx="914400" cy="914400"/>
+          </a:xfrm>
+          <a:prstGeom prst="rect">
+            <a:avLst/>
+          </a:prstGeom>
+        </p:spPr>
+      </p:pic>
+      <p:pic>
+        <p:nvPicPr>
+          <p:cNvPr id="23" name="Grafikk 22" descr="Trådløs ruter med heldekkende fyll">
+            <a:extLst>
+              <a:ext uri="{FF2B5EF4-FFF2-40B4-BE49-F238E27FC236}">
+                <a16:creationId xmlns:a16="http://schemas.microsoft.com/office/drawing/2014/main" id="{EEE2EB58-0967-F2E4-FAA5-A7FBB95A2BE2}"/>
+              </a:ext>
+            </a:extLst>
+          </p:cNvPr>
+          <p:cNvPicPr>
+            <a:picLocks noChangeAspect="1"/>
+          </p:cNvPicPr>
+          <p:nvPr/>
+        </p:nvPicPr>
+        <p:blipFill>
+          <a:blip r:embed="rId10">
+            <a:extLst>
+              <a:ext uri="{96DAC541-7B7A-43D3-8B79-37D633B846F1}">
+                <asvg:svgBlip xmlns:asvg="http://schemas.microsoft.com/office/drawing/2016/SVG/main" r:embed="rId11"/>
+              </a:ext>
+            </a:extLst>
+          </a:blip>
+          <a:stretch>
+            <a:fillRect/>
+          </a:stretch>
+        </p:blipFill>
+        <p:spPr>
+          <a:xfrm>
+            <a:off x="566725" y="2938418"/>
+            <a:ext cx="914400" cy="914400"/>
+          </a:xfrm>
+          <a:prstGeom prst="rect">
+            <a:avLst/>
+          </a:prstGeom>
+        </p:spPr>
+      </p:pic>
+      <p:pic>
+        <p:nvPicPr>
+          <p:cNvPr id="25" name="Grafikk 24" descr="Trådløs med heldekkende fyll">
+            <a:extLst>
+              <a:ext uri="{FF2B5EF4-FFF2-40B4-BE49-F238E27FC236}">
+                <a16:creationId xmlns:a16="http://schemas.microsoft.com/office/drawing/2014/main" id="{C932C14C-462D-F1E5-3B1C-3BA6BD4638D1}"/>
+              </a:ext>
+            </a:extLst>
+          </p:cNvPr>
+          <p:cNvPicPr>
+            <a:picLocks noChangeAspect="1"/>
+          </p:cNvPicPr>
+          <p:nvPr/>
+        </p:nvPicPr>
+        <p:blipFill>
+          <a:blip r:embed="rId12">
+            <a:extLst>
+              <a:ext uri="{96DAC541-7B7A-43D3-8B79-37D633B846F1}">
+                <asvg:svgBlip xmlns:asvg="http://schemas.microsoft.com/office/drawing/2016/SVG/main" r:embed="rId13"/>
+              </a:ext>
+            </a:extLst>
+          </a:blip>
+          <a:stretch>
+            <a:fillRect/>
+          </a:stretch>
+        </p:blipFill>
+        <p:spPr>
+          <a:xfrm>
+            <a:off x="566725" y="3873363"/>
+            <a:ext cx="914400" cy="914400"/>
+          </a:xfrm>
+          <a:prstGeom prst="rect">
+            <a:avLst/>
+          </a:prstGeom>
+        </p:spPr>
+      </p:pic>
+      <mc:AlternateContent xmlns:mc="http://schemas.openxmlformats.org/markup-compatibility/2006">
+        <mc:Choice xmlns:p14="http://schemas.microsoft.com/office/powerpoint/2010/main" Requires="p14">
+          <p:contentPart p14:bwMode="auto" r:id="rId14">
+            <p14:nvContentPartPr>
+              <p14:cNvPr id="32" name="Håndskrift 31">
+                <a:extLst>
+                  <a:ext uri="{FF2B5EF4-FFF2-40B4-BE49-F238E27FC236}">
+                    <a16:creationId xmlns:a16="http://schemas.microsoft.com/office/drawing/2014/main" id="{E86C97CA-D425-5D2E-9576-363B3CF1C9FD}"/>
+                  </a:ext>
+                </a:extLst>
+              </p14:cNvPr>
+              <p14:cNvContentPartPr/>
+              <p14:nvPr/>
+            </p14:nvContentPartPr>
+            <p14:xfrm>
+              <a:off x="683457" y="5034986"/>
+              <a:ext cx="675150" cy="675150"/>
+            </p14:xfrm>
+          </p:contentPart>
+        </mc:Choice>
+        <mc:Fallback>
+          <p:pic>
+            <p:nvPicPr>
+              <p:cNvPr id="32" name="Håndskrift 31">
+                <a:extLst>
+                  <a:ext uri="{FF2B5EF4-FFF2-40B4-BE49-F238E27FC236}">
+                    <a16:creationId xmlns:a16="http://schemas.microsoft.com/office/drawing/2014/main" id="{E86C97CA-D425-5D2E-9576-363B3CF1C9FD}"/>
+                  </a:ext>
+                </a:extLst>
+              </p:cNvPr>
+              <p:cNvPicPr/>
+              <p:nvPr/>
+            </p:nvPicPr>
+            <p:blipFill>
+              <a:blip r:embed="rId15"/>
+              <a:stretch>
+                <a:fillRect/>
+              </a:stretch>
+            </p:blipFill>
+            <p:spPr>
+              <a:xfrm>
+                <a:off x="647809" y="4998978"/>
+                <a:ext cx="746806" cy="746806"/>
+              </a:xfrm>
+              <a:prstGeom prst="rect">
+                <a:avLst/>
+              </a:prstGeom>
+            </p:spPr>
+          </p:pic>
+        </mc:Fallback>
+      </mc:AlternateContent>
+      <p:pic>
+        <p:nvPicPr>
+          <p:cNvPr id="34" name="Grafikk 33" descr="Nettverksdiagram med heldekkende fyll">
+            <a:extLst>
+              <a:ext uri="{FF2B5EF4-FFF2-40B4-BE49-F238E27FC236}">
+                <a16:creationId xmlns:a16="http://schemas.microsoft.com/office/drawing/2014/main" id="{69373CB8-0017-ED85-B234-505AA5619B4D}"/>
+              </a:ext>
+            </a:extLst>
+          </p:cNvPr>
+          <p:cNvPicPr>
+            <a:picLocks noChangeAspect="1"/>
+          </p:cNvPicPr>
+          <p:nvPr/>
+        </p:nvPicPr>
+        <p:blipFill>
+          <a:blip r:embed="rId16">
+            <a:extLst>
+              <a:ext uri="{96DAC541-7B7A-43D3-8B79-37D633B846F1}">
+                <asvg:svgBlip xmlns:asvg="http://schemas.microsoft.com/office/drawing/2016/SVG/main" r:embed="rId17"/>
+              </a:ext>
+            </a:extLst>
+          </a:blip>
+          <a:stretch>
+            <a:fillRect/>
+          </a:stretch>
+        </p:blipFill>
+        <p:spPr>
+          <a:xfrm>
+            <a:off x="683457" y="5826867"/>
+            <a:ext cx="914400" cy="914400"/>
+          </a:xfrm>
+          <a:prstGeom prst="rect">
+            <a:avLst/>
+          </a:prstGeom>
+        </p:spPr>
+      </p:pic>
+      <p:pic>
+        <p:nvPicPr>
+          <p:cNvPr id="35" name="Grafikk 34" descr="Database med heldekkende fyll">
+            <a:extLst>
+              <a:ext uri="{FF2B5EF4-FFF2-40B4-BE49-F238E27FC236}">
+                <a16:creationId xmlns:a16="http://schemas.microsoft.com/office/drawing/2014/main" id="{C0B99364-9009-07E4-68A1-282E67CB60D4}"/>
+              </a:ext>
+            </a:extLst>
+          </p:cNvPr>
+          <p:cNvPicPr>
+            <a:picLocks noChangeAspect="1"/>
+          </p:cNvPicPr>
+          <p:nvPr/>
+        </p:nvPicPr>
+        <p:blipFill>
+          <a:blip r:embed="rId4">
+            <a:extLst>
+              <a:ext uri="{96DAC541-7B7A-43D3-8B79-37D633B846F1}">
+                <asvg:svgBlip xmlns:asvg="http://schemas.microsoft.com/office/drawing/2016/SVG/main" r:embed="rId5"/>
+              </a:ext>
+            </a:extLst>
+          </a:blip>
+          <a:stretch>
+            <a:fillRect/>
+          </a:stretch>
+        </p:blipFill>
+        <p:spPr>
+          <a:xfrm rot="19740202">
+            <a:off x="8406980" y="5255766"/>
+            <a:ext cx="306688" cy="306688"/>
+          </a:xfrm>
+          <a:prstGeom prst="rect">
+            <a:avLst/>
+          </a:prstGeom>
+        </p:spPr>
+      </p:pic>
+      <p:pic>
+        <p:nvPicPr>
+          <p:cNvPr id="36" name="Grafikk 35" descr="Batteri som lader med heldekkende fyll">
+            <a:extLst>
+              <a:ext uri="{FF2B5EF4-FFF2-40B4-BE49-F238E27FC236}">
+                <a16:creationId xmlns:a16="http://schemas.microsoft.com/office/drawing/2014/main" id="{1E4AB249-A057-F030-73D8-0DE16463AA20}"/>
+              </a:ext>
+            </a:extLst>
+          </p:cNvPr>
+          <p:cNvPicPr>
+            <a:picLocks noChangeAspect="1"/>
+          </p:cNvPicPr>
+          <p:nvPr/>
+        </p:nvPicPr>
+        <p:blipFill>
+          <a:blip r:embed="rId8">
+            <a:extLst>
+              <a:ext uri="{96DAC541-7B7A-43D3-8B79-37D633B846F1}">
+                <asvg:svgBlip xmlns:asvg="http://schemas.microsoft.com/office/drawing/2016/SVG/main" r:embed="rId9"/>
+              </a:ext>
+            </a:extLst>
+          </a:blip>
+          <a:stretch>
+            <a:fillRect/>
+          </a:stretch>
+        </p:blipFill>
+        <p:spPr>
+          <a:xfrm rot="18825593">
+            <a:off x="9261440" y="6116140"/>
+            <a:ext cx="208885" cy="208885"/>
+          </a:xfrm>
+          <a:prstGeom prst="rect">
+            <a:avLst/>
+          </a:prstGeom>
+        </p:spPr>
+      </p:pic>
+      <p:pic>
+        <p:nvPicPr>
+          <p:cNvPr id="37" name="Grafikk 36" descr="Trådløs ruter med heldekkende fyll">
+            <a:extLst>
+              <a:ext uri="{FF2B5EF4-FFF2-40B4-BE49-F238E27FC236}">
+                <a16:creationId xmlns:a16="http://schemas.microsoft.com/office/drawing/2014/main" id="{7F57BF9C-2FBC-A26A-FDC6-23F3A515E4E1}"/>
+              </a:ext>
+            </a:extLst>
+          </p:cNvPr>
+          <p:cNvPicPr>
+            <a:picLocks noChangeAspect="1"/>
+          </p:cNvPicPr>
+          <p:nvPr/>
+        </p:nvPicPr>
+        <p:blipFill>
+          <a:blip r:embed="rId10">
+            <a:extLst>
+              <a:ext uri="{96DAC541-7B7A-43D3-8B79-37D633B846F1}">
+                <asvg:svgBlip xmlns:asvg="http://schemas.microsoft.com/office/drawing/2016/SVG/main" r:embed="rId11"/>
+              </a:ext>
+            </a:extLst>
+          </a:blip>
+          <a:stretch>
+            <a:fillRect/>
+          </a:stretch>
+        </p:blipFill>
+        <p:spPr>
+          <a:xfrm rot="19585057">
+            <a:off x="8607034" y="5026014"/>
+            <a:ext cx="426674" cy="426674"/>
+          </a:xfrm>
+          <a:prstGeom prst="rect">
+            <a:avLst/>
+          </a:prstGeom>
+        </p:spPr>
+      </p:pic>
     </p:spTree>
     <p:extLst>
       <p:ext uri="{BB962C8B-B14F-4D97-AF65-F5344CB8AC3E}">
@@ -3331,10 +5094,223 @@
   <p:clrMapOvr>
     <a:masterClrMapping/>
   </p:clrMapOvr>
+  <mc:AlternateContent xmlns:mc="http://schemas.openxmlformats.org/markup-compatibility/2006">
+    <mc:Choice xmlns:p159="http://schemas.microsoft.com/office/powerpoint/2015/09/main" Requires="p159">
+      <p:transition xmlns:p14="http://schemas.microsoft.com/office/powerpoint/2010/main" spd="slow" p14:dur="2000">
+        <p159:morph option="byObject"/>
+      </p:transition>
+    </mc:Choice>
+    <mc:Fallback>
+      <p:transition spd="slow">
+        <p:fade/>
+      </p:transition>
+    </mc:Fallback>
+  </mc:AlternateContent>
 </p:sld>
 </file>
 
 <file path=ppt/theme/theme1.xml><?xml version="1.0" encoding="utf-8"?>
+<a:theme xmlns:a="http://schemas.openxmlformats.org/drawingml/2006/main" name="VanillaVTI">
+  <a:themeElements>
+    <a:clrScheme name="Vanilla">
+      <a:dk1>
+        <a:sysClr val="windowText" lastClr="000000"/>
+      </a:dk1>
+      <a:lt1>
+        <a:sysClr val="window" lastClr="FFFFFF"/>
+      </a:lt1>
+      <a:dk2>
+        <a:srgbClr val="2C3932"/>
+      </a:dk2>
+      <a:lt2>
+        <a:srgbClr val="FDF6EA"/>
+      </a:lt2>
+      <a:accent1>
+        <a:srgbClr val="169C9A"/>
+      </a:accent1>
+      <a:accent2>
+        <a:srgbClr val="FA9A42"/>
+      </a:accent2>
+      <a:accent3>
+        <a:srgbClr val="E15C3D"/>
+      </a:accent3>
+      <a:accent4>
+        <a:srgbClr val="E78A67"/>
+      </a:accent4>
+      <a:accent5>
+        <a:srgbClr val="A74B40"/>
+      </a:accent5>
+      <a:accent6>
+        <a:srgbClr val="3D9072"/>
+      </a:accent6>
+      <a:hlink>
+        <a:srgbClr val="169C9A"/>
+      </a:hlink>
+      <a:folHlink>
+        <a:srgbClr val="E15C3D"/>
+      </a:folHlink>
+    </a:clrScheme>
+    <a:fontScheme name="Neue Haas">
+      <a:majorFont>
+        <a:latin typeface="Neue Haas Grotesk Text Pro"/>
+        <a:ea typeface=""/>
+        <a:cs typeface=""/>
+      </a:majorFont>
+      <a:minorFont>
+        <a:latin typeface="Neue Haas Grotesk Text Pro"/>
+        <a:ea typeface=""/>
+        <a:cs typeface=""/>
+      </a:minorFont>
+    </a:fontScheme>
+    <a:fmtScheme name="Office">
+      <a:fillStyleLst>
+        <a:solidFill>
+          <a:schemeClr val="phClr"/>
+        </a:solidFill>
+        <a:gradFill rotWithShape="1">
+          <a:gsLst>
+            <a:gs pos="0">
+              <a:schemeClr val="phClr">
+                <a:lumMod val="110000"/>
+                <a:satMod val="105000"/>
+                <a:tint val="67000"/>
+              </a:schemeClr>
+            </a:gs>
+            <a:gs pos="50000">
+              <a:schemeClr val="phClr">
+                <a:lumMod val="105000"/>
+                <a:satMod val="103000"/>
+                <a:tint val="73000"/>
+              </a:schemeClr>
+            </a:gs>
+            <a:gs pos="100000">
+              <a:schemeClr val="phClr">
+                <a:lumMod val="105000"/>
+                <a:satMod val="109000"/>
+                <a:tint val="81000"/>
+              </a:schemeClr>
+            </a:gs>
+          </a:gsLst>
+          <a:lin ang="5400000" scaled="0"/>
+        </a:gradFill>
+        <a:gradFill rotWithShape="1">
+          <a:gsLst>
+            <a:gs pos="0">
+              <a:schemeClr val="phClr">
+                <a:satMod val="103000"/>
+                <a:lumMod val="102000"/>
+                <a:tint val="94000"/>
+              </a:schemeClr>
+            </a:gs>
+            <a:gs pos="50000">
+              <a:schemeClr val="phClr">
+                <a:satMod val="110000"/>
+                <a:lumMod val="100000"/>
+                <a:shade val="100000"/>
+              </a:schemeClr>
+            </a:gs>
+            <a:gs pos="100000">
+              <a:schemeClr val="phClr">
+                <a:lumMod val="99000"/>
+                <a:satMod val="120000"/>
+                <a:shade val="78000"/>
+              </a:schemeClr>
+            </a:gs>
+          </a:gsLst>
+          <a:lin ang="5400000" scaled="0"/>
+        </a:gradFill>
+      </a:fillStyleLst>
+      <a:lnStyleLst>
+        <a:ln w="6350" cap="flat" cmpd="sng" algn="ctr">
+          <a:solidFill>
+            <a:schemeClr val="phClr"/>
+          </a:solidFill>
+          <a:prstDash val="solid"/>
+          <a:miter lim="800000"/>
+        </a:ln>
+        <a:ln w="12700" cap="flat" cmpd="sng" algn="ctr">
+          <a:solidFill>
+            <a:schemeClr val="phClr"/>
+          </a:solidFill>
+          <a:prstDash val="solid"/>
+          <a:miter lim="800000"/>
+        </a:ln>
+        <a:ln w="19050" cap="flat" cmpd="sng" algn="ctr">
+          <a:solidFill>
+            <a:schemeClr val="phClr"/>
+          </a:solidFill>
+          <a:prstDash val="solid"/>
+          <a:miter lim="800000"/>
+        </a:ln>
+      </a:lnStyleLst>
+      <a:effectStyleLst>
+        <a:effectStyle>
+          <a:effectLst/>
+        </a:effectStyle>
+        <a:effectStyle>
+          <a:effectLst/>
+        </a:effectStyle>
+        <a:effectStyle>
+          <a:effectLst>
+            <a:outerShdw blurRad="57150" dist="19050" dir="5400000" algn="ctr" rotWithShape="0">
+              <a:srgbClr val="000000">
+                <a:alpha val="63000"/>
+              </a:srgbClr>
+            </a:outerShdw>
+          </a:effectLst>
+        </a:effectStyle>
+      </a:effectStyleLst>
+      <a:bgFillStyleLst>
+        <a:solidFill>
+          <a:schemeClr val="phClr"/>
+        </a:solidFill>
+        <a:solidFill>
+          <a:schemeClr val="phClr">
+            <a:tint val="95000"/>
+            <a:satMod val="170000"/>
+          </a:schemeClr>
+        </a:solidFill>
+        <a:gradFill rotWithShape="1">
+          <a:gsLst>
+            <a:gs pos="0">
+              <a:schemeClr val="phClr">
+                <a:tint val="93000"/>
+                <a:satMod val="150000"/>
+                <a:shade val="98000"/>
+                <a:lumMod val="102000"/>
+              </a:schemeClr>
+            </a:gs>
+            <a:gs pos="50000">
+              <a:schemeClr val="phClr">
+                <a:tint val="98000"/>
+                <a:satMod val="130000"/>
+                <a:shade val="90000"/>
+                <a:lumMod val="103000"/>
+              </a:schemeClr>
+            </a:gs>
+            <a:gs pos="100000">
+              <a:schemeClr val="phClr">
+                <a:shade val="63000"/>
+                <a:satMod val="120000"/>
+              </a:schemeClr>
+            </a:gs>
+          </a:gsLst>
+          <a:lin ang="5400000" scaled="0"/>
+        </a:gradFill>
+      </a:bgFillStyleLst>
+    </a:fmtScheme>
+  </a:themeElements>
+  <a:objectDefaults/>
+  <a:extraClrSchemeLst/>
+  <a:extLst>
+    <a:ext uri="{05A4C25C-085E-4340-85A3-A5531E510DB2}">
+      <thm15:themeFamily xmlns:thm15="http://schemas.microsoft.com/office/thememl/2012/main" name="VanillaVTI" id="{54D376C6-1C9B-4C6B-8F3C-483BB307BB05}" vid="{7690D8A9-C071-45EF-BA7A-F7FA9779B11D}"/>
+    </a:ext>
+  </a:extLst>
+</a:theme>
+</file>
+
+<file path=ppt/theme/theme2.xml><?xml version="1.0" encoding="utf-8"?>
 <a:theme xmlns:a="http://schemas.openxmlformats.org/drawingml/2006/main" name="Office-tema">
   <a:themeElements>
     <a:clrScheme name="Office">
